--- a/前端学习班第4期.pptx
+++ b/前端学习班第4期.pptx
@@ -37,7 +37,7 @@
     <p:sldId id="265" r:id="rId25"/>
     <p:sldId id="270" r:id="rId26"/>
     <p:sldId id="268" r:id="rId27"/>
-    <p:sldId id="293" r:id="rId28"/>
+    <p:sldId id="301" r:id="rId28"/>
     <p:sldId id="292" r:id="rId29"/>
     <p:sldId id="294" r:id="rId30"/>
   </p:sldIdLst>
@@ -153,6 +153,9 @@
         </p15:guide>
       </p15:sldGuideLst>
     </p:ext>
+    <p:ext uri="{2D200454-40CA-4A62-9FC3-DE9A4176ACB9}">
+      <p15:notesGuideLst xmlns:p15="http://schemas.microsoft.com/office/powerpoint/2012/main"/>
+    </p:ext>
   </p:extLst>
 </p:presentation>
 </file>
@@ -167,6 +170,3238 @@
     </p:extLst>
   </p:cmAuthor>
 </p:cmAuthorLst>
+</file>
+
+<file path=ppt/diagrams/colors1.xml><?xml version="1.0" encoding="utf-8"?>
+<dgm:colorsDef xmlns:dgm="http://schemas.openxmlformats.org/drawingml/2006/diagram" xmlns:a="http://schemas.openxmlformats.org/drawingml/2006/main" uniqueId="urn:microsoft.com/office/officeart/2005/8/colors/accent1_2">
+  <dgm:title val=""/>
+  <dgm:desc val=""/>
+  <dgm:catLst>
+    <dgm:cat type="accent1" pri="11200"/>
+  </dgm:catLst>
+  <dgm:styleLbl name="node0">
+    <dgm:fillClrLst meth="repeat">
+      <a:schemeClr val="accent1"/>
+    </dgm:fillClrLst>
+    <dgm:linClrLst meth="repeat">
+      <a:schemeClr val="lt1"/>
+    </dgm:linClrLst>
+    <dgm:effectClrLst/>
+    <dgm:txLinClrLst/>
+    <dgm:txFillClrLst/>
+    <dgm:txEffectClrLst/>
+  </dgm:styleLbl>
+  <dgm:styleLbl name="alignNode1">
+    <dgm:fillClrLst meth="repeat">
+      <a:schemeClr val="accent1"/>
+    </dgm:fillClrLst>
+    <dgm:linClrLst meth="repeat">
+      <a:schemeClr val="accent1"/>
+    </dgm:linClrLst>
+    <dgm:effectClrLst/>
+    <dgm:txLinClrLst/>
+    <dgm:txFillClrLst/>
+    <dgm:txEffectClrLst/>
+  </dgm:styleLbl>
+  <dgm:styleLbl name="node1">
+    <dgm:fillClrLst meth="repeat">
+      <a:schemeClr val="accent1"/>
+    </dgm:fillClrLst>
+    <dgm:linClrLst meth="repeat">
+      <a:schemeClr val="lt1"/>
+    </dgm:linClrLst>
+    <dgm:effectClrLst/>
+    <dgm:txLinClrLst/>
+    <dgm:txFillClrLst/>
+    <dgm:txEffectClrLst/>
+  </dgm:styleLbl>
+  <dgm:styleLbl name="lnNode1">
+    <dgm:fillClrLst meth="repeat">
+      <a:schemeClr val="accent1"/>
+    </dgm:fillClrLst>
+    <dgm:linClrLst meth="repeat">
+      <a:schemeClr val="lt1"/>
+    </dgm:linClrLst>
+    <dgm:effectClrLst/>
+    <dgm:txLinClrLst/>
+    <dgm:txFillClrLst/>
+    <dgm:txEffectClrLst/>
+  </dgm:styleLbl>
+  <dgm:styleLbl name="vennNode1">
+    <dgm:fillClrLst meth="repeat">
+      <a:schemeClr val="accent1">
+        <a:alpha val="50000"/>
+      </a:schemeClr>
+    </dgm:fillClrLst>
+    <dgm:linClrLst meth="repeat">
+      <a:schemeClr val="lt1"/>
+    </dgm:linClrLst>
+    <dgm:effectClrLst/>
+    <dgm:txLinClrLst/>
+    <dgm:txFillClrLst/>
+    <dgm:txEffectClrLst/>
+  </dgm:styleLbl>
+  <dgm:styleLbl name="node2">
+    <dgm:fillClrLst meth="repeat">
+      <a:schemeClr val="accent1"/>
+    </dgm:fillClrLst>
+    <dgm:linClrLst meth="repeat">
+      <a:schemeClr val="lt1"/>
+    </dgm:linClrLst>
+    <dgm:effectClrLst/>
+    <dgm:txLinClrLst/>
+    <dgm:txFillClrLst/>
+    <dgm:txEffectClrLst/>
+  </dgm:styleLbl>
+  <dgm:styleLbl name="node3">
+    <dgm:fillClrLst meth="repeat">
+      <a:schemeClr val="accent1"/>
+    </dgm:fillClrLst>
+    <dgm:linClrLst meth="repeat">
+      <a:schemeClr val="lt1"/>
+    </dgm:linClrLst>
+    <dgm:effectClrLst/>
+    <dgm:txLinClrLst/>
+    <dgm:txFillClrLst/>
+    <dgm:txEffectClrLst/>
+  </dgm:styleLbl>
+  <dgm:styleLbl name="node4">
+    <dgm:fillClrLst meth="repeat">
+      <a:schemeClr val="accent1"/>
+    </dgm:fillClrLst>
+    <dgm:linClrLst meth="repeat">
+      <a:schemeClr val="lt1"/>
+    </dgm:linClrLst>
+    <dgm:effectClrLst/>
+    <dgm:txLinClrLst/>
+    <dgm:txFillClrLst/>
+    <dgm:txEffectClrLst/>
+  </dgm:styleLbl>
+  <dgm:styleLbl name="fgImgPlace1">
+    <dgm:fillClrLst meth="repeat">
+      <a:schemeClr val="accent1">
+        <a:tint val="50000"/>
+      </a:schemeClr>
+    </dgm:fillClrLst>
+    <dgm:linClrLst meth="repeat">
+      <a:schemeClr val="lt1"/>
+    </dgm:linClrLst>
+    <dgm:effectClrLst/>
+    <dgm:txLinClrLst/>
+    <dgm:txFillClrLst meth="repeat">
+      <a:schemeClr val="lt1"/>
+    </dgm:txFillClrLst>
+    <dgm:txEffectClrLst/>
+  </dgm:styleLbl>
+  <dgm:styleLbl name="alignImgPlace1">
+    <dgm:fillClrLst meth="repeat">
+      <a:schemeClr val="accent1">
+        <a:tint val="50000"/>
+      </a:schemeClr>
+    </dgm:fillClrLst>
+    <dgm:linClrLst meth="repeat">
+      <a:schemeClr val="lt1"/>
+    </dgm:linClrLst>
+    <dgm:effectClrLst/>
+    <dgm:txLinClrLst/>
+    <dgm:txFillClrLst meth="repeat">
+      <a:schemeClr val="lt1"/>
+    </dgm:txFillClrLst>
+    <dgm:txEffectClrLst/>
+  </dgm:styleLbl>
+  <dgm:styleLbl name="bgImgPlace1">
+    <dgm:fillClrLst meth="repeat">
+      <a:schemeClr val="accent1">
+        <a:tint val="50000"/>
+      </a:schemeClr>
+    </dgm:fillClrLst>
+    <dgm:linClrLst meth="repeat">
+      <a:schemeClr val="lt1"/>
+    </dgm:linClrLst>
+    <dgm:effectClrLst/>
+    <dgm:txLinClrLst/>
+    <dgm:txFillClrLst meth="repeat">
+      <a:schemeClr val="lt1"/>
+    </dgm:txFillClrLst>
+    <dgm:txEffectClrLst/>
+  </dgm:styleLbl>
+  <dgm:styleLbl name="sibTrans2D1">
+    <dgm:fillClrLst meth="repeat">
+      <a:schemeClr val="accent1">
+        <a:tint val="60000"/>
+      </a:schemeClr>
+    </dgm:fillClrLst>
+    <dgm:linClrLst meth="repeat">
+      <a:schemeClr val="accent1">
+        <a:tint val="60000"/>
+      </a:schemeClr>
+    </dgm:linClrLst>
+    <dgm:effectClrLst/>
+    <dgm:txLinClrLst/>
+    <dgm:txFillClrLst/>
+    <dgm:txEffectClrLst/>
+  </dgm:styleLbl>
+  <dgm:styleLbl name="fgSibTrans2D1">
+    <dgm:fillClrLst meth="repeat">
+      <a:schemeClr val="accent1">
+        <a:tint val="60000"/>
+      </a:schemeClr>
+    </dgm:fillClrLst>
+    <dgm:linClrLst meth="repeat">
+      <a:schemeClr val="accent1">
+        <a:tint val="60000"/>
+      </a:schemeClr>
+    </dgm:linClrLst>
+    <dgm:effectClrLst/>
+    <dgm:txLinClrLst/>
+    <dgm:txFillClrLst/>
+    <dgm:txEffectClrLst/>
+  </dgm:styleLbl>
+  <dgm:styleLbl name="bgSibTrans2D1">
+    <dgm:fillClrLst meth="repeat">
+      <a:schemeClr val="accent1">
+        <a:tint val="60000"/>
+      </a:schemeClr>
+    </dgm:fillClrLst>
+    <dgm:linClrLst meth="repeat">
+      <a:schemeClr val="accent1">
+        <a:tint val="60000"/>
+      </a:schemeClr>
+    </dgm:linClrLst>
+    <dgm:effectClrLst/>
+    <dgm:txLinClrLst/>
+    <dgm:txFillClrLst/>
+    <dgm:txEffectClrLst/>
+  </dgm:styleLbl>
+  <dgm:styleLbl name="sibTrans1D1">
+    <dgm:fillClrLst meth="repeat">
+      <a:schemeClr val="accent1"/>
+    </dgm:fillClrLst>
+    <dgm:linClrLst meth="repeat">
+      <a:schemeClr val="accent1"/>
+    </dgm:linClrLst>
+    <dgm:effectClrLst/>
+    <dgm:txLinClrLst/>
+    <dgm:txFillClrLst meth="repeat">
+      <a:schemeClr val="tx1"/>
+    </dgm:txFillClrLst>
+    <dgm:txEffectClrLst/>
+  </dgm:styleLbl>
+  <dgm:styleLbl name="callout">
+    <dgm:fillClrLst meth="repeat">
+      <a:schemeClr val="accent1"/>
+    </dgm:fillClrLst>
+    <dgm:linClrLst meth="repeat">
+      <a:schemeClr val="accent1">
+        <a:tint val="50000"/>
+      </a:schemeClr>
+    </dgm:linClrLst>
+    <dgm:effectClrLst/>
+    <dgm:txLinClrLst/>
+    <dgm:txFillClrLst meth="repeat">
+      <a:schemeClr val="tx1"/>
+    </dgm:txFillClrLst>
+    <dgm:txEffectClrLst/>
+  </dgm:styleLbl>
+  <dgm:styleLbl name="asst0">
+    <dgm:fillClrLst meth="repeat">
+      <a:schemeClr val="accent1"/>
+    </dgm:fillClrLst>
+    <dgm:linClrLst meth="repeat">
+      <a:schemeClr val="lt1"/>
+    </dgm:linClrLst>
+    <dgm:effectClrLst/>
+    <dgm:txLinClrLst/>
+    <dgm:txFillClrLst/>
+    <dgm:txEffectClrLst/>
+  </dgm:styleLbl>
+  <dgm:styleLbl name="asst1">
+    <dgm:fillClrLst meth="repeat">
+      <a:schemeClr val="accent1"/>
+    </dgm:fillClrLst>
+    <dgm:linClrLst meth="repeat">
+      <a:schemeClr val="lt1"/>
+    </dgm:linClrLst>
+    <dgm:effectClrLst/>
+    <dgm:txLinClrLst/>
+    <dgm:txFillClrLst/>
+    <dgm:txEffectClrLst/>
+  </dgm:styleLbl>
+  <dgm:styleLbl name="asst2">
+    <dgm:fillClrLst meth="repeat">
+      <a:schemeClr val="accent1"/>
+    </dgm:fillClrLst>
+    <dgm:linClrLst meth="repeat">
+      <a:schemeClr val="lt1"/>
+    </dgm:linClrLst>
+    <dgm:effectClrLst/>
+    <dgm:txLinClrLst/>
+    <dgm:txFillClrLst/>
+    <dgm:txEffectClrLst/>
+  </dgm:styleLbl>
+  <dgm:styleLbl name="asst3">
+    <dgm:fillClrLst meth="repeat">
+      <a:schemeClr val="accent1"/>
+    </dgm:fillClrLst>
+    <dgm:linClrLst meth="repeat">
+      <a:schemeClr val="lt1"/>
+    </dgm:linClrLst>
+    <dgm:effectClrLst/>
+    <dgm:txLinClrLst/>
+    <dgm:txFillClrLst/>
+    <dgm:txEffectClrLst/>
+  </dgm:styleLbl>
+  <dgm:styleLbl name="asst4">
+    <dgm:fillClrLst meth="repeat">
+      <a:schemeClr val="accent1"/>
+    </dgm:fillClrLst>
+    <dgm:linClrLst meth="repeat">
+      <a:schemeClr val="lt1"/>
+    </dgm:linClrLst>
+    <dgm:effectClrLst/>
+    <dgm:txLinClrLst/>
+    <dgm:txFillClrLst/>
+    <dgm:txEffectClrLst/>
+  </dgm:styleLbl>
+  <dgm:styleLbl name="parChTrans2D1">
+    <dgm:fillClrLst meth="repeat">
+      <a:schemeClr val="accent1">
+        <a:tint val="60000"/>
+      </a:schemeClr>
+    </dgm:fillClrLst>
+    <dgm:linClrLst meth="repeat">
+      <a:schemeClr val="accent1">
+        <a:tint val="60000"/>
+      </a:schemeClr>
+    </dgm:linClrLst>
+    <dgm:effectClrLst/>
+    <dgm:txLinClrLst/>
+    <dgm:txFillClrLst meth="repeat">
+      <a:schemeClr val="lt1"/>
+    </dgm:txFillClrLst>
+    <dgm:txEffectClrLst/>
+  </dgm:styleLbl>
+  <dgm:styleLbl name="parChTrans2D2">
+    <dgm:fillClrLst meth="repeat">
+      <a:schemeClr val="accent1"/>
+    </dgm:fillClrLst>
+    <dgm:linClrLst meth="repeat">
+      <a:schemeClr val="accent1"/>
+    </dgm:linClrLst>
+    <dgm:effectClrLst/>
+    <dgm:txLinClrLst/>
+    <dgm:txFillClrLst meth="repeat">
+      <a:schemeClr val="lt1"/>
+    </dgm:txFillClrLst>
+    <dgm:txEffectClrLst/>
+  </dgm:styleLbl>
+  <dgm:styleLbl name="parChTrans2D3">
+    <dgm:fillClrLst meth="repeat">
+      <a:schemeClr val="accent1"/>
+    </dgm:fillClrLst>
+    <dgm:linClrLst meth="repeat">
+      <a:schemeClr val="accent1"/>
+    </dgm:linClrLst>
+    <dgm:effectClrLst/>
+    <dgm:txLinClrLst/>
+    <dgm:txFillClrLst meth="repeat">
+      <a:schemeClr val="lt1"/>
+    </dgm:txFillClrLst>
+    <dgm:txEffectClrLst/>
+  </dgm:styleLbl>
+  <dgm:styleLbl name="parChTrans2D4">
+    <dgm:fillClrLst meth="repeat">
+      <a:schemeClr val="accent1"/>
+    </dgm:fillClrLst>
+    <dgm:linClrLst meth="repeat">
+      <a:schemeClr val="accent1"/>
+    </dgm:linClrLst>
+    <dgm:effectClrLst/>
+    <dgm:txLinClrLst/>
+    <dgm:txFillClrLst meth="repeat">
+      <a:schemeClr val="lt1"/>
+    </dgm:txFillClrLst>
+    <dgm:txEffectClrLst/>
+  </dgm:styleLbl>
+  <dgm:styleLbl name="parChTrans1D1">
+    <dgm:fillClrLst meth="repeat">
+      <a:schemeClr val="accent1"/>
+    </dgm:fillClrLst>
+    <dgm:linClrLst meth="repeat">
+      <a:schemeClr val="accent1">
+        <a:shade val="60000"/>
+      </a:schemeClr>
+    </dgm:linClrLst>
+    <dgm:effectClrLst/>
+    <dgm:txLinClrLst/>
+    <dgm:txFillClrLst meth="repeat">
+      <a:schemeClr val="tx1"/>
+    </dgm:txFillClrLst>
+    <dgm:txEffectClrLst/>
+  </dgm:styleLbl>
+  <dgm:styleLbl name="parChTrans1D2">
+    <dgm:fillClrLst meth="repeat">
+      <a:schemeClr val="accent1"/>
+    </dgm:fillClrLst>
+    <dgm:linClrLst meth="repeat">
+      <a:schemeClr val="accent1">
+        <a:shade val="60000"/>
+      </a:schemeClr>
+    </dgm:linClrLst>
+    <dgm:effectClrLst/>
+    <dgm:txLinClrLst/>
+    <dgm:txFillClrLst meth="repeat">
+      <a:schemeClr val="tx1"/>
+    </dgm:txFillClrLst>
+    <dgm:txEffectClrLst/>
+  </dgm:styleLbl>
+  <dgm:styleLbl name="parChTrans1D3">
+    <dgm:fillClrLst meth="repeat">
+      <a:schemeClr val="accent1"/>
+    </dgm:fillClrLst>
+    <dgm:linClrLst meth="repeat">
+      <a:schemeClr val="accent1">
+        <a:shade val="80000"/>
+      </a:schemeClr>
+    </dgm:linClrLst>
+    <dgm:effectClrLst/>
+    <dgm:txLinClrLst/>
+    <dgm:txFillClrLst meth="repeat">
+      <a:schemeClr val="tx1"/>
+    </dgm:txFillClrLst>
+    <dgm:txEffectClrLst/>
+  </dgm:styleLbl>
+  <dgm:styleLbl name="parChTrans1D4">
+    <dgm:fillClrLst meth="repeat">
+      <a:schemeClr val="accent1"/>
+    </dgm:fillClrLst>
+    <dgm:linClrLst meth="repeat">
+      <a:schemeClr val="accent1">
+        <a:shade val="80000"/>
+      </a:schemeClr>
+    </dgm:linClrLst>
+    <dgm:effectClrLst/>
+    <dgm:txLinClrLst/>
+    <dgm:txFillClrLst meth="repeat">
+      <a:schemeClr val="tx1"/>
+    </dgm:txFillClrLst>
+    <dgm:txEffectClrLst/>
+  </dgm:styleLbl>
+  <dgm:styleLbl name="fgAcc1">
+    <dgm:fillClrLst meth="repeat">
+      <a:schemeClr val="lt1">
+        <a:alpha val="90000"/>
+      </a:schemeClr>
+    </dgm:fillClrLst>
+    <dgm:linClrLst meth="repeat">
+      <a:schemeClr val="accent1"/>
+    </dgm:linClrLst>
+    <dgm:effectClrLst/>
+    <dgm:txLinClrLst/>
+    <dgm:txFillClrLst meth="repeat">
+      <a:schemeClr val="dk1"/>
+    </dgm:txFillClrLst>
+    <dgm:txEffectClrLst/>
+  </dgm:styleLbl>
+  <dgm:styleLbl name="conFgAcc1">
+    <dgm:fillClrLst meth="repeat">
+      <a:schemeClr val="lt1">
+        <a:alpha val="90000"/>
+      </a:schemeClr>
+    </dgm:fillClrLst>
+    <dgm:linClrLst meth="repeat">
+      <a:schemeClr val="accent1"/>
+    </dgm:linClrLst>
+    <dgm:effectClrLst/>
+    <dgm:txLinClrLst/>
+    <dgm:txFillClrLst meth="repeat">
+      <a:schemeClr val="dk1"/>
+    </dgm:txFillClrLst>
+    <dgm:txEffectClrLst/>
+  </dgm:styleLbl>
+  <dgm:styleLbl name="alignAcc1">
+    <dgm:fillClrLst meth="repeat">
+      <a:schemeClr val="lt1">
+        <a:alpha val="90000"/>
+      </a:schemeClr>
+    </dgm:fillClrLst>
+    <dgm:linClrLst meth="repeat">
+      <a:schemeClr val="accent1"/>
+    </dgm:linClrLst>
+    <dgm:effectClrLst/>
+    <dgm:txLinClrLst/>
+    <dgm:txFillClrLst meth="repeat">
+      <a:schemeClr val="dk1"/>
+    </dgm:txFillClrLst>
+    <dgm:txEffectClrLst/>
+  </dgm:styleLbl>
+  <dgm:styleLbl name="trAlignAcc1">
+    <dgm:fillClrLst meth="repeat">
+      <a:schemeClr val="lt1">
+        <a:alpha val="40000"/>
+      </a:schemeClr>
+    </dgm:fillClrLst>
+    <dgm:linClrLst meth="repeat">
+      <a:schemeClr val="accent1"/>
+    </dgm:linClrLst>
+    <dgm:effectClrLst/>
+    <dgm:txLinClrLst/>
+    <dgm:txFillClrLst meth="repeat">
+      <a:schemeClr val="dk1"/>
+    </dgm:txFillClrLst>
+    <dgm:txEffectClrLst/>
+  </dgm:styleLbl>
+  <dgm:styleLbl name="bgAcc1">
+    <dgm:fillClrLst meth="repeat">
+      <a:schemeClr val="lt1">
+        <a:alpha val="90000"/>
+      </a:schemeClr>
+    </dgm:fillClrLst>
+    <dgm:linClrLst meth="repeat">
+      <a:schemeClr val="accent1"/>
+    </dgm:linClrLst>
+    <dgm:effectClrLst/>
+    <dgm:txLinClrLst/>
+    <dgm:txFillClrLst meth="repeat">
+      <a:schemeClr val="dk1"/>
+    </dgm:txFillClrLst>
+    <dgm:txEffectClrLst/>
+  </dgm:styleLbl>
+  <dgm:styleLbl name="solidFgAcc1">
+    <dgm:fillClrLst meth="repeat">
+      <a:schemeClr val="lt1"/>
+    </dgm:fillClrLst>
+    <dgm:linClrLst meth="repeat">
+      <a:schemeClr val="accent1"/>
+    </dgm:linClrLst>
+    <dgm:effectClrLst/>
+    <dgm:txLinClrLst/>
+    <dgm:txFillClrLst meth="repeat">
+      <a:schemeClr val="dk1"/>
+    </dgm:txFillClrLst>
+    <dgm:txEffectClrLst/>
+  </dgm:styleLbl>
+  <dgm:styleLbl name="solidAlignAcc1">
+    <dgm:fillClrLst meth="repeat">
+      <a:schemeClr val="lt1"/>
+    </dgm:fillClrLst>
+    <dgm:linClrLst meth="repeat">
+      <a:schemeClr val="accent1"/>
+    </dgm:linClrLst>
+    <dgm:effectClrLst/>
+    <dgm:txLinClrLst/>
+    <dgm:txFillClrLst meth="repeat">
+      <a:schemeClr val="dk1"/>
+    </dgm:txFillClrLst>
+    <dgm:txEffectClrLst/>
+  </dgm:styleLbl>
+  <dgm:styleLbl name="solidBgAcc1">
+    <dgm:fillClrLst meth="repeat">
+      <a:schemeClr val="lt1"/>
+    </dgm:fillClrLst>
+    <dgm:linClrLst meth="repeat">
+      <a:schemeClr val="accent1"/>
+    </dgm:linClrLst>
+    <dgm:effectClrLst/>
+    <dgm:txLinClrLst/>
+    <dgm:txFillClrLst meth="repeat">
+      <a:schemeClr val="dk1"/>
+    </dgm:txFillClrLst>
+    <dgm:txEffectClrLst/>
+  </dgm:styleLbl>
+  <dgm:styleLbl name="fgAccFollowNode1">
+    <dgm:fillClrLst meth="repeat">
+      <a:schemeClr val="accent1">
+        <a:alpha val="90000"/>
+        <a:tint val="40000"/>
+      </a:schemeClr>
+    </dgm:fillClrLst>
+    <dgm:linClrLst meth="repeat">
+      <a:schemeClr val="accent1">
+        <a:alpha val="90000"/>
+        <a:tint val="40000"/>
+      </a:schemeClr>
+    </dgm:linClrLst>
+    <dgm:effectClrLst/>
+    <dgm:txLinClrLst/>
+    <dgm:txFillClrLst meth="repeat">
+      <a:schemeClr val="dk1"/>
+    </dgm:txFillClrLst>
+    <dgm:txEffectClrLst/>
+  </dgm:styleLbl>
+  <dgm:styleLbl name="alignAccFollowNode1">
+    <dgm:fillClrLst meth="repeat">
+      <a:schemeClr val="accent1">
+        <a:alpha val="90000"/>
+        <a:tint val="40000"/>
+      </a:schemeClr>
+    </dgm:fillClrLst>
+    <dgm:linClrLst meth="repeat">
+      <a:schemeClr val="accent1">
+        <a:alpha val="90000"/>
+        <a:tint val="40000"/>
+      </a:schemeClr>
+    </dgm:linClrLst>
+    <dgm:effectClrLst/>
+    <dgm:txLinClrLst/>
+    <dgm:txFillClrLst meth="repeat">
+      <a:schemeClr val="dk1"/>
+    </dgm:txFillClrLst>
+    <dgm:txEffectClrLst/>
+  </dgm:styleLbl>
+  <dgm:styleLbl name="bgAccFollowNode1">
+    <dgm:fillClrLst meth="repeat">
+      <a:schemeClr val="accent1">
+        <a:alpha val="90000"/>
+        <a:tint val="40000"/>
+      </a:schemeClr>
+    </dgm:fillClrLst>
+    <dgm:linClrLst meth="repeat">
+      <a:schemeClr val="accent1">
+        <a:alpha val="90000"/>
+        <a:tint val="40000"/>
+      </a:schemeClr>
+    </dgm:linClrLst>
+    <dgm:effectClrLst/>
+    <dgm:txLinClrLst/>
+    <dgm:txFillClrLst meth="repeat">
+      <a:schemeClr val="dk1"/>
+    </dgm:txFillClrLst>
+    <dgm:txEffectClrLst/>
+  </dgm:styleLbl>
+  <dgm:styleLbl name="fgAcc0">
+    <dgm:fillClrLst meth="repeat">
+      <a:schemeClr val="lt1">
+        <a:alpha val="90000"/>
+      </a:schemeClr>
+    </dgm:fillClrLst>
+    <dgm:linClrLst meth="repeat">
+      <a:schemeClr val="accent1"/>
+    </dgm:linClrLst>
+    <dgm:effectClrLst/>
+    <dgm:txLinClrLst/>
+    <dgm:txFillClrLst meth="repeat">
+      <a:schemeClr val="dk1"/>
+    </dgm:txFillClrLst>
+    <dgm:txEffectClrLst/>
+  </dgm:styleLbl>
+  <dgm:styleLbl name="fgAcc2">
+    <dgm:fillClrLst meth="repeat">
+      <a:schemeClr val="lt1">
+        <a:alpha val="90000"/>
+      </a:schemeClr>
+    </dgm:fillClrLst>
+    <dgm:linClrLst meth="repeat">
+      <a:schemeClr val="accent1"/>
+    </dgm:linClrLst>
+    <dgm:effectClrLst/>
+    <dgm:txLinClrLst/>
+    <dgm:txFillClrLst meth="repeat">
+      <a:schemeClr val="dk1"/>
+    </dgm:txFillClrLst>
+    <dgm:txEffectClrLst/>
+  </dgm:styleLbl>
+  <dgm:styleLbl name="fgAcc3">
+    <dgm:fillClrLst meth="repeat">
+      <a:schemeClr val="lt1">
+        <a:alpha val="90000"/>
+      </a:schemeClr>
+    </dgm:fillClrLst>
+    <dgm:linClrLst meth="repeat">
+      <a:schemeClr val="accent1"/>
+    </dgm:linClrLst>
+    <dgm:effectClrLst/>
+    <dgm:txLinClrLst/>
+    <dgm:txFillClrLst meth="repeat">
+      <a:schemeClr val="dk1"/>
+    </dgm:txFillClrLst>
+    <dgm:txEffectClrLst/>
+  </dgm:styleLbl>
+  <dgm:styleLbl name="fgAcc4">
+    <dgm:fillClrLst meth="repeat">
+      <a:schemeClr val="lt1">
+        <a:alpha val="90000"/>
+      </a:schemeClr>
+    </dgm:fillClrLst>
+    <dgm:linClrLst meth="repeat">
+      <a:schemeClr val="accent1"/>
+    </dgm:linClrLst>
+    <dgm:effectClrLst/>
+    <dgm:txLinClrLst/>
+    <dgm:txFillClrLst meth="repeat">
+      <a:schemeClr val="dk1"/>
+    </dgm:txFillClrLst>
+    <dgm:txEffectClrLst/>
+  </dgm:styleLbl>
+  <dgm:styleLbl name="bgShp">
+    <dgm:fillClrLst meth="repeat">
+      <a:schemeClr val="accent1">
+        <a:tint val="40000"/>
+      </a:schemeClr>
+    </dgm:fillClrLst>
+    <dgm:linClrLst meth="repeat">
+      <a:schemeClr val="accent1"/>
+    </dgm:linClrLst>
+    <dgm:effectClrLst/>
+    <dgm:txLinClrLst/>
+    <dgm:txFillClrLst meth="repeat">
+      <a:schemeClr val="dk1"/>
+    </dgm:txFillClrLst>
+    <dgm:txEffectClrLst/>
+  </dgm:styleLbl>
+  <dgm:styleLbl name="dkBgShp">
+    <dgm:fillClrLst meth="repeat">
+      <a:schemeClr val="accent1">
+        <a:shade val="80000"/>
+      </a:schemeClr>
+    </dgm:fillClrLst>
+    <dgm:linClrLst meth="repeat">
+      <a:schemeClr val="accent1"/>
+    </dgm:linClrLst>
+    <dgm:effectClrLst/>
+    <dgm:txLinClrLst/>
+    <dgm:txFillClrLst meth="repeat">
+      <a:schemeClr val="lt1"/>
+    </dgm:txFillClrLst>
+    <dgm:txEffectClrLst/>
+  </dgm:styleLbl>
+  <dgm:styleLbl name="trBgShp">
+    <dgm:fillClrLst meth="repeat">
+      <a:schemeClr val="accent1">
+        <a:tint val="50000"/>
+        <a:alpha val="40000"/>
+      </a:schemeClr>
+    </dgm:fillClrLst>
+    <dgm:linClrLst meth="repeat">
+      <a:schemeClr val="accent1"/>
+    </dgm:linClrLst>
+    <dgm:effectClrLst/>
+    <dgm:txLinClrLst/>
+    <dgm:txFillClrLst meth="repeat">
+      <a:schemeClr val="lt1"/>
+    </dgm:txFillClrLst>
+    <dgm:txEffectClrLst/>
+  </dgm:styleLbl>
+  <dgm:styleLbl name="fgShp">
+    <dgm:fillClrLst meth="repeat">
+      <a:schemeClr val="accent1">
+        <a:tint val="60000"/>
+      </a:schemeClr>
+    </dgm:fillClrLst>
+    <dgm:linClrLst meth="repeat">
+      <a:schemeClr val="lt1"/>
+    </dgm:linClrLst>
+    <dgm:effectClrLst/>
+    <dgm:txLinClrLst/>
+    <dgm:txFillClrLst meth="repeat">
+      <a:schemeClr val="dk1"/>
+    </dgm:txFillClrLst>
+    <dgm:txEffectClrLst/>
+  </dgm:styleLbl>
+  <dgm:styleLbl name="revTx">
+    <dgm:fillClrLst meth="repeat">
+      <a:schemeClr val="lt1">
+        <a:alpha val="0"/>
+      </a:schemeClr>
+    </dgm:fillClrLst>
+    <dgm:linClrLst meth="repeat">
+      <a:schemeClr val="dk1">
+        <a:alpha val="0"/>
+      </a:schemeClr>
+    </dgm:linClrLst>
+    <dgm:effectClrLst/>
+    <dgm:txLinClrLst/>
+    <dgm:txFillClrLst meth="repeat">
+      <a:schemeClr val="tx1"/>
+    </dgm:txFillClrLst>
+    <dgm:txEffectClrLst/>
+  </dgm:styleLbl>
+</dgm:colorsDef>
+</file>
+
+<file path=ppt/diagrams/data1.xml><?xml version="1.0" encoding="utf-8"?>
+<dgm:dataModel xmlns:dgm="http://schemas.openxmlformats.org/drawingml/2006/diagram" xmlns:a="http://schemas.openxmlformats.org/drawingml/2006/main">
+  <dgm:ptLst>
+    <dgm:pt modelId="{7DDC95D5-0EDD-4DE5-BE80-A5387424E861}" type="doc">
+      <dgm:prSet loTypeId="urn:microsoft.com/office/officeart/2005/8/layout/hierarchy6" loCatId="hierarchy" qsTypeId="urn:microsoft.com/office/officeart/2005/8/quickstyle/simple2" qsCatId="simple" csTypeId="urn:microsoft.com/office/officeart/2005/8/colors/accent1_2" csCatId="accent1" phldr="1"/>
+      <dgm:spPr/>
+      <dgm:t>
+        <a:bodyPr/>
+        <a:lstStyle/>
+        <a:p>
+          <a:endParaRPr lang="zh-CN" altLang="en-US"/>
+        </a:p>
+      </dgm:t>
+    </dgm:pt>
+    <dgm:pt modelId="{7506454A-5223-4FB3-96EA-2D1296804B00}">
+      <dgm:prSet phldrT="[文本]"/>
+      <dgm:spPr/>
+      <dgm:t>
+        <a:bodyPr/>
+        <a:lstStyle/>
+        <a:p>
+          <a:r>
+            <a:rPr lang="zh-CN" altLang="en-US" dirty="0"/>
+            <a:t>重构过程</a:t>
+          </a:r>
+        </a:p>
+      </dgm:t>
+    </dgm:pt>
+    <dgm:pt modelId="{F0237FDB-BF12-4AE9-B3EB-16EC4A779D48}" type="parTrans" cxnId="{696FAF0B-204F-48C0-9797-03A29603232B}">
+      <dgm:prSet/>
+      <dgm:spPr/>
+      <dgm:t>
+        <a:bodyPr/>
+        <a:lstStyle/>
+        <a:p>
+          <a:endParaRPr lang="zh-CN" altLang="en-US"/>
+        </a:p>
+      </dgm:t>
+    </dgm:pt>
+    <dgm:pt modelId="{730734DD-510C-448B-9046-848C4102F2F8}" type="sibTrans" cxnId="{696FAF0B-204F-48C0-9797-03A29603232B}">
+      <dgm:prSet/>
+      <dgm:spPr/>
+      <dgm:t>
+        <a:bodyPr/>
+        <a:lstStyle/>
+        <a:p>
+          <a:endParaRPr lang="zh-CN" altLang="en-US"/>
+        </a:p>
+      </dgm:t>
+    </dgm:pt>
+    <dgm:pt modelId="{ABD09462-4D59-42CB-9F85-BFD6DBBE6169}">
+      <dgm:prSet phldrT="[文本]"/>
+      <dgm:spPr/>
+      <dgm:t>
+        <a:bodyPr/>
+        <a:lstStyle/>
+        <a:p>
+          <a:r>
+            <a:rPr lang="zh-CN" altLang="en-US" dirty="0"/>
+            <a:t>消除重复</a:t>
+          </a:r>
+        </a:p>
+      </dgm:t>
+    </dgm:pt>
+    <dgm:pt modelId="{F128B34A-CE2E-4276-BB23-DDCF911AF545}" type="parTrans" cxnId="{EEDD51E9-045C-457A-9A44-2A7F5C0A950D}">
+      <dgm:prSet/>
+      <dgm:spPr/>
+      <dgm:t>
+        <a:bodyPr/>
+        <a:lstStyle/>
+        <a:p>
+          <a:endParaRPr lang="zh-CN" altLang="en-US"/>
+        </a:p>
+      </dgm:t>
+    </dgm:pt>
+    <dgm:pt modelId="{A3EF24B1-E03B-44E2-9367-85E43848F333}" type="sibTrans" cxnId="{EEDD51E9-045C-457A-9A44-2A7F5C0A950D}">
+      <dgm:prSet/>
+      <dgm:spPr/>
+      <dgm:t>
+        <a:bodyPr/>
+        <a:lstStyle/>
+        <a:p>
+          <a:endParaRPr lang="zh-CN" altLang="en-US"/>
+        </a:p>
+      </dgm:t>
+    </dgm:pt>
+    <dgm:pt modelId="{FA2A198B-27E8-4502-91A6-302D84BA4F5A}">
+      <dgm:prSet phldrT="[文本]"/>
+      <dgm:spPr/>
+      <dgm:t>
+        <a:bodyPr/>
+        <a:lstStyle/>
+        <a:p>
+          <a:r>
+            <a:rPr lang="zh-CN" altLang="en-US" dirty="0"/>
+            <a:t>尽可能减少类和方法的数量</a:t>
+          </a:r>
+        </a:p>
+      </dgm:t>
+    </dgm:pt>
+    <dgm:pt modelId="{311CE055-3FC5-4885-B7EA-9D722704B8D6}" type="parTrans" cxnId="{B622E632-569F-4F80-8414-0CBFD0679843}">
+      <dgm:prSet/>
+      <dgm:spPr/>
+      <dgm:t>
+        <a:bodyPr/>
+        <a:lstStyle/>
+        <a:p>
+          <a:endParaRPr lang="zh-CN" altLang="en-US"/>
+        </a:p>
+      </dgm:t>
+    </dgm:pt>
+    <dgm:pt modelId="{1368EE2B-0976-45BE-836C-29412025FF88}" type="sibTrans" cxnId="{B622E632-569F-4F80-8414-0CBFD0679843}">
+      <dgm:prSet/>
+      <dgm:spPr/>
+      <dgm:t>
+        <a:bodyPr/>
+        <a:lstStyle/>
+        <a:p>
+          <a:endParaRPr lang="zh-CN" altLang="en-US"/>
+        </a:p>
+      </dgm:t>
+    </dgm:pt>
+    <dgm:pt modelId="{FF98C871-44DF-46B7-935A-DB788701C27F}">
+      <dgm:prSet phldrT="[文本]"/>
+      <dgm:spPr/>
+      <dgm:t>
+        <a:bodyPr/>
+        <a:lstStyle/>
+        <a:p>
+          <a:r>
+            <a:rPr lang="zh-CN" altLang="en-US" dirty="0"/>
+            <a:t>保证表达力</a:t>
+          </a:r>
+        </a:p>
+      </dgm:t>
+    </dgm:pt>
+    <dgm:pt modelId="{A0D0BC70-C803-40D1-908C-D41CE3450A78}" type="parTrans" cxnId="{014AA339-9056-47D8-B518-D6C820DEFD4D}">
+      <dgm:prSet/>
+      <dgm:spPr/>
+      <dgm:t>
+        <a:bodyPr/>
+        <a:lstStyle/>
+        <a:p>
+          <a:endParaRPr lang="zh-CN" altLang="en-US"/>
+        </a:p>
+      </dgm:t>
+    </dgm:pt>
+    <dgm:pt modelId="{63EB9292-3238-48CD-B152-74DF2A742B7F}" type="sibTrans" cxnId="{014AA339-9056-47D8-B518-D6C820DEFD4D}">
+      <dgm:prSet/>
+      <dgm:spPr/>
+      <dgm:t>
+        <a:bodyPr/>
+        <a:lstStyle/>
+        <a:p>
+          <a:endParaRPr lang="zh-CN" altLang="en-US"/>
+        </a:p>
+      </dgm:t>
+    </dgm:pt>
+    <dgm:pt modelId="{7DAB11B1-2154-42E5-833C-148BA6E4F872}">
+      <dgm:prSet phldrT="[文本]"/>
+      <dgm:spPr/>
+      <dgm:t>
+        <a:bodyPr/>
+        <a:lstStyle/>
+        <a:p>
+          <a:r>
+            <a:rPr lang="zh-CN" altLang="en-US" dirty="0"/>
+            <a:t>测试</a:t>
+          </a:r>
+        </a:p>
+      </dgm:t>
+    </dgm:pt>
+    <dgm:pt modelId="{924F20D6-BCD8-4EEF-BEEE-E069B7E1AEE5}" type="parTrans" cxnId="{458CE2C5-D7D2-41EC-99C6-48CA61F48A5C}">
+      <dgm:prSet/>
+      <dgm:spPr/>
+      <dgm:t>
+        <a:bodyPr/>
+        <a:lstStyle/>
+        <a:p>
+          <a:endParaRPr lang="zh-CN" altLang="en-US"/>
+        </a:p>
+      </dgm:t>
+    </dgm:pt>
+    <dgm:pt modelId="{ABE3FEE8-B418-4DE4-8892-98860BDBAC33}" type="sibTrans" cxnId="{458CE2C5-D7D2-41EC-99C6-48CA61F48A5C}">
+      <dgm:prSet/>
+      <dgm:spPr/>
+      <dgm:t>
+        <a:bodyPr/>
+        <a:lstStyle/>
+        <a:p>
+          <a:endParaRPr lang="zh-CN" altLang="en-US"/>
+        </a:p>
+      </dgm:t>
+    </dgm:pt>
+    <dgm:pt modelId="{20AD20D6-11C3-4E80-B768-299D8A2446D3}" type="pres">
+      <dgm:prSet presAssocID="{7DDC95D5-0EDD-4DE5-BE80-A5387424E861}" presName="mainComposite" presStyleCnt="0">
+        <dgm:presLayoutVars>
+          <dgm:chPref val="1"/>
+          <dgm:dir/>
+          <dgm:animOne val="branch"/>
+          <dgm:animLvl val="lvl"/>
+          <dgm:resizeHandles val="exact"/>
+        </dgm:presLayoutVars>
+      </dgm:prSet>
+      <dgm:spPr/>
+    </dgm:pt>
+    <dgm:pt modelId="{AADD8A3E-4564-4048-B14D-9556E8BCE26B}" type="pres">
+      <dgm:prSet presAssocID="{7DDC95D5-0EDD-4DE5-BE80-A5387424E861}" presName="hierFlow" presStyleCnt="0"/>
+      <dgm:spPr/>
+    </dgm:pt>
+    <dgm:pt modelId="{A6C538E6-4292-407D-9B85-4529B4F937F0}" type="pres">
+      <dgm:prSet presAssocID="{7DDC95D5-0EDD-4DE5-BE80-A5387424E861}" presName="firstBuf" presStyleCnt="0"/>
+      <dgm:spPr/>
+    </dgm:pt>
+    <dgm:pt modelId="{7D199447-FBD7-442E-8E84-2FFEE3FC8DCC}" type="pres">
+      <dgm:prSet presAssocID="{7DDC95D5-0EDD-4DE5-BE80-A5387424E861}" presName="hierChild1" presStyleCnt="0">
+        <dgm:presLayoutVars>
+          <dgm:chPref val="1"/>
+          <dgm:animOne val="branch"/>
+          <dgm:animLvl val="lvl"/>
+        </dgm:presLayoutVars>
+      </dgm:prSet>
+      <dgm:spPr/>
+    </dgm:pt>
+    <dgm:pt modelId="{12E81198-B094-4058-A1DB-417CE728F65B}" type="pres">
+      <dgm:prSet presAssocID="{7506454A-5223-4FB3-96EA-2D1296804B00}" presName="Name14" presStyleCnt="0"/>
+      <dgm:spPr/>
+    </dgm:pt>
+    <dgm:pt modelId="{2951FD01-AEAA-46B9-8636-8283FF14C007}" type="pres">
+      <dgm:prSet presAssocID="{7506454A-5223-4FB3-96EA-2D1296804B00}" presName="level1Shape" presStyleLbl="node0" presStyleIdx="0" presStyleCnt="1">
+        <dgm:presLayoutVars>
+          <dgm:chPref val="3"/>
+        </dgm:presLayoutVars>
+      </dgm:prSet>
+      <dgm:spPr/>
+    </dgm:pt>
+    <dgm:pt modelId="{0D218550-8901-4DCC-B286-8CB73041B929}" type="pres">
+      <dgm:prSet presAssocID="{7506454A-5223-4FB3-96EA-2D1296804B00}" presName="hierChild2" presStyleCnt="0"/>
+      <dgm:spPr/>
+    </dgm:pt>
+    <dgm:pt modelId="{9A105F8B-36DE-4971-936F-73557350838F}" type="pres">
+      <dgm:prSet presAssocID="{F128B34A-CE2E-4276-BB23-DDCF911AF545}" presName="Name19" presStyleLbl="parChTrans1D2" presStyleIdx="0" presStyleCnt="3"/>
+      <dgm:spPr/>
+    </dgm:pt>
+    <dgm:pt modelId="{8E544C29-5BA6-4A35-AA5D-037CB6EF2408}" type="pres">
+      <dgm:prSet presAssocID="{ABD09462-4D59-42CB-9F85-BFD6DBBE6169}" presName="Name21" presStyleCnt="0"/>
+      <dgm:spPr/>
+    </dgm:pt>
+    <dgm:pt modelId="{53F2F0DA-C279-4D33-B589-ECCBEA28E8A5}" type="pres">
+      <dgm:prSet presAssocID="{ABD09462-4D59-42CB-9F85-BFD6DBBE6169}" presName="level2Shape" presStyleLbl="node2" presStyleIdx="0" presStyleCnt="3"/>
+      <dgm:spPr/>
+    </dgm:pt>
+    <dgm:pt modelId="{296E23D6-940B-4937-9DD4-44319499C1B6}" type="pres">
+      <dgm:prSet presAssocID="{ABD09462-4D59-42CB-9F85-BFD6DBBE6169}" presName="hierChild3" presStyleCnt="0"/>
+      <dgm:spPr/>
+    </dgm:pt>
+    <dgm:pt modelId="{99189FCC-B344-4D97-B883-34CCA492ED3A}" type="pres">
+      <dgm:prSet presAssocID="{A0D0BC70-C803-40D1-908C-D41CE3450A78}" presName="Name19" presStyleLbl="parChTrans1D2" presStyleIdx="1" presStyleCnt="3"/>
+      <dgm:spPr/>
+    </dgm:pt>
+    <dgm:pt modelId="{FE10A96E-F5F9-4363-87BC-D508540C47A5}" type="pres">
+      <dgm:prSet presAssocID="{FF98C871-44DF-46B7-935A-DB788701C27F}" presName="Name21" presStyleCnt="0"/>
+      <dgm:spPr/>
+    </dgm:pt>
+    <dgm:pt modelId="{D92F6D48-D35C-4340-BBCC-71D52071B5DB}" type="pres">
+      <dgm:prSet presAssocID="{FF98C871-44DF-46B7-935A-DB788701C27F}" presName="level2Shape" presStyleLbl="node2" presStyleIdx="1" presStyleCnt="3"/>
+      <dgm:spPr/>
+    </dgm:pt>
+    <dgm:pt modelId="{858B5575-0BFA-483C-8D81-A26C2EFFFE28}" type="pres">
+      <dgm:prSet presAssocID="{FF98C871-44DF-46B7-935A-DB788701C27F}" presName="hierChild3" presStyleCnt="0"/>
+      <dgm:spPr/>
+    </dgm:pt>
+    <dgm:pt modelId="{260A727C-0D0F-46CD-AA47-46F0871F2586}" type="pres">
+      <dgm:prSet presAssocID="{311CE055-3FC5-4885-B7EA-9D722704B8D6}" presName="Name19" presStyleLbl="parChTrans1D2" presStyleIdx="2" presStyleCnt="3"/>
+      <dgm:spPr/>
+    </dgm:pt>
+    <dgm:pt modelId="{F7E979B7-41CC-4777-A3C5-58964C27507A}" type="pres">
+      <dgm:prSet presAssocID="{FA2A198B-27E8-4502-91A6-302D84BA4F5A}" presName="Name21" presStyleCnt="0"/>
+      <dgm:spPr/>
+    </dgm:pt>
+    <dgm:pt modelId="{D3CCFB09-B308-4F90-84DF-066922BC44AA}" type="pres">
+      <dgm:prSet presAssocID="{FA2A198B-27E8-4502-91A6-302D84BA4F5A}" presName="level2Shape" presStyleLbl="node2" presStyleIdx="2" presStyleCnt="3"/>
+      <dgm:spPr/>
+    </dgm:pt>
+    <dgm:pt modelId="{6373B14E-3DB1-469D-A0CB-1826E240D8A8}" type="pres">
+      <dgm:prSet presAssocID="{FA2A198B-27E8-4502-91A6-302D84BA4F5A}" presName="hierChild3" presStyleCnt="0"/>
+      <dgm:spPr/>
+    </dgm:pt>
+    <dgm:pt modelId="{96C3427A-3BA4-4924-8131-AC13E75AD50E}" type="pres">
+      <dgm:prSet presAssocID="{7DDC95D5-0EDD-4DE5-BE80-A5387424E861}" presName="bgShapesFlow" presStyleCnt="0"/>
+      <dgm:spPr/>
+    </dgm:pt>
+    <dgm:pt modelId="{2209F9C4-8FBF-42C2-8F63-E0CDB70F7E6A}" type="pres">
+      <dgm:prSet presAssocID="{7DAB11B1-2154-42E5-833C-148BA6E4F872}" presName="rectComp" presStyleCnt="0"/>
+      <dgm:spPr/>
+    </dgm:pt>
+    <dgm:pt modelId="{CC554CC4-D3BA-4E0C-820E-EF3267A5C3D4}" type="pres">
+      <dgm:prSet presAssocID="{7DAB11B1-2154-42E5-833C-148BA6E4F872}" presName="bgRect" presStyleLbl="bgShp" presStyleIdx="0" presStyleCnt="1"/>
+      <dgm:spPr/>
+    </dgm:pt>
+    <dgm:pt modelId="{73A12694-13F9-4BB9-B8B0-BB73E3296CC9}" type="pres">
+      <dgm:prSet presAssocID="{7DAB11B1-2154-42E5-833C-148BA6E4F872}" presName="bgRectTx" presStyleLbl="bgShp" presStyleIdx="0" presStyleCnt="1">
+        <dgm:presLayoutVars>
+          <dgm:bulletEnabled val="1"/>
+        </dgm:presLayoutVars>
+      </dgm:prSet>
+      <dgm:spPr/>
+    </dgm:pt>
+  </dgm:ptLst>
+  <dgm:cxnLst>
+    <dgm:cxn modelId="{55CBEF07-0D66-486B-9FB2-6025C21C90BA}" type="presOf" srcId="{7506454A-5223-4FB3-96EA-2D1296804B00}" destId="{2951FD01-AEAA-46B9-8636-8283FF14C007}" srcOrd="0" destOrd="0" presId="urn:microsoft.com/office/officeart/2005/8/layout/hierarchy6"/>
+    <dgm:cxn modelId="{696FAF0B-204F-48C0-9797-03A29603232B}" srcId="{7DDC95D5-0EDD-4DE5-BE80-A5387424E861}" destId="{7506454A-5223-4FB3-96EA-2D1296804B00}" srcOrd="0" destOrd="0" parTransId="{F0237FDB-BF12-4AE9-B3EB-16EC4A779D48}" sibTransId="{730734DD-510C-448B-9046-848C4102F2F8}"/>
+    <dgm:cxn modelId="{C5F4FB17-0D01-41EF-89F5-900FD00CE79E}" type="presOf" srcId="{FF98C871-44DF-46B7-935A-DB788701C27F}" destId="{D92F6D48-D35C-4340-BBCC-71D52071B5DB}" srcOrd="0" destOrd="0" presId="urn:microsoft.com/office/officeart/2005/8/layout/hierarchy6"/>
+    <dgm:cxn modelId="{8CCB052B-5F73-4AFB-95BA-5879E5406FC1}" type="presOf" srcId="{7DAB11B1-2154-42E5-833C-148BA6E4F872}" destId="{73A12694-13F9-4BB9-B8B0-BB73E3296CC9}" srcOrd="1" destOrd="0" presId="urn:microsoft.com/office/officeart/2005/8/layout/hierarchy6"/>
+    <dgm:cxn modelId="{B622E632-569F-4F80-8414-0CBFD0679843}" srcId="{7506454A-5223-4FB3-96EA-2D1296804B00}" destId="{FA2A198B-27E8-4502-91A6-302D84BA4F5A}" srcOrd="2" destOrd="0" parTransId="{311CE055-3FC5-4885-B7EA-9D722704B8D6}" sibTransId="{1368EE2B-0976-45BE-836C-29412025FF88}"/>
+    <dgm:cxn modelId="{014AA339-9056-47D8-B518-D6C820DEFD4D}" srcId="{7506454A-5223-4FB3-96EA-2D1296804B00}" destId="{FF98C871-44DF-46B7-935A-DB788701C27F}" srcOrd="1" destOrd="0" parTransId="{A0D0BC70-C803-40D1-908C-D41CE3450A78}" sibTransId="{63EB9292-3238-48CD-B152-74DF2A742B7F}"/>
+    <dgm:cxn modelId="{907A735E-C49B-4423-9130-BA31DD23112D}" type="presOf" srcId="{ABD09462-4D59-42CB-9F85-BFD6DBBE6169}" destId="{53F2F0DA-C279-4D33-B589-ECCBEA28E8A5}" srcOrd="0" destOrd="0" presId="urn:microsoft.com/office/officeart/2005/8/layout/hierarchy6"/>
+    <dgm:cxn modelId="{80E3755E-D432-44A7-826F-0DEAEDE2E208}" type="presOf" srcId="{A0D0BC70-C803-40D1-908C-D41CE3450A78}" destId="{99189FCC-B344-4D97-B883-34CCA492ED3A}" srcOrd="0" destOrd="0" presId="urn:microsoft.com/office/officeart/2005/8/layout/hierarchy6"/>
+    <dgm:cxn modelId="{DB217B61-18FD-4042-8102-812218AEA755}" type="presOf" srcId="{7DAB11B1-2154-42E5-833C-148BA6E4F872}" destId="{CC554CC4-D3BA-4E0C-820E-EF3267A5C3D4}" srcOrd="0" destOrd="0" presId="urn:microsoft.com/office/officeart/2005/8/layout/hierarchy6"/>
+    <dgm:cxn modelId="{07CEE668-7A6F-4A66-A4E6-E0814E9455EE}" type="presOf" srcId="{311CE055-3FC5-4885-B7EA-9D722704B8D6}" destId="{260A727C-0D0F-46CD-AA47-46F0871F2586}" srcOrd="0" destOrd="0" presId="urn:microsoft.com/office/officeart/2005/8/layout/hierarchy6"/>
+    <dgm:cxn modelId="{BC120F56-7C2E-428C-B9D1-4C575E35D9C8}" type="presOf" srcId="{FA2A198B-27E8-4502-91A6-302D84BA4F5A}" destId="{D3CCFB09-B308-4F90-84DF-066922BC44AA}" srcOrd="0" destOrd="0" presId="urn:microsoft.com/office/officeart/2005/8/layout/hierarchy6"/>
+    <dgm:cxn modelId="{BD754ABC-2FEC-4B30-89C8-18DA0564097F}" type="presOf" srcId="{F128B34A-CE2E-4276-BB23-DDCF911AF545}" destId="{9A105F8B-36DE-4971-936F-73557350838F}" srcOrd="0" destOrd="0" presId="urn:microsoft.com/office/officeart/2005/8/layout/hierarchy6"/>
+    <dgm:cxn modelId="{458CE2C5-D7D2-41EC-99C6-48CA61F48A5C}" srcId="{7DDC95D5-0EDD-4DE5-BE80-A5387424E861}" destId="{7DAB11B1-2154-42E5-833C-148BA6E4F872}" srcOrd="1" destOrd="0" parTransId="{924F20D6-BCD8-4EEF-BEEE-E069B7E1AEE5}" sibTransId="{ABE3FEE8-B418-4DE4-8892-98860BDBAC33}"/>
+    <dgm:cxn modelId="{4AF4B5DF-9BDE-42EC-817D-D9861B7764F6}" type="presOf" srcId="{7DDC95D5-0EDD-4DE5-BE80-A5387424E861}" destId="{20AD20D6-11C3-4E80-B768-299D8A2446D3}" srcOrd="0" destOrd="0" presId="urn:microsoft.com/office/officeart/2005/8/layout/hierarchy6"/>
+    <dgm:cxn modelId="{EEDD51E9-045C-457A-9A44-2A7F5C0A950D}" srcId="{7506454A-5223-4FB3-96EA-2D1296804B00}" destId="{ABD09462-4D59-42CB-9F85-BFD6DBBE6169}" srcOrd="0" destOrd="0" parTransId="{F128B34A-CE2E-4276-BB23-DDCF911AF545}" sibTransId="{A3EF24B1-E03B-44E2-9367-85E43848F333}"/>
+    <dgm:cxn modelId="{29C11284-2439-4A3A-9DF4-7FA80BAFE964}" type="presParOf" srcId="{20AD20D6-11C3-4E80-B768-299D8A2446D3}" destId="{AADD8A3E-4564-4048-B14D-9556E8BCE26B}" srcOrd="0" destOrd="0" presId="urn:microsoft.com/office/officeart/2005/8/layout/hierarchy6"/>
+    <dgm:cxn modelId="{10813F19-44BF-44E3-BD22-0B7B9F2EFBC5}" type="presParOf" srcId="{AADD8A3E-4564-4048-B14D-9556E8BCE26B}" destId="{A6C538E6-4292-407D-9B85-4529B4F937F0}" srcOrd="0" destOrd="0" presId="urn:microsoft.com/office/officeart/2005/8/layout/hierarchy6"/>
+    <dgm:cxn modelId="{B4B6BBC5-75F0-4F8C-A455-2B3E9EB35E1B}" type="presParOf" srcId="{AADD8A3E-4564-4048-B14D-9556E8BCE26B}" destId="{7D199447-FBD7-442E-8E84-2FFEE3FC8DCC}" srcOrd="1" destOrd="0" presId="urn:microsoft.com/office/officeart/2005/8/layout/hierarchy6"/>
+    <dgm:cxn modelId="{8934D454-F430-4746-9F91-5E7CC299F506}" type="presParOf" srcId="{7D199447-FBD7-442E-8E84-2FFEE3FC8DCC}" destId="{12E81198-B094-4058-A1DB-417CE728F65B}" srcOrd="0" destOrd="0" presId="urn:microsoft.com/office/officeart/2005/8/layout/hierarchy6"/>
+    <dgm:cxn modelId="{0276E071-75FD-4ABF-AC30-E1A12824F8F2}" type="presParOf" srcId="{12E81198-B094-4058-A1DB-417CE728F65B}" destId="{2951FD01-AEAA-46B9-8636-8283FF14C007}" srcOrd="0" destOrd="0" presId="urn:microsoft.com/office/officeart/2005/8/layout/hierarchy6"/>
+    <dgm:cxn modelId="{B1988FC2-0A25-4732-9359-F254E07309D6}" type="presParOf" srcId="{12E81198-B094-4058-A1DB-417CE728F65B}" destId="{0D218550-8901-4DCC-B286-8CB73041B929}" srcOrd="1" destOrd="0" presId="urn:microsoft.com/office/officeart/2005/8/layout/hierarchy6"/>
+    <dgm:cxn modelId="{DAE9F863-CE64-4792-86A3-8042C77D4A24}" type="presParOf" srcId="{0D218550-8901-4DCC-B286-8CB73041B929}" destId="{9A105F8B-36DE-4971-936F-73557350838F}" srcOrd="0" destOrd="0" presId="urn:microsoft.com/office/officeart/2005/8/layout/hierarchy6"/>
+    <dgm:cxn modelId="{A433C70E-C1C0-4D6D-BF42-A62112BD7478}" type="presParOf" srcId="{0D218550-8901-4DCC-B286-8CB73041B929}" destId="{8E544C29-5BA6-4A35-AA5D-037CB6EF2408}" srcOrd="1" destOrd="0" presId="urn:microsoft.com/office/officeart/2005/8/layout/hierarchy6"/>
+    <dgm:cxn modelId="{4BF6C5F8-9FDF-4FA1-AF01-1664CF68B9F2}" type="presParOf" srcId="{8E544C29-5BA6-4A35-AA5D-037CB6EF2408}" destId="{53F2F0DA-C279-4D33-B589-ECCBEA28E8A5}" srcOrd="0" destOrd="0" presId="urn:microsoft.com/office/officeart/2005/8/layout/hierarchy6"/>
+    <dgm:cxn modelId="{1A4A311E-4748-4F67-81BF-E6E0A498F4F1}" type="presParOf" srcId="{8E544C29-5BA6-4A35-AA5D-037CB6EF2408}" destId="{296E23D6-940B-4937-9DD4-44319499C1B6}" srcOrd="1" destOrd="0" presId="urn:microsoft.com/office/officeart/2005/8/layout/hierarchy6"/>
+    <dgm:cxn modelId="{A93D0353-0D35-42F1-83CB-5623308AC5F7}" type="presParOf" srcId="{0D218550-8901-4DCC-B286-8CB73041B929}" destId="{99189FCC-B344-4D97-B883-34CCA492ED3A}" srcOrd="2" destOrd="0" presId="urn:microsoft.com/office/officeart/2005/8/layout/hierarchy6"/>
+    <dgm:cxn modelId="{D3E8A565-9ADE-482F-A150-3F9D22C10DD2}" type="presParOf" srcId="{0D218550-8901-4DCC-B286-8CB73041B929}" destId="{FE10A96E-F5F9-4363-87BC-D508540C47A5}" srcOrd="3" destOrd="0" presId="urn:microsoft.com/office/officeart/2005/8/layout/hierarchy6"/>
+    <dgm:cxn modelId="{42E9684C-106F-43AA-BBD3-1B2C28CFB356}" type="presParOf" srcId="{FE10A96E-F5F9-4363-87BC-D508540C47A5}" destId="{D92F6D48-D35C-4340-BBCC-71D52071B5DB}" srcOrd="0" destOrd="0" presId="urn:microsoft.com/office/officeart/2005/8/layout/hierarchy6"/>
+    <dgm:cxn modelId="{2B9E3BB4-BE8D-4100-A67E-F45114E374F5}" type="presParOf" srcId="{FE10A96E-F5F9-4363-87BC-D508540C47A5}" destId="{858B5575-0BFA-483C-8D81-A26C2EFFFE28}" srcOrd="1" destOrd="0" presId="urn:microsoft.com/office/officeart/2005/8/layout/hierarchy6"/>
+    <dgm:cxn modelId="{C9C54C89-5C95-402F-A471-7A499538FB14}" type="presParOf" srcId="{0D218550-8901-4DCC-B286-8CB73041B929}" destId="{260A727C-0D0F-46CD-AA47-46F0871F2586}" srcOrd="4" destOrd="0" presId="urn:microsoft.com/office/officeart/2005/8/layout/hierarchy6"/>
+    <dgm:cxn modelId="{E1FE5DC5-8A48-4803-BA11-0029FB8A681B}" type="presParOf" srcId="{0D218550-8901-4DCC-B286-8CB73041B929}" destId="{F7E979B7-41CC-4777-A3C5-58964C27507A}" srcOrd="5" destOrd="0" presId="urn:microsoft.com/office/officeart/2005/8/layout/hierarchy6"/>
+    <dgm:cxn modelId="{2C1C7F2E-05ED-4573-A33F-277C27216581}" type="presParOf" srcId="{F7E979B7-41CC-4777-A3C5-58964C27507A}" destId="{D3CCFB09-B308-4F90-84DF-066922BC44AA}" srcOrd="0" destOrd="0" presId="urn:microsoft.com/office/officeart/2005/8/layout/hierarchy6"/>
+    <dgm:cxn modelId="{8E3B504C-A7AA-4C97-9109-C02911C22DE6}" type="presParOf" srcId="{F7E979B7-41CC-4777-A3C5-58964C27507A}" destId="{6373B14E-3DB1-469D-A0CB-1826E240D8A8}" srcOrd="1" destOrd="0" presId="urn:microsoft.com/office/officeart/2005/8/layout/hierarchy6"/>
+    <dgm:cxn modelId="{E2DDA146-B4EA-4325-A8EA-FF0BB61E606B}" type="presParOf" srcId="{20AD20D6-11C3-4E80-B768-299D8A2446D3}" destId="{96C3427A-3BA4-4924-8131-AC13E75AD50E}" srcOrd="1" destOrd="0" presId="urn:microsoft.com/office/officeart/2005/8/layout/hierarchy6"/>
+    <dgm:cxn modelId="{991EB81C-2A45-4CC6-9ADB-62C69AABAEFF}" type="presParOf" srcId="{96C3427A-3BA4-4924-8131-AC13E75AD50E}" destId="{2209F9C4-8FBF-42C2-8F63-E0CDB70F7E6A}" srcOrd="0" destOrd="0" presId="urn:microsoft.com/office/officeart/2005/8/layout/hierarchy6"/>
+    <dgm:cxn modelId="{BA9F6A86-5572-42FA-947A-64B05E258907}" type="presParOf" srcId="{2209F9C4-8FBF-42C2-8F63-E0CDB70F7E6A}" destId="{CC554CC4-D3BA-4E0C-820E-EF3267A5C3D4}" srcOrd="0" destOrd="0" presId="urn:microsoft.com/office/officeart/2005/8/layout/hierarchy6"/>
+    <dgm:cxn modelId="{69C7CF33-BED6-45F9-AED3-0C701E90D13D}" type="presParOf" srcId="{2209F9C4-8FBF-42C2-8F63-E0CDB70F7E6A}" destId="{73A12694-13F9-4BB9-B8B0-BB73E3296CC9}" srcOrd="1" destOrd="0" presId="urn:microsoft.com/office/officeart/2005/8/layout/hierarchy6"/>
+  </dgm:cxnLst>
+  <dgm:bg/>
+  <dgm:whole/>
+  <dgm:extLst>
+    <a:ext uri="http://schemas.microsoft.com/office/drawing/2008/diagram">
+      <dsp:dataModelExt xmlns:dsp="http://schemas.microsoft.com/office/drawing/2008/diagram" relId="rId6" minVer="http://schemas.openxmlformats.org/drawingml/2006/diagram"/>
+    </a:ext>
+  </dgm:extLst>
+</dgm:dataModel>
+</file>
+
+<file path=ppt/diagrams/drawing1.xml><?xml version="1.0" encoding="utf-8"?>
+<dsp:drawing xmlns:dgm="http://schemas.openxmlformats.org/drawingml/2006/diagram" xmlns:dsp="http://schemas.microsoft.com/office/drawing/2008/diagram" xmlns:a="http://schemas.openxmlformats.org/drawingml/2006/main">
+  <dsp:spTree>
+    <dsp:nvGrpSpPr>
+      <dsp:cNvPr id="0" name=""/>
+      <dsp:cNvGrpSpPr/>
+    </dsp:nvGrpSpPr>
+    <dsp:grpSpPr/>
+    <dsp:sp modelId="{CC554CC4-D3BA-4E0C-820E-EF3267A5C3D4}">
+      <dsp:nvSpPr>
+        <dsp:cNvPr id="0" name=""/>
+        <dsp:cNvSpPr/>
+      </dsp:nvSpPr>
+      <dsp:spPr>
+        <a:xfrm>
+          <a:off x="0" y="1391554"/>
+          <a:ext cx="4022350" cy="607280"/>
+        </a:xfrm>
+        <a:prstGeom prst="roundRect">
+          <a:avLst>
+            <a:gd name="adj" fmla="val 10000"/>
+          </a:avLst>
+        </a:prstGeom>
+        <a:solidFill>
+          <a:schemeClr val="accent1">
+            <a:tint val="40000"/>
+            <a:hueOff val="0"/>
+            <a:satOff val="0"/>
+            <a:lumOff val="0"/>
+            <a:alphaOff val="0"/>
+          </a:schemeClr>
+        </a:solidFill>
+        <a:ln>
+          <a:noFill/>
+        </a:ln>
+        <a:effectLst/>
+      </dsp:spPr>
+      <dsp:style>
+        <a:lnRef idx="0">
+          <a:scrgbClr r="0" g="0" b="0"/>
+        </a:lnRef>
+        <a:fillRef idx="1">
+          <a:scrgbClr r="0" g="0" b="0"/>
+        </a:fillRef>
+        <a:effectRef idx="0">
+          <a:scrgbClr r="0" g="0" b="0"/>
+        </a:effectRef>
+        <a:fontRef idx="minor"/>
+      </dsp:style>
+      <dsp:txBody>
+        <a:bodyPr spcFirstLastPara="0" vert="horz" wrap="square" lIns="142240" tIns="142240" rIns="142240" bIns="142240" numCol="1" spcCol="1270" anchor="ctr" anchorCtr="0">
+          <a:noAutofit/>
+        </a:bodyPr>
+        <a:lstStyle/>
+        <a:p>
+          <a:pPr marL="0" lvl="0" indent="0" algn="ctr" defTabSz="889000">
+            <a:lnSpc>
+              <a:spcPct val="90000"/>
+            </a:lnSpc>
+            <a:spcBef>
+              <a:spcPct val="0"/>
+            </a:spcBef>
+            <a:spcAft>
+              <a:spcPct val="35000"/>
+            </a:spcAft>
+            <a:buNone/>
+          </a:pPr>
+          <a:r>
+            <a:rPr lang="zh-CN" altLang="en-US" sz="2000" kern="1200" dirty="0"/>
+            <a:t>测试</a:t>
+          </a:r>
+        </a:p>
+      </dsp:txBody>
+      <dsp:txXfrm>
+        <a:off x="0" y="1391554"/>
+        <a:ext cx="1206705" cy="607280"/>
+      </dsp:txXfrm>
+    </dsp:sp>
+    <dsp:sp modelId="{2951FD01-AEAA-46B9-8636-8283FF14C007}">
+      <dsp:nvSpPr>
+        <dsp:cNvPr id="0" name=""/>
+        <dsp:cNvSpPr/>
+      </dsp:nvSpPr>
+      <dsp:spPr>
+        <a:xfrm>
+          <a:off x="2194753" y="1442160"/>
+          <a:ext cx="759100" cy="506067"/>
+        </a:xfrm>
+        <a:prstGeom prst="roundRect">
+          <a:avLst>
+            <a:gd name="adj" fmla="val 10000"/>
+          </a:avLst>
+        </a:prstGeom>
+        <a:solidFill>
+          <a:schemeClr val="accent1">
+            <a:hueOff val="0"/>
+            <a:satOff val="0"/>
+            <a:lumOff val="0"/>
+            <a:alphaOff val="0"/>
+          </a:schemeClr>
+        </a:solidFill>
+        <a:ln w="19050" cap="flat" cmpd="sng" algn="ctr">
+          <a:solidFill>
+            <a:schemeClr val="lt1">
+              <a:hueOff val="0"/>
+              <a:satOff val="0"/>
+              <a:lumOff val="0"/>
+              <a:alphaOff val="0"/>
+            </a:schemeClr>
+          </a:solidFill>
+          <a:prstDash val="solid"/>
+          <a:miter lim="800000"/>
+        </a:ln>
+        <a:effectLst/>
+      </dsp:spPr>
+      <dsp:style>
+        <a:lnRef idx="3">
+          <a:scrgbClr r="0" g="0" b="0"/>
+        </a:lnRef>
+        <a:fillRef idx="1">
+          <a:scrgbClr r="0" g="0" b="0"/>
+        </a:fillRef>
+        <a:effectRef idx="1">
+          <a:scrgbClr r="0" g="0" b="0"/>
+        </a:effectRef>
+        <a:fontRef idx="minor">
+          <a:schemeClr val="lt1"/>
+        </a:fontRef>
+      </dsp:style>
+      <dsp:txBody>
+        <a:bodyPr spcFirstLastPara="0" vert="horz" wrap="square" lIns="30480" tIns="30480" rIns="30480" bIns="30480" numCol="1" spcCol="1270" anchor="ctr" anchorCtr="0">
+          <a:noAutofit/>
+        </a:bodyPr>
+        <a:lstStyle/>
+        <a:p>
+          <a:pPr marL="0" lvl="0" indent="0" algn="ctr" defTabSz="355600">
+            <a:lnSpc>
+              <a:spcPct val="90000"/>
+            </a:lnSpc>
+            <a:spcBef>
+              <a:spcPct val="0"/>
+            </a:spcBef>
+            <a:spcAft>
+              <a:spcPct val="35000"/>
+            </a:spcAft>
+            <a:buNone/>
+          </a:pPr>
+          <a:r>
+            <a:rPr lang="zh-CN" altLang="en-US" sz="800" kern="1200" dirty="0"/>
+            <a:t>重构过程</a:t>
+          </a:r>
+        </a:p>
+      </dsp:txBody>
+      <dsp:txXfrm>
+        <a:off x="2209575" y="1456982"/>
+        <a:ext cx="729456" cy="476423"/>
+      </dsp:txXfrm>
+    </dsp:sp>
+    <dsp:sp modelId="{9A105F8B-36DE-4971-936F-73557350838F}">
+      <dsp:nvSpPr>
+        <dsp:cNvPr id="0" name=""/>
+        <dsp:cNvSpPr/>
+      </dsp:nvSpPr>
+      <dsp:spPr>
+        <a:xfrm>
+          <a:off x="1587473" y="1948227"/>
+          <a:ext cx="986830" cy="202426"/>
+        </a:xfrm>
+        <a:custGeom>
+          <a:avLst/>
+          <a:gdLst/>
+          <a:ahLst/>
+          <a:cxnLst/>
+          <a:rect l="0" t="0" r="0" b="0"/>
+          <a:pathLst>
+            <a:path>
+              <a:moveTo>
+                <a:pt x="986830" y="0"/>
+              </a:moveTo>
+              <a:lnTo>
+                <a:pt x="986830" y="101213"/>
+              </a:lnTo>
+              <a:lnTo>
+                <a:pt x="0" y="101213"/>
+              </a:lnTo>
+              <a:lnTo>
+                <a:pt x="0" y="202426"/>
+              </a:lnTo>
+            </a:path>
+          </a:pathLst>
+        </a:custGeom>
+        <a:noFill/>
+        <a:ln w="12700" cap="flat" cmpd="sng" algn="ctr">
+          <a:solidFill>
+            <a:schemeClr val="accent1">
+              <a:shade val="60000"/>
+              <a:hueOff val="0"/>
+              <a:satOff val="0"/>
+              <a:lumOff val="0"/>
+              <a:alphaOff val="0"/>
+            </a:schemeClr>
+          </a:solidFill>
+          <a:prstDash val="solid"/>
+          <a:miter lim="800000"/>
+        </a:ln>
+        <a:effectLst/>
+      </dsp:spPr>
+      <dsp:style>
+        <a:lnRef idx="2">
+          <a:scrgbClr r="0" g="0" b="0"/>
+        </a:lnRef>
+        <a:fillRef idx="0">
+          <a:scrgbClr r="0" g="0" b="0"/>
+        </a:fillRef>
+        <a:effectRef idx="0">
+          <a:scrgbClr r="0" g="0" b="0"/>
+        </a:effectRef>
+        <a:fontRef idx="minor"/>
+      </dsp:style>
+    </dsp:sp>
+    <dsp:sp modelId="{53F2F0DA-C279-4D33-B589-ECCBEA28E8A5}">
+      <dsp:nvSpPr>
+        <dsp:cNvPr id="0" name=""/>
+        <dsp:cNvSpPr/>
+      </dsp:nvSpPr>
+      <dsp:spPr>
+        <a:xfrm>
+          <a:off x="1207922" y="2150654"/>
+          <a:ext cx="759100" cy="506067"/>
+        </a:xfrm>
+        <a:prstGeom prst="roundRect">
+          <a:avLst>
+            <a:gd name="adj" fmla="val 10000"/>
+          </a:avLst>
+        </a:prstGeom>
+        <a:solidFill>
+          <a:schemeClr val="accent1">
+            <a:hueOff val="0"/>
+            <a:satOff val="0"/>
+            <a:lumOff val="0"/>
+            <a:alphaOff val="0"/>
+          </a:schemeClr>
+        </a:solidFill>
+        <a:ln w="19050" cap="flat" cmpd="sng" algn="ctr">
+          <a:solidFill>
+            <a:schemeClr val="lt1">
+              <a:hueOff val="0"/>
+              <a:satOff val="0"/>
+              <a:lumOff val="0"/>
+              <a:alphaOff val="0"/>
+            </a:schemeClr>
+          </a:solidFill>
+          <a:prstDash val="solid"/>
+          <a:miter lim="800000"/>
+        </a:ln>
+        <a:effectLst/>
+      </dsp:spPr>
+      <dsp:style>
+        <a:lnRef idx="3">
+          <a:scrgbClr r="0" g="0" b="0"/>
+        </a:lnRef>
+        <a:fillRef idx="1">
+          <a:scrgbClr r="0" g="0" b="0"/>
+        </a:fillRef>
+        <a:effectRef idx="1">
+          <a:scrgbClr r="0" g="0" b="0"/>
+        </a:effectRef>
+        <a:fontRef idx="minor">
+          <a:schemeClr val="lt1"/>
+        </a:fontRef>
+      </dsp:style>
+      <dsp:txBody>
+        <a:bodyPr spcFirstLastPara="0" vert="horz" wrap="square" lIns="30480" tIns="30480" rIns="30480" bIns="30480" numCol="1" spcCol="1270" anchor="ctr" anchorCtr="0">
+          <a:noAutofit/>
+        </a:bodyPr>
+        <a:lstStyle/>
+        <a:p>
+          <a:pPr marL="0" lvl="0" indent="0" algn="ctr" defTabSz="355600">
+            <a:lnSpc>
+              <a:spcPct val="90000"/>
+            </a:lnSpc>
+            <a:spcBef>
+              <a:spcPct val="0"/>
+            </a:spcBef>
+            <a:spcAft>
+              <a:spcPct val="35000"/>
+            </a:spcAft>
+            <a:buNone/>
+          </a:pPr>
+          <a:r>
+            <a:rPr lang="zh-CN" altLang="en-US" sz="800" kern="1200" dirty="0"/>
+            <a:t>消除重复</a:t>
+          </a:r>
+        </a:p>
+      </dsp:txBody>
+      <dsp:txXfrm>
+        <a:off x="1222744" y="2165476"/>
+        <a:ext cx="729456" cy="476423"/>
+      </dsp:txXfrm>
+    </dsp:sp>
+    <dsp:sp modelId="{99189FCC-B344-4D97-B883-34CCA492ED3A}">
+      <dsp:nvSpPr>
+        <dsp:cNvPr id="0" name=""/>
+        <dsp:cNvSpPr/>
+      </dsp:nvSpPr>
+      <dsp:spPr>
+        <a:xfrm>
+          <a:off x="2528584" y="1948227"/>
+          <a:ext cx="91440" cy="202426"/>
+        </a:xfrm>
+        <a:custGeom>
+          <a:avLst/>
+          <a:gdLst/>
+          <a:ahLst/>
+          <a:cxnLst/>
+          <a:rect l="0" t="0" r="0" b="0"/>
+          <a:pathLst>
+            <a:path>
+              <a:moveTo>
+                <a:pt x="45720" y="0"/>
+              </a:moveTo>
+              <a:lnTo>
+                <a:pt x="45720" y="202426"/>
+              </a:lnTo>
+            </a:path>
+          </a:pathLst>
+        </a:custGeom>
+        <a:noFill/>
+        <a:ln w="12700" cap="flat" cmpd="sng" algn="ctr">
+          <a:solidFill>
+            <a:schemeClr val="accent1">
+              <a:shade val="60000"/>
+              <a:hueOff val="0"/>
+              <a:satOff val="0"/>
+              <a:lumOff val="0"/>
+              <a:alphaOff val="0"/>
+            </a:schemeClr>
+          </a:solidFill>
+          <a:prstDash val="solid"/>
+          <a:miter lim="800000"/>
+        </a:ln>
+        <a:effectLst/>
+      </dsp:spPr>
+      <dsp:style>
+        <a:lnRef idx="2">
+          <a:scrgbClr r="0" g="0" b="0"/>
+        </a:lnRef>
+        <a:fillRef idx="0">
+          <a:scrgbClr r="0" g="0" b="0"/>
+        </a:fillRef>
+        <a:effectRef idx="0">
+          <a:scrgbClr r="0" g="0" b="0"/>
+        </a:effectRef>
+        <a:fontRef idx="minor"/>
+      </dsp:style>
+    </dsp:sp>
+    <dsp:sp modelId="{D92F6D48-D35C-4340-BBCC-71D52071B5DB}">
+      <dsp:nvSpPr>
+        <dsp:cNvPr id="0" name=""/>
+        <dsp:cNvSpPr/>
+      </dsp:nvSpPr>
+      <dsp:spPr>
+        <a:xfrm>
+          <a:off x="2194753" y="2150654"/>
+          <a:ext cx="759100" cy="506067"/>
+        </a:xfrm>
+        <a:prstGeom prst="roundRect">
+          <a:avLst>
+            <a:gd name="adj" fmla="val 10000"/>
+          </a:avLst>
+        </a:prstGeom>
+        <a:solidFill>
+          <a:schemeClr val="accent1">
+            <a:hueOff val="0"/>
+            <a:satOff val="0"/>
+            <a:lumOff val="0"/>
+            <a:alphaOff val="0"/>
+          </a:schemeClr>
+        </a:solidFill>
+        <a:ln w="19050" cap="flat" cmpd="sng" algn="ctr">
+          <a:solidFill>
+            <a:schemeClr val="lt1">
+              <a:hueOff val="0"/>
+              <a:satOff val="0"/>
+              <a:lumOff val="0"/>
+              <a:alphaOff val="0"/>
+            </a:schemeClr>
+          </a:solidFill>
+          <a:prstDash val="solid"/>
+          <a:miter lim="800000"/>
+        </a:ln>
+        <a:effectLst/>
+      </dsp:spPr>
+      <dsp:style>
+        <a:lnRef idx="3">
+          <a:scrgbClr r="0" g="0" b="0"/>
+        </a:lnRef>
+        <a:fillRef idx="1">
+          <a:scrgbClr r="0" g="0" b="0"/>
+        </a:fillRef>
+        <a:effectRef idx="1">
+          <a:scrgbClr r="0" g="0" b="0"/>
+        </a:effectRef>
+        <a:fontRef idx="minor">
+          <a:schemeClr val="lt1"/>
+        </a:fontRef>
+      </dsp:style>
+      <dsp:txBody>
+        <a:bodyPr spcFirstLastPara="0" vert="horz" wrap="square" lIns="30480" tIns="30480" rIns="30480" bIns="30480" numCol="1" spcCol="1270" anchor="ctr" anchorCtr="0">
+          <a:noAutofit/>
+        </a:bodyPr>
+        <a:lstStyle/>
+        <a:p>
+          <a:pPr marL="0" lvl="0" indent="0" algn="ctr" defTabSz="355600">
+            <a:lnSpc>
+              <a:spcPct val="90000"/>
+            </a:lnSpc>
+            <a:spcBef>
+              <a:spcPct val="0"/>
+            </a:spcBef>
+            <a:spcAft>
+              <a:spcPct val="35000"/>
+            </a:spcAft>
+            <a:buNone/>
+          </a:pPr>
+          <a:r>
+            <a:rPr lang="zh-CN" altLang="en-US" sz="800" kern="1200" dirty="0"/>
+            <a:t>保证表达力</a:t>
+          </a:r>
+        </a:p>
+      </dsp:txBody>
+      <dsp:txXfrm>
+        <a:off x="2209575" y="2165476"/>
+        <a:ext cx="729456" cy="476423"/>
+      </dsp:txXfrm>
+    </dsp:sp>
+    <dsp:sp modelId="{260A727C-0D0F-46CD-AA47-46F0871F2586}">
+      <dsp:nvSpPr>
+        <dsp:cNvPr id="0" name=""/>
+        <dsp:cNvSpPr/>
+      </dsp:nvSpPr>
+      <dsp:spPr>
+        <a:xfrm>
+          <a:off x="2574303" y="1948227"/>
+          <a:ext cx="986830" cy="202426"/>
+        </a:xfrm>
+        <a:custGeom>
+          <a:avLst/>
+          <a:gdLst/>
+          <a:ahLst/>
+          <a:cxnLst/>
+          <a:rect l="0" t="0" r="0" b="0"/>
+          <a:pathLst>
+            <a:path>
+              <a:moveTo>
+                <a:pt x="0" y="0"/>
+              </a:moveTo>
+              <a:lnTo>
+                <a:pt x="0" y="101213"/>
+              </a:lnTo>
+              <a:lnTo>
+                <a:pt x="986830" y="101213"/>
+              </a:lnTo>
+              <a:lnTo>
+                <a:pt x="986830" y="202426"/>
+              </a:lnTo>
+            </a:path>
+          </a:pathLst>
+        </a:custGeom>
+        <a:noFill/>
+        <a:ln w="12700" cap="flat" cmpd="sng" algn="ctr">
+          <a:solidFill>
+            <a:schemeClr val="accent1">
+              <a:shade val="60000"/>
+              <a:hueOff val="0"/>
+              <a:satOff val="0"/>
+              <a:lumOff val="0"/>
+              <a:alphaOff val="0"/>
+            </a:schemeClr>
+          </a:solidFill>
+          <a:prstDash val="solid"/>
+          <a:miter lim="800000"/>
+        </a:ln>
+        <a:effectLst/>
+      </dsp:spPr>
+      <dsp:style>
+        <a:lnRef idx="2">
+          <a:scrgbClr r="0" g="0" b="0"/>
+        </a:lnRef>
+        <a:fillRef idx="0">
+          <a:scrgbClr r="0" g="0" b="0"/>
+        </a:fillRef>
+        <a:effectRef idx="0">
+          <a:scrgbClr r="0" g="0" b="0"/>
+        </a:effectRef>
+        <a:fontRef idx="minor"/>
+      </dsp:style>
+    </dsp:sp>
+    <dsp:sp modelId="{D3CCFB09-B308-4F90-84DF-066922BC44AA}">
+      <dsp:nvSpPr>
+        <dsp:cNvPr id="0" name=""/>
+        <dsp:cNvSpPr/>
+      </dsp:nvSpPr>
+      <dsp:spPr>
+        <a:xfrm>
+          <a:off x="3181584" y="2150654"/>
+          <a:ext cx="759100" cy="506067"/>
+        </a:xfrm>
+        <a:prstGeom prst="roundRect">
+          <a:avLst>
+            <a:gd name="adj" fmla="val 10000"/>
+          </a:avLst>
+        </a:prstGeom>
+        <a:solidFill>
+          <a:schemeClr val="accent1">
+            <a:hueOff val="0"/>
+            <a:satOff val="0"/>
+            <a:lumOff val="0"/>
+            <a:alphaOff val="0"/>
+          </a:schemeClr>
+        </a:solidFill>
+        <a:ln w="19050" cap="flat" cmpd="sng" algn="ctr">
+          <a:solidFill>
+            <a:schemeClr val="lt1">
+              <a:hueOff val="0"/>
+              <a:satOff val="0"/>
+              <a:lumOff val="0"/>
+              <a:alphaOff val="0"/>
+            </a:schemeClr>
+          </a:solidFill>
+          <a:prstDash val="solid"/>
+          <a:miter lim="800000"/>
+        </a:ln>
+        <a:effectLst/>
+      </dsp:spPr>
+      <dsp:style>
+        <a:lnRef idx="3">
+          <a:scrgbClr r="0" g="0" b="0"/>
+        </a:lnRef>
+        <a:fillRef idx="1">
+          <a:scrgbClr r="0" g="0" b="0"/>
+        </a:fillRef>
+        <a:effectRef idx="1">
+          <a:scrgbClr r="0" g="0" b="0"/>
+        </a:effectRef>
+        <a:fontRef idx="minor">
+          <a:schemeClr val="lt1"/>
+        </a:fontRef>
+      </dsp:style>
+      <dsp:txBody>
+        <a:bodyPr spcFirstLastPara="0" vert="horz" wrap="square" lIns="30480" tIns="30480" rIns="30480" bIns="30480" numCol="1" spcCol="1270" anchor="ctr" anchorCtr="0">
+          <a:noAutofit/>
+        </a:bodyPr>
+        <a:lstStyle/>
+        <a:p>
+          <a:pPr marL="0" lvl="0" indent="0" algn="ctr" defTabSz="355600">
+            <a:lnSpc>
+              <a:spcPct val="90000"/>
+            </a:lnSpc>
+            <a:spcBef>
+              <a:spcPct val="0"/>
+            </a:spcBef>
+            <a:spcAft>
+              <a:spcPct val="35000"/>
+            </a:spcAft>
+            <a:buNone/>
+          </a:pPr>
+          <a:r>
+            <a:rPr lang="zh-CN" altLang="en-US" sz="800" kern="1200" dirty="0"/>
+            <a:t>尽可能减少类和方法的数量</a:t>
+          </a:r>
+        </a:p>
+      </dsp:txBody>
+      <dsp:txXfrm>
+        <a:off x="3196406" y="2165476"/>
+        <a:ext cx="729456" cy="476423"/>
+      </dsp:txXfrm>
+    </dsp:sp>
+  </dsp:spTree>
+</dsp:drawing>
+</file>
+
+<file path=ppt/diagrams/layout1.xml><?xml version="1.0" encoding="utf-8"?>
+<dgm:layoutDef xmlns:dgm="http://schemas.openxmlformats.org/drawingml/2006/diagram" xmlns:a="http://schemas.openxmlformats.org/drawingml/2006/main" uniqueId="urn:microsoft.com/office/officeart/2005/8/layout/hierarchy6">
+  <dgm:title val=""/>
+  <dgm:desc val=""/>
+  <dgm:catLst>
+    <dgm:cat type="hierarchy" pri="3000"/>
+  </dgm:catLst>
+  <dgm:sampData>
+    <dgm:dataModel>
+      <dgm:ptLst>
+        <dgm:pt modelId="0" type="doc"/>
+        <dgm:pt modelId="1">
+          <dgm:prSet phldr="1"/>
+        </dgm:pt>
+        <dgm:pt modelId="2">
+          <dgm:prSet phldr="1"/>
+        </dgm:pt>
+        <dgm:pt modelId="21">
+          <dgm:prSet phldr="1"/>
+        </dgm:pt>
+        <dgm:pt modelId="22">
+          <dgm:prSet phldr="1"/>
+        </dgm:pt>
+        <dgm:pt modelId="3">
+          <dgm:prSet phldr="1"/>
+        </dgm:pt>
+        <dgm:pt modelId="31">
+          <dgm:prSet phldr="1"/>
+        </dgm:pt>
+        <dgm:pt modelId="4">
+          <dgm:prSet phldr="1"/>
+        </dgm:pt>
+        <dgm:pt modelId="5">
+          <dgm:prSet phldr="1"/>
+        </dgm:pt>
+        <dgm:pt modelId="6">
+          <dgm:prSet phldr="1"/>
+        </dgm:pt>
+      </dgm:ptLst>
+      <dgm:cxnLst>
+        <dgm:cxn modelId="7" srcId="0" destId="1" srcOrd="0" destOrd="0"/>
+        <dgm:cxn modelId="8" srcId="1" destId="2" srcOrd="0" destOrd="0"/>
+        <dgm:cxn modelId="9" srcId="1" destId="3" srcOrd="1" destOrd="0"/>
+        <dgm:cxn modelId="23" srcId="2" destId="21" srcOrd="0" destOrd="0"/>
+        <dgm:cxn modelId="24" srcId="2" destId="22" srcOrd="1" destOrd="0"/>
+        <dgm:cxn modelId="33" srcId="3" destId="31" srcOrd="0" destOrd="0"/>
+        <dgm:cxn modelId="10" srcId="0" destId="4" srcOrd="1" destOrd="0"/>
+        <dgm:cxn modelId="11" srcId="0" destId="5" srcOrd="2" destOrd="0"/>
+        <dgm:cxn modelId="12" srcId="0" destId="6" srcOrd="3" destOrd="0"/>
+      </dgm:cxnLst>
+      <dgm:bg/>
+      <dgm:whole/>
+    </dgm:dataModel>
+  </dgm:sampData>
+  <dgm:styleData>
+    <dgm:dataModel>
+      <dgm:ptLst>
+        <dgm:pt modelId="0" type="doc"/>
+        <dgm:pt modelId="1"/>
+        <dgm:pt modelId="11"/>
+        <dgm:pt modelId="12"/>
+        <dgm:pt modelId="2"/>
+        <dgm:pt modelId="3"/>
+      </dgm:ptLst>
+      <dgm:cxnLst>
+        <dgm:cxn modelId="4" srcId="0" destId="1" srcOrd="0" destOrd="0"/>
+        <dgm:cxn modelId="13" srcId="1" destId="11" srcOrd="0" destOrd="0"/>
+        <dgm:cxn modelId="14" srcId="1" destId="12" srcOrd="1" destOrd="0"/>
+        <dgm:cxn modelId="5" srcId="0" destId="2" srcOrd="1" destOrd="0"/>
+        <dgm:cxn modelId="6" srcId="0" destId="3" srcOrd="2" destOrd="0"/>
+      </dgm:cxnLst>
+      <dgm:bg/>
+      <dgm:whole/>
+    </dgm:dataModel>
+  </dgm:styleData>
+  <dgm:clrData>
+    <dgm:dataModel>
+      <dgm:ptLst>
+        <dgm:pt modelId="0" type="doc"/>
+        <dgm:pt modelId="1"/>
+        <dgm:pt modelId="2"/>
+        <dgm:pt modelId="21"/>
+        <dgm:pt modelId="211"/>
+        <dgm:pt modelId="3"/>
+        <dgm:pt modelId="31"/>
+        <dgm:pt modelId="311"/>
+        <dgm:pt modelId="4"/>
+        <dgm:pt modelId="5"/>
+        <dgm:pt modelId="6"/>
+        <dgm:pt modelId="7"/>
+      </dgm:ptLst>
+      <dgm:cxnLst>
+        <dgm:cxn modelId="8" srcId="0" destId="1" srcOrd="0" destOrd="0"/>
+        <dgm:cxn modelId="9" srcId="1" destId="2" srcOrd="0" destOrd="0"/>
+        <dgm:cxn modelId="10" srcId="1" destId="3" srcOrd="1" destOrd="0"/>
+        <dgm:cxn modelId="23" srcId="2" destId="21" srcOrd="0" destOrd="0"/>
+        <dgm:cxn modelId="24" srcId="21" destId="211" srcOrd="0" destOrd="0"/>
+        <dgm:cxn modelId="33" srcId="3" destId="31" srcOrd="0" destOrd="0"/>
+        <dgm:cxn modelId="34" srcId="31" destId="311" srcOrd="0" destOrd="0"/>
+        <dgm:cxn modelId="11" srcId="0" destId="4" srcOrd="1" destOrd="0"/>
+        <dgm:cxn modelId="12" srcId="0" destId="5" srcOrd="2" destOrd="0"/>
+        <dgm:cxn modelId="13" srcId="0" destId="6" srcOrd="3" destOrd="0"/>
+        <dgm:cxn modelId="14" srcId="0" destId="7" srcOrd="4" destOrd="0"/>
+      </dgm:cxnLst>
+      <dgm:bg/>
+      <dgm:whole/>
+    </dgm:dataModel>
+  </dgm:clrData>
+  <dgm:layoutNode name="mainComposite">
+    <dgm:varLst>
+      <dgm:chPref val="1"/>
+      <dgm:dir/>
+      <dgm:animOne val="branch"/>
+      <dgm:animLvl val="lvl"/>
+      <dgm:resizeHandles val="exact"/>
+    </dgm:varLst>
+    <dgm:alg type="composite">
+      <dgm:param type="vertAlign" val="mid"/>
+      <dgm:param type="horzAlign" val="ctr"/>
+    </dgm:alg>
+    <dgm:shape xmlns:r="http://schemas.openxmlformats.org/officeDocument/2006/relationships" r:blip="">
+      <dgm:adjLst/>
+    </dgm:shape>
+    <dgm:presOf/>
+    <dgm:choose name="Name0">
+      <dgm:if name="Name1" axis="ch" ptType="node" func="cnt" op="gte" val="2">
+        <dgm:choose name="Name2">
+          <dgm:if name="Name3" func="var" arg="dir" op="equ" val="norm">
+            <dgm:constrLst>
+              <dgm:constr type="l" for="ch" forName="hierFlow" refType="w" fact="0.3"/>
+              <dgm:constr type="t" for="ch" forName="hierFlow"/>
+              <dgm:constr type="r" for="ch" forName="hierFlow" refType="w" fact="0.98"/>
+              <dgm:constr type="b" for="ch" forName="hierFlow" refType="h" fact="0.98"/>
+              <dgm:constr type="l" for="ch" forName="bgShapesFlow"/>
+              <dgm:constr type="t" for="ch" forName="bgShapesFlow"/>
+              <dgm:constr type="r" for="ch" forName="bgShapesFlow" refType="w"/>
+              <dgm:constr type="b" for="ch" forName="bgShapesFlow" refType="h"/>
+              <dgm:constr type="w" for="des" forName="level1Shape" refType="w"/>
+              <dgm:constr type="h" for="des" forName="level1Shape" refType="w" refFor="des" refForName="level1Shape" fact="0.66667"/>
+              <dgm:constr type="w" for="des" forName="level2Shape" refType="w" refFor="des" refForName="level1Shape" op="equ"/>
+              <dgm:constr type="h" for="des" forName="level2Shape" refType="h" refFor="des" refForName="level1Shape" op="equ"/>
+              <dgm:constr type="sp" for="des" refType="h" refFor="des" refForName="level1Shape" op="equ" fact="0.4"/>
+              <dgm:constr type="sibSp" for="des" forName="hierChild1" refType="w" refFor="des" refForName="level1Shape" op="equ" fact="0.3"/>
+              <dgm:constr type="sibSp" for="des" forName="hierChild2" refType="sibSp" refFor="des" refForName="hierChild1" op="equ"/>
+              <dgm:constr type="sibSp" for="des" forName="hierChild3" refType="sibSp" refFor="des" refForName="hierChild1" op="equ"/>
+              <dgm:constr type="userA" for="des" refType="h" refFor="des" refForName="level1Shape" op="equ"/>
+              <dgm:constr type="userB" for="des" refType="sp" refFor="des" op="equ"/>
+              <dgm:constr type="h" for="des" forName="firstBuf" refType="h" refFor="des" refForName="level1Shape" fact="0.1"/>
+            </dgm:constrLst>
+          </dgm:if>
+          <dgm:else name="Name4">
+            <dgm:constrLst>
+              <dgm:constr type="l" for="ch" forName="hierFlow" refType="w" fact="0.02"/>
+              <dgm:constr type="t" for="ch" forName="hierFlow"/>
+              <dgm:constr type="r" for="ch" forName="hierFlow" refType="w" fact="0.7"/>
+              <dgm:constr type="b" for="ch" forName="hierFlow" refType="h" fact="0.98"/>
+              <dgm:constr type="l" for="ch" forName="bgShapesFlow"/>
+              <dgm:constr type="t" for="ch" forName="bgShapesFlow"/>
+              <dgm:constr type="r" for="ch" forName="bgShapesFlow" refType="w"/>
+              <dgm:constr type="b" for="ch" forName="bgShapesFlow" refType="h"/>
+              <dgm:constr type="w" for="des" forName="level1Shape" refType="w"/>
+              <dgm:constr type="h" for="des" forName="level1Shape" refType="w" refFor="des" refForName="level1Shape" fact="0.66667"/>
+              <dgm:constr type="w" for="des" forName="level2Shape" refType="w" refFor="des" refForName="level1Shape" op="equ"/>
+              <dgm:constr type="h" for="des" forName="level2Shape" refType="h" refFor="des" refForName="level1Shape" op="equ"/>
+              <dgm:constr type="sp" for="des" refType="h" refFor="des" refForName="level1Shape" op="equ" fact="0.4"/>
+              <dgm:constr type="sibSp" for="des" forName="hierChild1" refType="w" refFor="des" refForName="level1Shape" op="equ" fact="0.3"/>
+              <dgm:constr type="sibSp" for="des" forName="hierChild2" refType="sibSp" refFor="des" refForName="hierChild1" op="equ"/>
+              <dgm:constr type="sibSp" for="des" forName="hierChild3" refType="sibSp" refFor="des" refForName="hierChild1" op="equ"/>
+              <dgm:constr type="userA" for="des" refType="h" refFor="des" refForName="level1Shape" op="equ"/>
+              <dgm:constr type="userB" for="des" refType="sp" refFor="des" op="equ"/>
+              <dgm:constr type="h" for="des" forName="firstBuf" refType="h" refFor="des" refForName="level1Shape" fact="0.1"/>
+            </dgm:constrLst>
+          </dgm:else>
+        </dgm:choose>
+      </dgm:if>
+      <dgm:else name="Name5">
+        <dgm:constrLst>
+          <dgm:constr type="l" for="ch" forName="hierFlow"/>
+          <dgm:constr type="t" for="ch" forName="hierFlow"/>
+          <dgm:constr type="r" for="ch" forName="hierFlow" refType="w"/>
+          <dgm:constr type="b" for="ch" forName="hierFlow" refType="h"/>
+          <dgm:constr type="l" for="ch" forName="bgShapesFlow"/>
+          <dgm:constr type="t" for="ch" forName="bgShapesFlow"/>
+          <dgm:constr type="r" for="ch" forName="bgShapesFlow" refType="w"/>
+          <dgm:constr type="b" for="ch" forName="bgShapesFlow" refType="h"/>
+          <dgm:constr type="w" for="des" forName="level1Shape" refType="w"/>
+          <dgm:constr type="h" for="des" forName="level1Shape" refType="w" refFor="des" refForName="level1Shape" fact="0.66667"/>
+          <dgm:constr type="w" for="des" forName="level2Shape" refType="w" refFor="des" refForName="level1Shape" op="equ"/>
+          <dgm:constr type="h" for="des" forName="level2Shape" refType="h" refFor="des" refForName="level1Shape" op="equ"/>
+          <dgm:constr type="sp" for="des" refType="h" refFor="des" refForName="level1Shape" op="equ" fact="0.4"/>
+          <dgm:constr type="sibSp" for="des" forName="hierChild1" refType="w" refFor="des" refForName="level1Shape" op="equ" fact="0.3"/>
+          <dgm:constr type="sibSp" for="des" forName="hierChild2" refType="sibSp" refFor="des" refForName="hierChild1" op="equ"/>
+          <dgm:constr type="sibSp" for="des" forName="hierChild3" refType="sibSp" refFor="des" refForName="hierChild1" op="equ"/>
+          <dgm:constr type="userA" for="des" refType="h" refFor="des" refForName="level1Shape" op="equ"/>
+          <dgm:constr type="userB" for="des" refType="sp" refFor="des" op="equ"/>
+          <dgm:constr type="h" for="des" forName="firstBuf" refType="h" refFor="des" refForName="level1Shape" fact="0.1"/>
+        </dgm:constrLst>
+      </dgm:else>
+    </dgm:choose>
+    <dgm:ruleLst/>
+    <dgm:layoutNode name="hierFlow">
+      <dgm:alg type="lin">
+        <dgm:param type="linDir" val="fromT"/>
+        <dgm:param type="nodeVertAlign" val="t"/>
+        <dgm:param type="vertAlign" val="t"/>
+        <dgm:param type="nodeHorzAlign" val="ctr"/>
+        <dgm:param type="fallback" val="2D"/>
+      </dgm:alg>
+      <dgm:shape xmlns:r="http://schemas.openxmlformats.org/officeDocument/2006/relationships" r:blip="">
+        <dgm:adjLst/>
+      </dgm:shape>
+      <dgm:presOf/>
+      <dgm:constrLst/>
+      <dgm:ruleLst/>
+      <dgm:choose name="Name6">
+        <dgm:if name="Name7" axis="ch" ptType="node" func="cnt" op="gte" val="2">
+          <dgm:layoutNode name="firstBuf">
+            <dgm:alg type="sp"/>
+            <dgm:shape xmlns:r="http://schemas.openxmlformats.org/officeDocument/2006/relationships" r:blip="">
+              <dgm:adjLst/>
+            </dgm:shape>
+            <dgm:presOf/>
+            <dgm:constrLst/>
+            <dgm:ruleLst/>
+          </dgm:layoutNode>
+        </dgm:if>
+        <dgm:else name="Name8"/>
+      </dgm:choose>
+      <dgm:layoutNode name="hierChild1">
+        <dgm:varLst>
+          <dgm:chPref val="1"/>
+          <dgm:animOne val="branch"/>
+          <dgm:animLvl val="lvl"/>
+        </dgm:varLst>
+        <dgm:choose name="Name9">
+          <dgm:if name="Name10" func="var" arg="dir" op="equ" val="norm">
+            <dgm:alg type="hierChild">
+              <dgm:param type="linDir" val="fromL"/>
+              <dgm:param type="vertAlign" val="t"/>
+            </dgm:alg>
+          </dgm:if>
+          <dgm:else name="Name11">
+            <dgm:alg type="hierChild">
+              <dgm:param type="linDir" val="fromR"/>
+              <dgm:param type="vertAlign" val="t"/>
+            </dgm:alg>
+          </dgm:else>
+        </dgm:choose>
+        <dgm:shape xmlns:r="http://schemas.openxmlformats.org/officeDocument/2006/relationships" r:blip="">
+          <dgm:adjLst/>
+        </dgm:shape>
+        <dgm:presOf/>
+        <dgm:constrLst>
+          <dgm:constr type="primFontSz" for="des" ptType="node" op="equ"/>
+        </dgm:constrLst>
+        <dgm:ruleLst/>
+        <dgm:forEach name="Name12" axis="ch" cnt="3">
+          <dgm:forEach name="Name13" axis="self" ptType="node">
+            <dgm:layoutNode name="Name14">
+              <dgm:alg type="hierRoot"/>
+              <dgm:shape xmlns:r="http://schemas.openxmlformats.org/officeDocument/2006/relationships" r:blip="">
+                <dgm:adjLst/>
+              </dgm:shape>
+              <dgm:presOf/>
+              <dgm:constrLst/>
+              <dgm:ruleLst/>
+              <dgm:layoutNode name="level1Shape" styleLbl="node0">
+                <dgm:varLst>
+                  <dgm:chPref val="3"/>
+                </dgm:varLst>
+                <dgm:alg type="tx"/>
+                <dgm:shape xmlns:r="http://schemas.openxmlformats.org/officeDocument/2006/relationships" type="roundRect" r:blip="">
+                  <dgm:adjLst>
+                    <dgm:adj idx="1" val="0.1"/>
+                  </dgm:adjLst>
+                </dgm:shape>
+                <dgm:presOf axis="self"/>
+                <dgm:constrLst>
+                  <dgm:constr type="primFontSz" val="65"/>
+                  <dgm:constr type="tMarg" refType="primFontSz" fact="0.3"/>
+                  <dgm:constr type="bMarg" refType="primFontSz" fact="0.3"/>
+                  <dgm:constr type="lMarg" refType="primFontSz" fact="0.3"/>
+                  <dgm:constr type="rMarg" refType="primFontSz" fact="0.3"/>
+                </dgm:constrLst>
+                <dgm:ruleLst>
+                  <dgm:rule type="primFontSz" val="5" fact="NaN" max="NaN"/>
+                </dgm:ruleLst>
+              </dgm:layoutNode>
+              <dgm:layoutNode name="hierChild2">
+                <dgm:choose name="Name15">
+                  <dgm:if name="Name16" func="var" arg="dir" op="equ" val="norm">
+                    <dgm:alg type="hierChild">
+                      <dgm:param type="linDir" val="fromL"/>
+                    </dgm:alg>
+                  </dgm:if>
+                  <dgm:else name="Name17">
+                    <dgm:alg type="hierChild">
+                      <dgm:param type="linDir" val="fromR"/>
+                    </dgm:alg>
+                  </dgm:else>
+                </dgm:choose>
+                <dgm:shape xmlns:r="http://schemas.openxmlformats.org/officeDocument/2006/relationships" r:blip="">
+                  <dgm:adjLst/>
+                </dgm:shape>
+                <dgm:presOf/>
+                <dgm:constrLst/>
+                <dgm:ruleLst/>
+                <dgm:forEach name="repeat" axis="ch">
+                  <dgm:forEach name="Name18" axis="self" ptType="parTrans" cnt="1">
+                    <dgm:layoutNode name="Name19">
+                      <dgm:alg type="conn">
+                        <dgm:param type="dim" val="1D"/>
+                        <dgm:param type="endSty" val="noArr"/>
+                        <dgm:param type="connRout" val="bend"/>
+                        <dgm:param type="begPts" val="bCtr"/>
+                        <dgm:param type="endPts" val="tCtr"/>
+                      </dgm:alg>
+                      <dgm:shape xmlns:r="http://schemas.openxmlformats.org/officeDocument/2006/relationships" type="conn" r:blip="">
+                        <dgm:adjLst/>
+                      </dgm:shape>
+                      <dgm:presOf axis="self"/>
+                      <dgm:constrLst>
+                        <dgm:constr type="w" val="1"/>
+                        <dgm:constr type="h" val="1"/>
+                        <dgm:constr type="begPad"/>
+                        <dgm:constr type="endPad"/>
+                      </dgm:constrLst>
+                      <dgm:ruleLst/>
+                    </dgm:layoutNode>
+                  </dgm:forEach>
+                  <dgm:forEach name="Name20" axis="self" ptType="node">
+                    <dgm:layoutNode name="Name21">
+                      <dgm:alg type="hierRoot"/>
+                      <dgm:shape xmlns:r="http://schemas.openxmlformats.org/officeDocument/2006/relationships" r:blip="">
+                        <dgm:adjLst/>
+                      </dgm:shape>
+                      <dgm:presOf/>
+                      <dgm:constrLst/>
+                      <dgm:ruleLst/>
+                      <dgm:layoutNode name="level2Shape">
+                        <dgm:alg type="tx"/>
+                        <dgm:shape xmlns:r="http://schemas.openxmlformats.org/officeDocument/2006/relationships" type="roundRect" r:blip="">
+                          <dgm:adjLst>
+                            <dgm:adj idx="1" val="0.1"/>
+                          </dgm:adjLst>
+                        </dgm:shape>
+                        <dgm:presOf axis="self"/>
+                        <dgm:constrLst>
+                          <dgm:constr type="primFontSz" val="65"/>
+                          <dgm:constr type="tMarg" refType="primFontSz" fact="0.3"/>
+                          <dgm:constr type="bMarg" refType="primFontSz" fact="0.3"/>
+                          <dgm:constr type="lMarg" refType="primFontSz" fact="0.3"/>
+                          <dgm:constr type="rMarg" refType="primFontSz" fact="0.3"/>
+                        </dgm:constrLst>
+                        <dgm:ruleLst>
+                          <dgm:rule type="primFontSz" val="5" fact="NaN" max="NaN"/>
+                        </dgm:ruleLst>
+                      </dgm:layoutNode>
+                      <dgm:layoutNode name="hierChild3">
+                        <dgm:choose name="Name22">
+                          <dgm:if name="Name23" func="var" arg="dir" op="equ" val="norm">
+                            <dgm:alg type="hierChild">
+                              <dgm:param type="linDir" val="fromL"/>
+                            </dgm:alg>
+                          </dgm:if>
+                          <dgm:else name="Name24">
+                            <dgm:alg type="hierChild">
+                              <dgm:param type="linDir" val="fromR"/>
+                            </dgm:alg>
+                          </dgm:else>
+                        </dgm:choose>
+                        <dgm:shape xmlns:r="http://schemas.openxmlformats.org/officeDocument/2006/relationships" r:blip="">
+                          <dgm:adjLst/>
+                        </dgm:shape>
+                        <dgm:presOf/>
+                        <dgm:constrLst/>
+                        <dgm:ruleLst/>
+                        <dgm:forEach name="Name25" ref="repeat"/>
+                      </dgm:layoutNode>
+                    </dgm:layoutNode>
+                  </dgm:forEach>
+                </dgm:forEach>
+              </dgm:layoutNode>
+            </dgm:layoutNode>
+          </dgm:forEach>
+        </dgm:forEach>
+      </dgm:layoutNode>
+    </dgm:layoutNode>
+    <dgm:layoutNode name="bgShapesFlow">
+      <dgm:alg type="lin">
+        <dgm:param type="linDir" val="fromT"/>
+        <dgm:param type="nodeVertAlign" val="t"/>
+        <dgm:param type="vertAlign" val="t"/>
+        <dgm:param type="nodeHorzAlign" val="ctr"/>
+      </dgm:alg>
+      <dgm:shape xmlns:r="http://schemas.openxmlformats.org/officeDocument/2006/relationships" r:blip="">
+        <dgm:adjLst/>
+      </dgm:shape>
+      <dgm:presOf/>
+      <dgm:constrLst>
+        <dgm:constr type="userB"/>
+        <dgm:constr type="w" for="ch" forName="rectComp" refType="w"/>
+        <dgm:constr type="h" for="ch" forName="rectComp" refType="h"/>
+        <dgm:constr type="w" for="des" forName="bgRect" refType="w"/>
+        <dgm:constr type="primFontSz" for="des" forName="bgRectTx" op="equ"/>
+      </dgm:constrLst>
+      <dgm:ruleLst/>
+      <dgm:forEach name="Name26" axis="ch" ptType="node" st="2">
+        <dgm:layoutNode name="rectComp">
+          <dgm:alg type="composite">
+            <dgm:param type="vertAlign" val="t"/>
+            <dgm:param type="horzAlign" val="ctr"/>
+          </dgm:alg>
+          <dgm:shape xmlns:r="http://schemas.openxmlformats.org/officeDocument/2006/relationships" r:blip="">
+            <dgm:adjLst/>
+          </dgm:shape>
+          <dgm:presOf/>
+          <dgm:choose name="Name27">
+            <dgm:if name="Name28" func="var" arg="dir" op="equ" val="norm">
+              <dgm:constrLst>
+                <dgm:constr type="userA"/>
+                <dgm:constr type="l" for="ch" forName="bgRect"/>
+                <dgm:constr type="t" for="ch" forName="bgRect"/>
+                <dgm:constr type="h" for="ch" forName="bgRect" refType="userA" fact="1.2"/>
+                <dgm:constr type="l" for="ch" forName="bgRectTx"/>
+                <dgm:constr type="t" for="ch" forName="bgRectTx"/>
+                <dgm:constr type="w" for="ch" forName="bgRectTx" refType="w" refFor="ch" refForName="bgRect" fact="0.3"/>
+                <dgm:constr type="h" for="ch" forName="bgRectTx" refType="h" refFor="ch" refForName="bgRect" op="equ"/>
+              </dgm:constrLst>
+            </dgm:if>
+            <dgm:else name="Name29">
+              <dgm:constrLst>
+                <dgm:constr type="userA"/>
+                <dgm:constr type="l" for="ch" forName="bgRect"/>
+                <dgm:constr type="t" for="ch" forName="bgRect"/>
+                <dgm:constr type="h" for="ch" forName="bgRect" refType="userA" fact="1.2"/>
+                <dgm:constr type="r" for="ch" forName="bgRectTx" refType="w"/>
+                <dgm:constr type="t" for="ch" forName="bgRectTx"/>
+                <dgm:constr type="w" for="ch" forName="bgRectTx" refType="w" refFor="ch" refForName="bgRect" fact="0.3"/>
+                <dgm:constr type="h" for="ch" forName="bgRectTx" refType="h" refFor="ch" refForName="bgRect" op="equ"/>
+              </dgm:constrLst>
+            </dgm:else>
+          </dgm:choose>
+          <dgm:ruleLst/>
+          <dgm:layoutNode name="bgRect" styleLbl="bgShp">
+            <dgm:alg type="sp"/>
+            <dgm:shape xmlns:r="http://schemas.openxmlformats.org/officeDocument/2006/relationships" type="roundRect" r:blip="" zOrderOff="-999">
+              <dgm:adjLst>
+                <dgm:adj idx="1" val="0.1"/>
+              </dgm:adjLst>
+            </dgm:shape>
+            <dgm:presOf axis="desOrSelf" ptType="node"/>
+            <dgm:constrLst/>
+            <dgm:ruleLst/>
+          </dgm:layoutNode>
+          <dgm:layoutNode name="bgRectTx" styleLbl="bgShp">
+            <dgm:varLst>
+              <dgm:bulletEnabled val="1"/>
+            </dgm:varLst>
+            <dgm:alg type="tx"/>
+            <dgm:presOf axis="desOrSelf" ptType="node"/>
+            <dgm:shape xmlns:r="http://schemas.openxmlformats.org/officeDocument/2006/relationships" type="rect" r:blip="" zOrderOff="-999" hideGeom="1">
+              <dgm:adjLst/>
+            </dgm:shape>
+            <dgm:constrLst>
+              <dgm:constr type="primFontSz" val="65"/>
+            </dgm:constrLst>
+            <dgm:ruleLst>
+              <dgm:rule type="primFontSz" val="5" fact="NaN" max="NaN"/>
+            </dgm:ruleLst>
+          </dgm:layoutNode>
+        </dgm:layoutNode>
+        <dgm:choose name="Name30">
+          <dgm:if name="Name31" axis="self" ptType="node" func="revPos" op="gte" val="2">
+            <dgm:layoutNode name="spComp">
+              <dgm:alg type="composite">
+                <dgm:param type="vertAlign" val="t"/>
+                <dgm:param type="horzAlign" val="ctr"/>
+              </dgm:alg>
+              <dgm:shape xmlns:r="http://schemas.openxmlformats.org/officeDocument/2006/relationships" r:blip="">
+                <dgm:adjLst/>
+              </dgm:shape>
+              <dgm:presOf/>
+              <dgm:constrLst>
+                <dgm:constr type="userA"/>
+                <dgm:constr type="userB"/>
+                <dgm:constr type="l" for="ch" forName="vSp"/>
+                <dgm:constr type="t" for="ch" forName="vSp"/>
+                <dgm:constr type="h" for="ch" forName="vSp" refType="userB"/>
+                <dgm:constr type="hOff" for="ch" forName="vSp" refType="userA" fact="-0.2"/>
+              </dgm:constrLst>
+              <dgm:ruleLst/>
+              <dgm:layoutNode name="vSp">
+                <dgm:alg type="sp"/>
+                <dgm:shape xmlns:r="http://schemas.openxmlformats.org/officeDocument/2006/relationships" r:blip="">
+                  <dgm:adjLst/>
+                </dgm:shape>
+                <dgm:presOf/>
+                <dgm:constrLst/>
+                <dgm:ruleLst/>
+              </dgm:layoutNode>
+            </dgm:layoutNode>
+          </dgm:if>
+          <dgm:else name="Name32"/>
+        </dgm:choose>
+      </dgm:forEach>
+    </dgm:layoutNode>
+  </dgm:layoutNode>
+</dgm:layoutDef>
+</file>
+
+<file path=ppt/diagrams/quickStyle1.xml><?xml version="1.0" encoding="utf-8"?>
+<dgm:styleDef xmlns:dgm="http://schemas.openxmlformats.org/drawingml/2006/diagram" xmlns:a="http://schemas.openxmlformats.org/drawingml/2006/main" uniqueId="urn:microsoft.com/office/officeart/2005/8/quickstyle/simple2">
+  <dgm:title val=""/>
+  <dgm:desc val=""/>
+  <dgm:catLst>
+    <dgm:cat type="simple" pri="10200"/>
+  </dgm:catLst>
+  <dgm:scene3d>
+    <a:camera prst="orthographicFront"/>
+    <a:lightRig rig="threePt" dir="t"/>
+  </dgm:scene3d>
+  <dgm:styleLbl name="node0">
+    <dgm:scene3d>
+      <a:camera prst="orthographicFront"/>
+      <a:lightRig rig="threePt" dir="t"/>
+    </dgm:scene3d>
+    <dgm:sp3d/>
+    <dgm:txPr/>
+    <dgm:style>
+      <a:lnRef idx="3">
+        <a:scrgbClr r="0" g="0" b="0"/>
+      </a:lnRef>
+      <a:fillRef idx="1">
+        <a:scrgbClr r="0" g="0" b="0"/>
+      </a:fillRef>
+      <a:effectRef idx="1">
+        <a:scrgbClr r="0" g="0" b="0"/>
+      </a:effectRef>
+      <a:fontRef idx="minor">
+        <a:schemeClr val="lt1"/>
+      </a:fontRef>
+    </dgm:style>
+  </dgm:styleLbl>
+  <dgm:styleLbl name="lnNode1">
+    <dgm:scene3d>
+      <a:camera prst="orthographicFront"/>
+      <a:lightRig rig="threePt" dir="t"/>
+    </dgm:scene3d>
+    <dgm:sp3d/>
+    <dgm:txPr/>
+    <dgm:style>
+      <a:lnRef idx="3">
+        <a:scrgbClr r="0" g="0" b="0"/>
+      </a:lnRef>
+      <a:fillRef idx="1">
+        <a:scrgbClr r="0" g="0" b="0"/>
+      </a:fillRef>
+      <a:effectRef idx="1">
+        <a:scrgbClr r="0" g="0" b="0"/>
+      </a:effectRef>
+      <a:fontRef idx="minor">
+        <a:schemeClr val="lt1"/>
+      </a:fontRef>
+    </dgm:style>
+  </dgm:styleLbl>
+  <dgm:styleLbl name="vennNode1">
+    <dgm:scene3d>
+      <a:camera prst="orthographicFront"/>
+      <a:lightRig rig="threePt" dir="t"/>
+    </dgm:scene3d>
+    <dgm:sp3d/>
+    <dgm:txPr/>
+    <dgm:style>
+      <a:lnRef idx="3">
+        <a:scrgbClr r="0" g="0" b="0"/>
+      </a:lnRef>
+      <a:fillRef idx="1">
+        <a:scrgbClr r="0" g="0" b="0"/>
+      </a:fillRef>
+      <a:effectRef idx="0">
+        <a:scrgbClr r="0" g="0" b="0"/>
+      </a:effectRef>
+      <a:fontRef idx="minor">
+        <a:schemeClr val="tx1"/>
+      </a:fontRef>
+    </dgm:style>
+  </dgm:styleLbl>
+  <dgm:styleLbl name="alignNode1">
+    <dgm:scene3d>
+      <a:camera prst="orthographicFront"/>
+      <a:lightRig rig="threePt" dir="t"/>
+    </dgm:scene3d>
+    <dgm:sp3d/>
+    <dgm:txPr/>
+    <dgm:style>
+      <a:lnRef idx="2">
+        <a:scrgbClr r="0" g="0" b="0"/>
+      </a:lnRef>
+      <a:fillRef idx="1">
+        <a:scrgbClr r="0" g="0" b="0"/>
+      </a:fillRef>
+      <a:effectRef idx="1">
+        <a:scrgbClr r="0" g="0" b="0"/>
+      </a:effectRef>
+      <a:fontRef idx="minor">
+        <a:schemeClr val="lt1"/>
+      </a:fontRef>
+    </dgm:style>
+  </dgm:styleLbl>
+  <dgm:styleLbl name="node1">
+    <dgm:scene3d>
+      <a:camera prst="orthographicFront"/>
+      <a:lightRig rig="threePt" dir="t"/>
+    </dgm:scene3d>
+    <dgm:sp3d/>
+    <dgm:txPr/>
+    <dgm:style>
+      <a:lnRef idx="3">
+        <a:scrgbClr r="0" g="0" b="0"/>
+      </a:lnRef>
+      <a:fillRef idx="1">
+        <a:scrgbClr r="0" g="0" b="0"/>
+      </a:fillRef>
+      <a:effectRef idx="1">
+        <a:scrgbClr r="0" g="0" b="0"/>
+      </a:effectRef>
+      <a:fontRef idx="minor">
+        <a:schemeClr val="lt1"/>
+      </a:fontRef>
+    </dgm:style>
+  </dgm:styleLbl>
+  <dgm:styleLbl name="node2">
+    <dgm:scene3d>
+      <a:camera prst="orthographicFront"/>
+      <a:lightRig rig="threePt" dir="t"/>
+    </dgm:scene3d>
+    <dgm:sp3d/>
+    <dgm:txPr/>
+    <dgm:style>
+      <a:lnRef idx="3">
+        <a:scrgbClr r="0" g="0" b="0"/>
+      </a:lnRef>
+      <a:fillRef idx="1">
+        <a:scrgbClr r="0" g="0" b="0"/>
+      </a:fillRef>
+      <a:effectRef idx="1">
+        <a:scrgbClr r="0" g="0" b="0"/>
+      </a:effectRef>
+      <a:fontRef idx="minor">
+        <a:schemeClr val="lt1"/>
+      </a:fontRef>
+    </dgm:style>
+  </dgm:styleLbl>
+  <dgm:styleLbl name="node3">
+    <dgm:scene3d>
+      <a:camera prst="orthographicFront"/>
+      <a:lightRig rig="threePt" dir="t"/>
+    </dgm:scene3d>
+    <dgm:sp3d/>
+    <dgm:txPr/>
+    <dgm:style>
+      <a:lnRef idx="3">
+        <a:scrgbClr r="0" g="0" b="0"/>
+      </a:lnRef>
+      <a:fillRef idx="1">
+        <a:scrgbClr r="0" g="0" b="0"/>
+      </a:fillRef>
+      <a:effectRef idx="1">
+        <a:scrgbClr r="0" g="0" b="0"/>
+      </a:effectRef>
+      <a:fontRef idx="minor">
+        <a:schemeClr val="lt1"/>
+      </a:fontRef>
+    </dgm:style>
+  </dgm:styleLbl>
+  <dgm:styleLbl name="node4">
+    <dgm:scene3d>
+      <a:camera prst="orthographicFront"/>
+      <a:lightRig rig="threePt" dir="t"/>
+    </dgm:scene3d>
+    <dgm:sp3d/>
+    <dgm:txPr/>
+    <dgm:style>
+      <a:lnRef idx="3">
+        <a:scrgbClr r="0" g="0" b="0"/>
+      </a:lnRef>
+      <a:fillRef idx="1">
+        <a:scrgbClr r="0" g="0" b="0"/>
+      </a:fillRef>
+      <a:effectRef idx="1">
+        <a:scrgbClr r="0" g="0" b="0"/>
+      </a:effectRef>
+      <a:fontRef idx="minor">
+        <a:schemeClr val="lt1"/>
+      </a:fontRef>
+    </dgm:style>
+  </dgm:styleLbl>
+  <dgm:styleLbl name="fgImgPlace1">
+    <dgm:scene3d>
+      <a:camera prst="orthographicFront"/>
+      <a:lightRig rig="threePt" dir="t"/>
+    </dgm:scene3d>
+    <dgm:sp3d/>
+    <dgm:txPr/>
+    <dgm:style>
+      <a:lnRef idx="3">
+        <a:scrgbClr r="0" g="0" b="0"/>
+      </a:lnRef>
+      <a:fillRef idx="1">
+        <a:scrgbClr r="0" g="0" b="0"/>
+      </a:fillRef>
+      <a:effectRef idx="1">
+        <a:scrgbClr r="0" g="0" b="0"/>
+      </a:effectRef>
+      <a:fontRef idx="minor"/>
+    </dgm:style>
+  </dgm:styleLbl>
+  <dgm:styleLbl name="alignImgPlace1">
+    <dgm:scene3d>
+      <a:camera prst="orthographicFront"/>
+      <a:lightRig rig="threePt" dir="t"/>
+    </dgm:scene3d>
+    <dgm:sp3d/>
+    <dgm:txPr/>
+    <dgm:style>
+      <a:lnRef idx="3">
+        <a:scrgbClr r="0" g="0" b="0"/>
+      </a:lnRef>
+      <a:fillRef idx="1">
+        <a:scrgbClr r="0" g="0" b="0"/>
+      </a:fillRef>
+      <a:effectRef idx="1">
+        <a:scrgbClr r="0" g="0" b="0"/>
+      </a:effectRef>
+      <a:fontRef idx="minor"/>
+    </dgm:style>
+  </dgm:styleLbl>
+  <dgm:styleLbl name="bgImgPlace1">
+    <dgm:scene3d>
+      <a:camera prst="orthographicFront"/>
+      <a:lightRig rig="threePt" dir="t"/>
+    </dgm:scene3d>
+    <dgm:sp3d/>
+    <dgm:txPr/>
+    <dgm:style>
+      <a:lnRef idx="3">
+        <a:scrgbClr r="0" g="0" b="0"/>
+      </a:lnRef>
+      <a:fillRef idx="1">
+        <a:scrgbClr r="0" g="0" b="0"/>
+      </a:fillRef>
+      <a:effectRef idx="1">
+        <a:scrgbClr r="0" g="0" b="0"/>
+      </a:effectRef>
+      <a:fontRef idx="minor"/>
+    </dgm:style>
+  </dgm:styleLbl>
+  <dgm:styleLbl name="sibTrans2D1">
+    <dgm:scene3d>
+      <a:camera prst="orthographicFront"/>
+      <a:lightRig rig="threePt" dir="t"/>
+    </dgm:scene3d>
+    <dgm:sp3d/>
+    <dgm:txPr/>
+    <dgm:style>
+      <a:lnRef idx="0">
+        <a:scrgbClr r="0" g="0" b="0"/>
+      </a:lnRef>
+      <a:fillRef idx="1">
+        <a:scrgbClr r="0" g="0" b="0"/>
+      </a:fillRef>
+      <a:effectRef idx="1">
+        <a:scrgbClr r="0" g="0" b="0"/>
+      </a:effectRef>
+      <a:fontRef idx="minor">
+        <a:schemeClr val="lt1"/>
+      </a:fontRef>
+    </dgm:style>
+  </dgm:styleLbl>
+  <dgm:styleLbl name="fgSibTrans2D1">
+    <dgm:scene3d>
+      <a:camera prst="orthographicFront"/>
+      <a:lightRig rig="threePt" dir="t"/>
+    </dgm:scene3d>
+    <dgm:sp3d/>
+    <dgm:txPr/>
+    <dgm:style>
+      <a:lnRef idx="0">
+        <a:scrgbClr r="0" g="0" b="0"/>
+      </a:lnRef>
+      <a:fillRef idx="1">
+        <a:scrgbClr r="0" g="0" b="0"/>
+      </a:fillRef>
+      <a:effectRef idx="1">
+        <a:scrgbClr r="0" g="0" b="0"/>
+      </a:effectRef>
+      <a:fontRef idx="minor">
+        <a:schemeClr val="lt1"/>
+      </a:fontRef>
+    </dgm:style>
+  </dgm:styleLbl>
+  <dgm:styleLbl name="bgSibTrans2D1">
+    <dgm:scene3d>
+      <a:camera prst="orthographicFront"/>
+      <a:lightRig rig="threePt" dir="t"/>
+    </dgm:scene3d>
+    <dgm:sp3d/>
+    <dgm:txPr/>
+    <dgm:style>
+      <a:lnRef idx="0">
+        <a:scrgbClr r="0" g="0" b="0"/>
+      </a:lnRef>
+      <a:fillRef idx="1">
+        <a:scrgbClr r="0" g="0" b="0"/>
+      </a:fillRef>
+      <a:effectRef idx="1">
+        <a:scrgbClr r="0" g="0" b="0"/>
+      </a:effectRef>
+      <a:fontRef idx="minor">
+        <a:schemeClr val="lt1"/>
+      </a:fontRef>
+    </dgm:style>
+  </dgm:styleLbl>
+  <dgm:styleLbl name="sibTrans1D1">
+    <dgm:scene3d>
+      <a:camera prst="orthographicFront"/>
+      <a:lightRig rig="threePt" dir="t"/>
+    </dgm:scene3d>
+    <dgm:sp3d/>
+    <dgm:txPr/>
+    <dgm:style>
+      <a:lnRef idx="1">
+        <a:scrgbClr r="0" g="0" b="0"/>
+      </a:lnRef>
+      <a:fillRef idx="0">
+        <a:scrgbClr r="0" g="0" b="0"/>
+      </a:fillRef>
+      <a:effectRef idx="0">
+        <a:scrgbClr r="0" g="0" b="0"/>
+      </a:effectRef>
+      <a:fontRef idx="minor"/>
+    </dgm:style>
+  </dgm:styleLbl>
+  <dgm:styleLbl name="callout">
+    <dgm:scene3d>
+      <a:camera prst="orthographicFront"/>
+      <a:lightRig rig="threePt" dir="t"/>
+    </dgm:scene3d>
+    <dgm:sp3d/>
+    <dgm:txPr/>
+    <dgm:style>
+      <a:lnRef idx="2">
+        <a:scrgbClr r="0" g="0" b="0"/>
+      </a:lnRef>
+      <a:fillRef idx="1">
+        <a:scrgbClr r="0" g="0" b="0"/>
+      </a:fillRef>
+      <a:effectRef idx="1">
+        <a:scrgbClr r="0" g="0" b="0"/>
+      </a:effectRef>
+      <a:fontRef idx="minor"/>
+    </dgm:style>
+  </dgm:styleLbl>
+  <dgm:styleLbl name="asst0">
+    <dgm:scene3d>
+      <a:camera prst="orthographicFront"/>
+      <a:lightRig rig="threePt" dir="t"/>
+    </dgm:scene3d>
+    <dgm:sp3d/>
+    <dgm:txPr/>
+    <dgm:style>
+      <a:lnRef idx="3">
+        <a:scrgbClr r="0" g="0" b="0"/>
+      </a:lnRef>
+      <a:fillRef idx="1">
+        <a:scrgbClr r="0" g="0" b="0"/>
+      </a:fillRef>
+      <a:effectRef idx="1">
+        <a:scrgbClr r="0" g="0" b="0"/>
+      </a:effectRef>
+      <a:fontRef idx="minor">
+        <a:schemeClr val="lt1"/>
+      </a:fontRef>
+    </dgm:style>
+  </dgm:styleLbl>
+  <dgm:styleLbl name="asst1">
+    <dgm:scene3d>
+      <a:camera prst="orthographicFront"/>
+      <a:lightRig rig="threePt" dir="t"/>
+    </dgm:scene3d>
+    <dgm:sp3d/>
+    <dgm:txPr/>
+    <dgm:style>
+      <a:lnRef idx="3">
+        <a:scrgbClr r="0" g="0" b="0"/>
+      </a:lnRef>
+      <a:fillRef idx="1">
+        <a:scrgbClr r="0" g="0" b="0"/>
+      </a:fillRef>
+      <a:effectRef idx="1">
+        <a:scrgbClr r="0" g="0" b="0"/>
+      </a:effectRef>
+      <a:fontRef idx="minor">
+        <a:schemeClr val="lt1"/>
+      </a:fontRef>
+    </dgm:style>
+  </dgm:styleLbl>
+  <dgm:styleLbl name="asst2">
+    <dgm:scene3d>
+      <a:camera prst="orthographicFront"/>
+      <a:lightRig rig="threePt" dir="t"/>
+    </dgm:scene3d>
+    <dgm:sp3d/>
+    <dgm:txPr/>
+    <dgm:style>
+      <a:lnRef idx="3">
+        <a:scrgbClr r="0" g="0" b="0"/>
+      </a:lnRef>
+      <a:fillRef idx="1">
+        <a:scrgbClr r="0" g="0" b="0"/>
+      </a:fillRef>
+      <a:effectRef idx="1">
+        <a:scrgbClr r="0" g="0" b="0"/>
+      </a:effectRef>
+      <a:fontRef idx="minor">
+        <a:schemeClr val="lt1"/>
+      </a:fontRef>
+    </dgm:style>
+  </dgm:styleLbl>
+  <dgm:styleLbl name="asst3">
+    <dgm:scene3d>
+      <a:camera prst="orthographicFront"/>
+      <a:lightRig rig="threePt" dir="t"/>
+    </dgm:scene3d>
+    <dgm:sp3d/>
+    <dgm:txPr/>
+    <dgm:style>
+      <a:lnRef idx="3">
+        <a:scrgbClr r="0" g="0" b="0"/>
+      </a:lnRef>
+      <a:fillRef idx="1">
+        <a:scrgbClr r="0" g="0" b="0"/>
+      </a:fillRef>
+      <a:effectRef idx="1">
+        <a:scrgbClr r="0" g="0" b="0"/>
+      </a:effectRef>
+      <a:fontRef idx="minor">
+        <a:schemeClr val="lt1"/>
+      </a:fontRef>
+    </dgm:style>
+  </dgm:styleLbl>
+  <dgm:styleLbl name="asst4">
+    <dgm:scene3d>
+      <a:camera prst="orthographicFront"/>
+      <a:lightRig rig="threePt" dir="t"/>
+    </dgm:scene3d>
+    <dgm:sp3d/>
+    <dgm:txPr/>
+    <dgm:style>
+      <a:lnRef idx="3">
+        <a:scrgbClr r="0" g="0" b="0"/>
+      </a:lnRef>
+      <a:fillRef idx="1">
+        <a:scrgbClr r="0" g="0" b="0"/>
+      </a:fillRef>
+      <a:effectRef idx="1">
+        <a:scrgbClr r="0" g="0" b="0"/>
+      </a:effectRef>
+      <a:fontRef idx="minor">
+        <a:schemeClr val="lt1"/>
+      </a:fontRef>
+    </dgm:style>
+  </dgm:styleLbl>
+  <dgm:styleLbl name="parChTrans2D1">
+    <dgm:scene3d>
+      <a:camera prst="orthographicFront"/>
+      <a:lightRig rig="threePt" dir="t"/>
+    </dgm:scene3d>
+    <dgm:sp3d/>
+    <dgm:txPr/>
+    <dgm:style>
+      <a:lnRef idx="3">
+        <a:scrgbClr r="0" g="0" b="0"/>
+      </a:lnRef>
+      <a:fillRef idx="1">
+        <a:scrgbClr r="0" g="0" b="0"/>
+      </a:fillRef>
+      <a:effectRef idx="1">
+        <a:scrgbClr r="0" g="0" b="0"/>
+      </a:effectRef>
+      <a:fontRef idx="minor">
+        <a:schemeClr val="lt1"/>
+      </a:fontRef>
+    </dgm:style>
+  </dgm:styleLbl>
+  <dgm:styleLbl name="parChTrans2D2">
+    <dgm:scene3d>
+      <a:camera prst="orthographicFront"/>
+      <a:lightRig rig="threePt" dir="t"/>
+    </dgm:scene3d>
+    <dgm:sp3d/>
+    <dgm:txPr/>
+    <dgm:style>
+      <a:lnRef idx="3">
+        <a:scrgbClr r="0" g="0" b="0"/>
+      </a:lnRef>
+      <a:fillRef idx="1">
+        <a:scrgbClr r="0" g="0" b="0"/>
+      </a:fillRef>
+      <a:effectRef idx="1">
+        <a:scrgbClr r="0" g="0" b="0"/>
+      </a:effectRef>
+      <a:fontRef idx="minor">
+        <a:schemeClr val="lt1"/>
+      </a:fontRef>
+    </dgm:style>
+  </dgm:styleLbl>
+  <dgm:styleLbl name="parChTrans2D3">
+    <dgm:scene3d>
+      <a:camera prst="orthographicFront"/>
+      <a:lightRig rig="threePt" dir="t"/>
+    </dgm:scene3d>
+    <dgm:sp3d/>
+    <dgm:txPr/>
+    <dgm:style>
+      <a:lnRef idx="3">
+        <a:scrgbClr r="0" g="0" b="0"/>
+      </a:lnRef>
+      <a:fillRef idx="1">
+        <a:scrgbClr r="0" g="0" b="0"/>
+      </a:fillRef>
+      <a:effectRef idx="1">
+        <a:scrgbClr r="0" g="0" b="0"/>
+      </a:effectRef>
+      <a:fontRef idx="minor">
+        <a:schemeClr val="lt1"/>
+      </a:fontRef>
+    </dgm:style>
+  </dgm:styleLbl>
+  <dgm:styleLbl name="parChTrans2D4">
+    <dgm:scene3d>
+      <a:camera prst="orthographicFront"/>
+      <a:lightRig rig="threePt" dir="t"/>
+    </dgm:scene3d>
+    <dgm:sp3d/>
+    <dgm:txPr/>
+    <dgm:style>
+      <a:lnRef idx="3">
+        <a:scrgbClr r="0" g="0" b="0"/>
+      </a:lnRef>
+      <a:fillRef idx="1">
+        <a:scrgbClr r="0" g="0" b="0"/>
+      </a:fillRef>
+      <a:effectRef idx="1">
+        <a:scrgbClr r="0" g="0" b="0"/>
+      </a:effectRef>
+      <a:fontRef idx="minor">
+        <a:schemeClr val="lt1"/>
+      </a:fontRef>
+    </dgm:style>
+  </dgm:styleLbl>
+  <dgm:styleLbl name="parChTrans1D1">
+    <dgm:scene3d>
+      <a:camera prst="orthographicFront"/>
+      <a:lightRig rig="threePt" dir="t"/>
+    </dgm:scene3d>
+    <dgm:sp3d/>
+    <dgm:txPr/>
+    <dgm:style>
+      <a:lnRef idx="2">
+        <a:scrgbClr r="0" g="0" b="0"/>
+      </a:lnRef>
+      <a:fillRef idx="0">
+        <a:scrgbClr r="0" g="0" b="0"/>
+      </a:fillRef>
+      <a:effectRef idx="0">
+        <a:scrgbClr r="0" g="0" b="0"/>
+      </a:effectRef>
+      <a:fontRef idx="minor"/>
+    </dgm:style>
+  </dgm:styleLbl>
+  <dgm:styleLbl name="parChTrans1D2">
+    <dgm:scene3d>
+      <a:camera prst="orthographicFront"/>
+      <a:lightRig rig="threePt" dir="t"/>
+    </dgm:scene3d>
+    <dgm:sp3d/>
+    <dgm:txPr/>
+    <dgm:style>
+      <a:lnRef idx="2">
+        <a:scrgbClr r="0" g="0" b="0"/>
+      </a:lnRef>
+      <a:fillRef idx="0">
+        <a:scrgbClr r="0" g="0" b="0"/>
+      </a:fillRef>
+      <a:effectRef idx="0">
+        <a:scrgbClr r="0" g="0" b="0"/>
+      </a:effectRef>
+      <a:fontRef idx="minor"/>
+    </dgm:style>
+  </dgm:styleLbl>
+  <dgm:styleLbl name="parChTrans1D3">
+    <dgm:scene3d>
+      <a:camera prst="orthographicFront"/>
+      <a:lightRig rig="threePt" dir="t"/>
+    </dgm:scene3d>
+    <dgm:sp3d/>
+    <dgm:txPr/>
+    <dgm:style>
+      <a:lnRef idx="2">
+        <a:scrgbClr r="0" g="0" b="0"/>
+      </a:lnRef>
+      <a:fillRef idx="0">
+        <a:scrgbClr r="0" g="0" b="0"/>
+      </a:fillRef>
+      <a:effectRef idx="0">
+        <a:scrgbClr r="0" g="0" b="0"/>
+      </a:effectRef>
+      <a:fontRef idx="minor"/>
+    </dgm:style>
+  </dgm:styleLbl>
+  <dgm:styleLbl name="parChTrans1D4">
+    <dgm:scene3d>
+      <a:camera prst="orthographicFront"/>
+      <a:lightRig rig="threePt" dir="t"/>
+    </dgm:scene3d>
+    <dgm:sp3d/>
+    <dgm:txPr/>
+    <dgm:style>
+      <a:lnRef idx="2">
+        <a:scrgbClr r="0" g="0" b="0"/>
+      </a:lnRef>
+      <a:fillRef idx="0">
+        <a:scrgbClr r="0" g="0" b="0"/>
+      </a:fillRef>
+      <a:effectRef idx="0">
+        <a:scrgbClr r="0" g="0" b="0"/>
+      </a:effectRef>
+      <a:fontRef idx="minor"/>
+    </dgm:style>
+  </dgm:styleLbl>
+  <dgm:styleLbl name="fgAcc1">
+    <dgm:scene3d>
+      <a:camera prst="orthographicFront"/>
+      <a:lightRig rig="threePt" dir="t"/>
+    </dgm:scene3d>
+    <dgm:sp3d/>
+    <dgm:txPr/>
+    <dgm:style>
+      <a:lnRef idx="2">
+        <a:scrgbClr r="0" g="0" b="0"/>
+      </a:lnRef>
+      <a:fillRef idx="1">
+        <a:scrgbClr r="0" g="0" b="0"/>
+      </a:fillRef>
+      <a:effectRef idx="0">
+        <a:scrgbClr r="0" g="0" b="0"/>
+      </a:effectRef>
+      <a:fontRef idx="minor"/>
+    </dgm:style>
+  </dgm:styleLbl>
+  <dgm:styleLbl name="conFgAcc1">
+    <dgm:scene3d>
+      <a:camera prst="orthographicFront"/>
+      <a:lightRig rig="threePt" dir="t"/>
+    </dgm:scene3d>
+    <dgm:sp3d/>
+    <dgm:txPr/>
+    <dgm:style>
+      <a:lnRef idx="2">
+        <a:scrgbClr r="0" g="0" b="0"/>
+      </a:lnRef>
+      <a:fillRef idx="1">
+        <a:scrgbClr r="0" g="0" b="0"/>
+      </a:fillRef>
+      <a:effectRef idx="0">
+        <a:scrgbClr r="0" g="0" b="0"/>
+      </a:effectRef>
+      <a:fontRef idx="minor"/>
+    </dgm:style>
+  </dgm:styleLbl>
+  <dgm:styleLbl name="alignAcc1">
+    <dgm:scene3d>
+      <a:camera prst="orthographicFront"/>
+      <a:lightRig rig="threePt" dir="t"/>
+    </dgm:scene3d>
+    <dgm:sp3d/>
+    <dgm:txPr/>
+    <dgm:style>
+      <a:lnRef idx="2">
+        <a:scrgbClr r="0" g="0" b="0"/>
+      </a:lnRef>
+      <a:fillRef idx="1">
+        <a:scrgbClr r="0" g="0" b="0"/>
+      </a:fillRef>
+      <a:effectRef idx="0">
+        <a:scrgbClr r="0" g="0" b="0"/>
+      </a:effectRef>
+      <a:fontRef idx="minor"/>
+    </dgm:style>
+  </dgm:styleLbl>
+  <dgm:styleLbl name="trAlignAcc1">
+    <dgm:scene3d>
+      <a:camera prst="orthographicFront"/>
+      <a:lightRig rig="threePt" dir="t"/>
+    </dgm:scene3d>
+    <dgm:sp3d/>
+    <dgm:txPr/>
+    <dgm:style>
+      <a:lnRef idx="1">
+        <a:scrgbClr r="0" g="0" b="0"/>
+      </a:lnRef>
+      <a:fillRef idx="1">
+        <a:scrgbClr r="0" g="0" b="0"/>
+      </a:fillRef>
+      <a:effectRef idx="0">
+        <a:scrgbClr r="0" g="0" b="0"/>
+      </a:effectRef>
+      <a:fontRef idx="minor"/>
+    </dgm:style>
+  </dgm:styleLbl>
+  <dgm:styleLbl name="bgAcc1">
+    <dgm:scene3d>
+      <a:camera prst="orthographicFront"/>
+      <a:lightRig rig="threePt" dir="t"/>
+    </dgm:scene3d>
+    <dgm:sp3d/>
+    <dgm:txPr/>
+    <dgm:style>
+      <a:lnRef idx="2">
+        <a:scrgbClr r="0" g="0" b="0"/>
+      </a:lnRef>
+      <a:fillRef idx="1">
+        <a:scrgbClr r="0" g="0" b="0"/>
+      </a:fillRef>
+      <a:effectRef idx="0">
+        <a:scrgbClr r="0" g="0" b="0"/>
+      </a:effectRef>
+      <a:fontRef idx="minor"/>
+    </dgm:style>
+  </dgm:styleLbl>
+  <dgm:styleLbl name="solidFgAcc1">
+    <dgm:scene3d>
+      <a:camera prst="orthographicFront"/>
+      <a:lightRig rig="threePt" dir="t"/>
+    </dgm:scene3d>
+    <dgm:sp3d/>
+    <dgm:txPr/>
+    <dgm:style>
+      <a:lnRef idx="2">
+        <a:scrgbClr r="0" g="0" b="0"/>
+      </a:lnRef>
+      <a:fillRef idx="1">
+        <a:scrgbClr r="0" g="0" b="0"/>
+      </a:fillRef>
+      <a:effectRef idx="0">
+        <a:scrgbClr r="0" g="0" b="0"/>
+      </a:effectRef>
+      <a:fontRef idx="minor"/>
+    </dgm:style>
+  </dgm:styleLbl>
+  <dgm:styleLbl name="solidAlignAcc1">
+    <dgm:scene3d>
+      <a:camera prst="orthographicFront"/>
+      <a:lightRig rig="threePt" dir="t"/>
+    </dgm:scene3d>
+    <dgm:sp3d/>
+    <dgm:txPr/>
+    <dgm:style>
+      <a:lnRef idx="2">
+        <a:scrgbClr r="0" g="0" b="0"/>
+      </a:lnRef>
+      <a:fillRef idx="1">
+        <a:scrgbClr r="0" g="0" b="0"/>
+      </a:fillRef>
+      <a:effectRef idx="0">
+        <a:scrgbClr r="0" g="0" b="0"/>
+      </a:effectRef>
+      <a:fontRef idx="minor"/>
+    </dgm:style>
+  </dgm:styleLbl>
+  <dgm:styleLbl name="solidBgAcc1">
+    <dgm:scene3d>
+      <a:camera prst="orthographicFront"/>
+      <a:lightRig rig="threePt" dir="t"/>
+    </dgm:scene3d>
+    <dgm:sp3d/>
+    <dgm:txPr/>
+    <dgm:style>
+      <a:lnRef idx="2">
+        <a:scrgbClr r="0" g="0" b="0"/>
+      </a:lnRef>
+      <a:fillRef idx="1">
+        <a:scrgbClr r="0" g="0" b="0"/>
+      </a:fillRef>
+      <a:effectRef idx="0">
+        <a:scrgbClr r="0" g="0" b="0"/>
+      </a:effectRef>
+      <a:fontRef idx="minor"/>
+    </dgm:style>
+  </dgm:styleLbl>
+  <dgm:styleLbl name="fgAccFollowNode1">
+    <dgm:scene3d>
+      <a:camera prst="orthographicFront"/>
+      <a:lightRig rig="threePt" dir="t"/>
+    </dgm:scene3d>
+    <dgm:sp3d/>
+    <dgm:txPr/>
+    <dgm:style>
+      <a:lnRef idx="2">
+        <a:scrgbClr r="0" g="0" b="0"/>
+      </a:lnRef>
+      <a:fillRef idx="1">
+        <a:scrgbClr r="0" g="0" b="0"/>
+      </a:fillRef>
+      <a:effectRef idx="0">
+        <a:scrgbClr r="0" g="0" b="0"/>
+      </a:effectRef>
+      <a:fontRef idx="minor"/>
+    </dgm:style>
+  </dgm:styleLbl>
+  <dgm:styleLbl name="alignAccFollowNode1">
+    <dgm:scene3d>
+      <a:camera prst="orthographicFront"/>
+      <a:lightRig rig="threePt" dir="t"/>
+    </dgm:scene3d>
+    <dgm:sp3d/>
+    <dgm:txPr/>
+    <dgm:style>
+      <a:lnRef idx="2">
+        <a:scrgbClr r="0" g="0" b="0"/>
+      </a:lnRef>
+      <a:fillRef idx="1">
+        <a:scrgbClr r="0" g="0" b="0"/>
+      </a:fillRef>
+      <a:effectRef idx="0">
+        <a:scrgbClr r="0" g="0" b="0"/>
+      </a:effectRef>
+      <a:fontRef idx="minor"/>
+    </dgm:style>
+  </dgm:styleLbl>
+  <dgm:styleLbl name="bgAccFollowNode1">
+    <dgm:scene3d>
+      <a:camera prst="orthographicFront"/>
+      <a:lightRig rig="threePt" dir="t"/>
+    </dgm:scene3d>
+    <dgm:sp3d/>
+    <dgm:txPr/>
+    <dgm:style>
+      <a:lnRef idx="2">
+        <a:scrgbClr r="0" g="0" b="0"/>
+      </a:lnRef>
+      <a:fillRef idx="1">
+        <a:scrgbClr r="0" g="0" b="0"/>
+      </a:fillRef>
+      <a:effectRef idx="0">
+        <a:scrgbClr r="0" g="0" b="0"/>
+      </a:effectRef>
+      <a:fontRef idx="minor"/>
+    </dgm:style>
+  </dgm:styleLbl>
+  <dgm:styleLbl name="fgAcc0">
+    <dgm:scene3d>
+      <a:camera prst="orthographicFront"/>
+      <a:lightRig rig="threePt" dir="t"/>
+    </dgm:scene3d>
+    <dgm:sp3d/>
+    <dgm:txPr/>
+    <dgm:style>
+      <a:lnRef idx="2">
+        <a:scrgbClr r="0" g="0" b="0"/>
+      </a:lnRef>
+      <a:fillRef idx="1">
+        <a:scrgbClr r="0" g="0" b="0"/>
+      </a:fillRef>
+      <a:effectRef idx="0">
+        <a:scrgbClr r="0" g="0" b="0"/>
+      </a:effectRef>
+      <a:fontRef idx="minor"/>
+    </dgm:style>
+  </dgm:styleLbl>
+  <dgm:styleLbl name="fgAcc2">
+    <dgm:scene3d>
+      <a:camera prst="orthographicFront"/>
+      <a:lightRig rig="threePt" dir="t"/>
+    </dgm:scene3d>
+    <dgm:sp3d/>
+    <dgm:txPr/>
+    <dgm:style>
+      <a:lnRef idx="2">
+        <a:scrgbClr r="0" g="0" b="0"/>
+      </a:lnRef>
+      <a:fillRef idx="1">
+        <a:scrgbClr r="0" g="0" b="0"/>
+      </a:fillRef>
+      <a:effectRef idx="0">
+        <a:scrgbClr r="0" g="0" b="0"/>
+      </a:effectRef>
+      <a:fontRef idx="minor"/>
+    </dgm:style>
+  </dgm:styleLbl>
+  <dgm:styleLbl name="fgAcc3">
+    <dgm:scene3d>
+      <a:camera prst="orthographicFront"/>
+      <a:lightRig rig="threePt" dir="t"/>
+    </dgm:scene3d>
+    <dgm:sp3d/>
+    <dgm:txPr/>
+    <dgm:style>
+      <a:lnRef idx="2">
+        <a:scrgbClr r="0" g="0" b="0"/>
+      </a:lnRef>
+      <a:fillRef idx="1">
+        <a:scrgbClr r="0" g="0" b="0"/>
+      </a:fillRef>
+      <a:effectRef idx="0">
+        <a:scrgbClr r="0" g="0" b="0"/>
+      </a:effectRef>
+      <a:fontRef idx="minor"/>
+    </dgm:style>
+  </dgm:styleLbl>
+  <dgm:styleLbl name="fgAcc4">
+    <dgm:scene3d>
+      <a:camera prst="orthographicFront"/>
+      <a:lightRig rig="threePt" dir="t"/>
+    </dgm:scene3d>
+    <dgm:sp3d/>
+    <dgm:txPr/>
+    <dgm:style>
+      <a:lnRef idx="2">
+        <a:scrgbClr r="0" g="0" b="0"/>
+      </a:lnRef>
+      <a:fillRef idx="1">
+        <a:scrgbClr r="0" g="0" b="0"/>
+      </a:fillRef>
+      <a:effectRef idx="0">
+        <a:scrgbClr r="0" g="0" b="0"/>
+      </a:effectRef>
+      <a:fontRef idx="minor"/>
+    </dgm:style>
+  </dgm:styleLbl>
+  <dgm:styleLbl name="bgShp">
+    <dgm:scene3d>
+      <a:camera prst="orthographicFront"/>
+      <a:lightRig rig="threePt" dir="t"/>
+    </dgm:scene3d>
+    <dgm:sp3d/>
+    <dgm:txPr/>
+    <dgm:style>
+      <a:lnRef idx="0">
+        <a:scrgbClr r="0" g="0" b="0"/>
+      </a:lnRef>
+      <a:fillRef idx="1">
+        <a:scrgbClr r="0" g="0" b="0"/>
+      </a:fillRef>
+      <a:effectRef idx="0">
+        <a:scrgbClr r="0" g="0" b="0"/>
+      </a:effectRef>
+      <a:fontRef idx="minor"/>
+    </dgm:style>
+  </dgm:styleLbl>
+  <dgm:styleLbl name="dkBgShp">
+    <dgm:scene3d>
+      <a:camera prst="orthographicFront"/>
+      <a:lightRig rig="threePt" dir="t"/>
+    </dgm:scene3d>
+    <dgm:sp3d/>
+    <dgm:txPr/>
+    <dgm:style>
+      <a:lnRef idx="0">
+        <a:scrgbClr r="0" g="0" b="0"/>
+      </a:lnRef>
+      <a:fillRef idx="1">
+        <a:scrgbClr r="0" g="0" b="0"/>
+      </a:fillRef>
+      <a:effectRef idx="0">
+        <a:scrgbClr r="0" g="0" b="0"/>
+      </a:effectRef>
+      <a:fontRef idx="minor"/>
+    </dgm:style>
+  </dgm:styleLbl>
+  <dgm:styleLbl name="trBgShp">
+    <dgm:scene3d>
+      <a:camera prst="orthographicFront"/>
+      <a:lightRig rig="threePt" dir="t"/>
+    </dgm:scene3d>
+    <dgm:sp3d/>
+    <dgm:txPr/>
+    <dgm:style>
+      <a:lnRef idx="0">
+        <a:scrgbClr r="0" g="0" b="0"/>
+      </a:lnRef>
+      <a:fillRef idx="1">
+        <a:scrgbClr r="0" g="0" b="0"/>
+      </a:fillRef>
+      <a:effectRef idx="0">
+        <a:scrgbClr r="0" g="0" b="0"/>
+      </a:effectRef>
+      <a:fontRef idx="minor"/>
+    </dgm:style>
+  </dgm:styleLbl>
+  <dgm:styleLbl name="fgShp">
+    <dgm:scene3d>
+      <a:camera prst="orthographicFront"/>
+      <a:lightRig rig="threePt" dir="t"/>
+    </dgm:scene3d>
+    <dgm:sp3d/>
+    <dgm:txPr/>
+    <dgm:style>
+      <a:lnRef idx="3">
+        <a:scrgbClr r="0" g="0" b="0"/>
+      </a:lnRef>
+      <a:fillRef idx="1">
+        <a:scrgbClr r="0" g="0" b="0"/>
+      </a:fillRef>
+      <a:effectRef idx="1">
+        <a:scrgbClr r="0" g="0" b="0"/>
+      </a:effectRef>
+      <a:fontRef idx="minor"/>
+    </dgm:style>
+  </dgm:styleLbl>
+  <dgm:styleLbl name="revTx">
+    <dgm:scene3d>
+      <a:camera prst="orthographicFront"/>
+      <a:lightRig rig="threePt" dir="t"/>
+    </dgm:scene3d>
+    <dgm:sp3d/>
+    <dgm:txPr/>
+    <dgm:style>
+      <a:lnRef idx="0">
+        <a:scrgbClr r="0" g="0" b="0"/>
+      </a:lnRef>
+      <a:fillRef idx="0">
+        <a:scrgbClr r="0" g="0" b="0"/>
+      </a:fillRef>
+      <a:effectRef idx="0">
+        <a:scrgbClr r="0" g="0" b="0"/>
+      </a:effectRef>
+      <a:fontRef idx="minor"/>
+    </dgm:style>
+  </dgm:styleLbl>
+</dgm:styleDef>
 </file>
 
 <file path=ppt/handoutMasters/handoutMaster1.xml><?xml version="1.0" encoding="utf-8"?>
@@ -263,7 +3498,7 @@
           <a:p>
             <a:fld id="{F61D9D2F-85A8-4647-835A-FCF4DE843B34}" type="datetimeFigureOut">
               <a:rPr lang="zh-CN" altLang="en-US" smtClean="0"/>
-              <a:t>2021/5/15</a:t>
+              <a:t>2021/5/16</a:t>
             </a:fld>
             <a:endParaRPr lang="zh-CN" altLang="en-US"/>
           </a:p>
@@ -444,7 +3679,7 @@
           <a:p>
             <a:fld id="{01DE54D8-84F3-423A-8647-38CA4E37C29A}" type="datetimeFigureOut">
               <a:rPr lang="zh-CN" altLang="en-US" smtClean="0"/>
-              <a:t>2021/5/15</a:t>
+              <a:t>2021/5/16</a:t>
             </a:fld>
             <a:endParaRPr lang="zh-CN" altLang="en-US"/>
           </a:p>
@@ -803,7 +4038,7 @@
           <a:p>
             <a:fld id="{F4D2D32C-8FF0-4C59-81EA-6FAE546A31C2}" type="datetime1">
               <a:rPr lang="en-US" altLang="zh-CN" smtClean="0"/>
-              <a:t>5/15/2021</a:t>
+              <a:t>5/16/2021</a:t>
             </a:fld>
             <a:endParaRPr lang="en-US"/>
           </a:p>
@@ -925,7 +4160,7 @@
           <a:p>
             <a:fld id="{48C9577B-C91A-4E08-899E-67C0B57D3396}" type="datetime1">
               <a:rPr lang="en-US" altLang="zh-CN" smtClean="0"/>
-              <a:t>5/15/2021</a:t>
+              <a:t>5/16/2021</a:t>
             </a:fld>
             <a:endParaRPr lang="en-US"/>
           </a:p>
@@ -1081,7 +4316,7 @@
           <a:p>
             <a:fld id="{F5133E7B-1CA0-47DF-AF10-95A3F2AACD52}" type="datetime1">
               <a:rPr lang="en-US" altLang="zh-CN" smtClean="0"/>
-              <a:t>5/15/2021</a:t>
+              <a:t>5/16/2021</a:t>
             </a:fld>
             <a:endParaRPr lang="en-US"/>
           </a:p>
@@ -1205,9 +4440,135 @@
           <a:bodyPr/>
           <a:lstStyle/>
           <a:p>
+            <a:fld id="{48C9577B-C91A-4E08-899E-67C0B57D3396}" type="datetime1">
+              <a:rPr lang="en-US" altLang="zh-CN" smtClean="0"/>
+              <a:t>5/16/2021</a:t>
+            </a:fld>
+            <a:endParaRPr lang="en-US"/>
+          </a:p>
+        </p:txBody>
+      </p:sp>
+      <p:sp>
+        <p:nvSpPr>
+          <p:cNvPr id="7" name="灯片编号占位符 6"/>
+          <p:cNvSpPr>
+            <a:spLocks noGrp="1"/>
+          </p:cNvSpPr>
+          <p:nvPr>
+            <p:ph type="sldNum" sz="quarter" idx="13"/>
+          </p:nvPr>
+        </p:nvSpPr>
+        <p:spPr/>
+        <p:txBody>
+          <a:bodyPr/>
+          <a:lstStyle/>
+          <a:p>
+            <a:fld id="{007AB7CF-70DA-A148-9842-61A7B7C7A363}" type="slidenum">
+              <a:rPr lang="en-US" smtClean="0"/>
+              <a:t>27</a:t>
+            </a:fld>
+            <a:endParaRPr lang="en-US"/>
+          </a:p>
+        </p:txBody>
+      </p:sp>
+    </p:spTree>
+    <p:extLst>
+      <p:ext uri="{BB962C8B-B14F-4D97-AF65-F5344CB8AC3E}">
+        <p14:creationId xmlns:p14="http://schemas.microsoft.com/office/powerpoint/2010/main" val="2203074789"/>
+      </p:ext>
+    </p:extLst>
+  </p:cSld>
+  <p:clrMapOvr>
+    <a:masterClrMapping/>
+  </p:clrMapOvr>
+</p:notes>
+</file>
+
+<file path=ppt/notesSlides/notesSlide13.xml><?xml version="1.0" encoding="utf-8"?>
+<p:notes xmlns:a="http://schemas.openxmlformats.org/drawingml/2006/main" xmlns:r="http://schemas.openxmlformats.org/officeDocument/2006/relationships" xmlns:p="http://schemas.openxmlformats.org/presentationml/2006/main">
+  <p:cSld>
+    <p:spTree>
+      <p:nvGrpSpPr>
+        <p:cNvPr id="1" name=""/>
+        <p:cNvGrpSpPr/>
+        <p:nvPr/>
+      </p:nvGrpSpPr>
+      <p:grpSpPr>
+        <a:xfrm>
+          <a:off x="0" y="0"/>
+          <a:ext cx="0" cy="0"/>
+          <a:chOff x="0" y="0"/>
+          <a:chExt cx="0" cy="0"/>
+        </a:xfrm>
+      </p:grpSpPr>
+      <p:sp>
+        <p:nvSpPr>
+          <p:cNvPr id="2" name="幻灯片图像占位符 1"/>
+          <p:cNvSpPr>
+            <a:spLocks noGrp="1" noRot="1" noChangeAspect="1"/>
+          </p:cNvSpPr>
+          <p:nvPr>
+            <p:ph type="sldImg"/>
+          </p:nvPr>
+        </p:nvSpPr>
+        <p:spPr/>
+      </p:sp>
+      <p:sp>
+        <p:nvSpPr>
+          <p:cNvPr id="3" name="备注占位符 2"/>
+          <p:cNvSpPr>
+            <a:spLocks noGrp="1"/>
+          </p:cNvSpPr>
+          <p:nvPr>
+            <p:ph type="body" idx="1"/>
+          </p:nvPr>
+        </p:nvSpPr>
+        <p:spPr/>
+        <p:txBody>
+          <a:bodyPr/>
+          <a:lstStyle/>
+          <a:p>
+            <a:endParaRPr lang="zh-CN" altLang="en-US" dirty="0"/>
+          </a:p>
+        </p:txBody>
+      </p:sp>
+      <p:sp>
+        <p:nvSpPr>
+          <p:cNvPr id="4" name="页眉占位符 3"/>
+          <p:cNvSpPr>
+            <a:spLocks noGrp="1"/>
+          </p:cNvSpPr>
+          <p:nvPr>
+            <p:ph type="hdr" sz="quarter" idx="10"/>
+          </p:nvPr>
+        </p:nvSpPr>
+        <p:spPr/>
+        <p:txBody>
+          <a:bodyPr/>
+          <a:lstStyle/>
+          <a:p>
+            <a:endParaRPr lang="en-US"/>
+          </a:p>
+        </p:txBody>
+      </p:sp>
+      <p:sp>
+        <p:nvSpPr>
+          <p:cNvPr id="5" name="日期占位符 4"/>
+          <p:cNvSpPr>
+            <a:spLocks noGrp="1"/>
+          </p:cNvSpPr>
+          <p:nvPr>
+            <p:ph type="dt" idx="11"/>
+          </p:nvPr>
+        </p:nvSpPr>
+        <p:spPr/>
+        <p:txBody>
+          <a:bodyPr/>
+          <a:lstStyle/>
+          <a:p>
             <a:fld id="{0199B516-BD28-4B52-88D8-4CBC104FEF1F}" type="datetime1">
               <a:rPr lang="en-US" altLang="zh-CN" smtClean="0"/>
-              <a:t>5/15/2021</a:t>
+              <a:t>5/16/2021</a:t>
             </a:fld>
             <a:endParaRPr lang="en-US"/>
           </a:p>
@@ -1333,7 +4694,7 @@
           <a:p>
             <a:fld id="{48C9577B-C91A-4E08-899E-67C0B57D3396}" type="datetime1">
               <a:rPr lang="en-US" altLang="zh-CN" smtClean="0"/>
-              <a:t>5/15/2021</a:t>
+              <a:t>5/16/2021</a:t>
             </a:fld>
             <a:endParaRPr lang="en-US"/>
           </a:p>
@@ -1489,7 +4850,7 @@
           <a:p>
             <a:fld id="{F5133E7B-1CA0-47DF-AF10-95A3F2AACD52}" type="datetime1">
               <a:rPr lang="en-US" altLang="zh-CN" smtClean="0"/>
-              <a:t>5/15/2021</a:t>
+              <a:t>5/16/2021</a:t>
             </a:fld>
             <a:endParaRPr lang="en-US"/>
           </a:p>
@@ -1615,7 +4976,7 @@
           <a:p>
             <a:fld id="{48C9577B-C91A-4E08-899E-67C0B57D3396}" type="datetime1">
               <a:rPr lang="en-US" altLang="zh-CN" smtClean="0"/>
-              <a:t>5/15/2021</a:t>
+              <a:t>5/16/2021</a:t>
             </a:fld>
             <a:endParaRPr lang="en-US"/>
           </a:p>
@@ -2566,7 +5927,7 @@
           <a:p>
             <a:fld id="{E064674C-8B81-48E2-8DC0-14301ECE19E0}" type="datetimeFigureOut">
               <a:rPr lang="zh-CN" altLang="en-US" smtClean="0"/>
-              <a:t>2021/5/15</a:t>
+              <a:t>2021/5/16</a:t>
             </a:fld>
             <a:endParaRPr lang="zh-CN" altLang="en-US"/>
           </a:p>
@@ -2734,7 +6095,7 @@
           <a:p>
             <a:fld id="{E064674C-8B81-48E2-8DC0-14301ECE19E0}" type="datetimeFigureOut">
               <a:rPr lang="zh-CN" altLang="en-US" smtClean="0"/>
-              <a:t>2021/5/15</a:t>
+              <a:t>2021/5/16</a:t>
             </a:fld>
             <a:endParaRPr lang="zh-CN" altLang="en-US"/>
           </a:p>
@@ -2912,7 +6273,7 @@
           <a:p>
             <a:fld id="{E064674C-8B81-48E2-8DC0-14301ECE19E0}" type="datetimeFigureOut">
               <a:rPr lang="zh-CN" altLang="en-US" smtClean="0"/>
-              <a:t>2021/5/15</a:t>
+              <a:t>2021/5/16</a:t>
             </a:fld>
             <a:endParaRPr lang="zh-CN" altLang="en-US"/>
           </a:p>
@@ -3744,7 +7105,7 @@
           <a:p>
             <a:fld id="{E064674C-8B81-48E2-8DC0-14301ECE19E0}" type="datetimeFigureOut">
               <a:rPr lang="zh-CN" altLang="en-US" smtClean="0"/>
-              <a:t>2021/5/15</a:t>
+              <a:t>2021/5/16</a:t>
             </a:fld>
             <a:endParaRPr lang="zh-CN" altLang="en-US"/>
           </a:p>
@@ -3989,7 +7350,7 @@
           <a:p>
             <a:fld id="{E064674C-8B81-48E2-8DC0-14301ECE19E0}" type="datetimeFigureOut">
               <a:rPr lang="zh-CN" altLang="en-US" smtClean="0"/>
-              <a:t>2021/5/15</a:t>
+              <a:t>2021/5/16</a:t>
             </a:fld>
             <a:endParaRPr lang="zh-CN" altLang="en-US"/>
           </a:p>
@@ -4218,7 +7579,7 @@
           <a:p>
             <a:fld id="{E064674C-8B81-48E2-8DC0-14301ECE19E0}" type="datetimeFigureOut">
               <a:rPr lang="zh-CN" altLang="en-US" smtClean="0"/>
-              <a:t>2021/5/15</a:t>
+              <a:t>2021/5/16</a:t>
             </a:fld>
             <a:endParaRPr lang="zh-CN" altLang="en-US"/>
           </a:p>
@@ -4582,7 +7943,7 @@
           <a:p>
             <a:fld id="{E064674C-8B81-48E2-8DC0-14301ECE19E0}" type="datetimeFigureOut">
               <a:rPr lang="zh-CN" altLang="en-US" smtClean="0"/>
-              <a:t>2021/5/15</a:t>
+              <a:t>2021/5/16</a:t>
             </a:fld>
             <a:endParaRPr lang="zh-CN" altLang="en-US"/>
           </a:p>
@@ -4699,7 +8060,7 @@
           <a:p>
             <a:fld id="{E064674C-8B81-48E2-8DC0-14301ECE19E0}" type="datetimeFigureOut">
               <a:rPr lang="zh-CN" altLang="en-US" smtClean="0"/>
-              <a:t>2021/5/15</a:t>
+              <a:t>2021/5/16</a:t>
             </a:fld>
             <a:endParaRPr lang="zh-CN" altLang="en-US"/>
           </a:p>
@@ -4794,7 +8155,7 @@
           <a:p>
             <a:fld id="{E064674C-8B81-48E2-8DC0-14301ECE19E0}" type="datetimeFigureOut">
               <a:rPr lang="zh-CN" altLang="en-US" smtClean="0"/>
-              <a:t>2021/5/15</a:t>
+              <a:t>2021/5/16</a:t>
             </a:fld>
             <a:endParaRPr lang="zh-CN" altLang="en-US"/>
           </a:p>
@@ -5069,7 +8430,7 @@
           <a:p>
             <a:fld id="{E064674C-8B81-48E2-8DC0-14301ECE19E0}" type="datetimeFigureOut">
               <a:rPr lang="zh-CN" altLang="en-US" smtClean="0"/>
-              <a:t>2021/5/15</a:t>
+              <a:t>2021/5/16</a:t>
             </a:fld>
             <a:endParaRPr lang="zh-CN" altLang="en-US"/>
           </a:p>
@@ -5321,7 +8682,7 @@
           <a:p>
             <a:fld id="{E064674C-8B81-48E2-8DC0-14301ECE19E0}" type="datetimeFigureOut">
               <a:rPr lang="zh-CN" altLang="en-US" smtClean="0"/>
-              <a:t>2021/5/15</a:t>
+              <a:t>2021/5/16</a:t>
             </a:fld>
             <a:endParaRPr lang="zh-CN" altLang="en-US"/>
           </a:p>
@@ -5532,7 +8893,7 @@
           <a:p>
             <a:fld id="{E064674C-8B81-48E2-8DC0-14301ECE19E0}" type="datetimeFigureOut">
               <a:rPr lang="zh-CN" altLang="en-US" smtClean="0"/>
-              <a:t>2021/5/15</a:t>
+              <a:t>2021/5/16</a:t>
             </a:fld>
             <a:endParaRPr lang="zh-CN" altLang="en-US"/>
           </a:p>
@@ -5973,7 +9334,7 @@
                 </a:solidFill>
               </a:rPr>
               <a:pPr/>
-              <a:t>2021年5月15日</a:t>
+              <a:t>2021年5月16日</a:t>
             </a:fld>
             <a:endParaRPr lang="en-US" sz="1867" b="1" dirty="0">
               <a:solidFill>
@@ -14117,7 +17478,7 @@
         <p:spPr>
           <a:xfrm>
             <a:off x="1112289" y="280357"/>
-            <a:ext cx="2339102" cy="461665"/>
+            <a:ext cx="3877985" cy="461665"/>
           </a:xfrm>
           <a:prstGeom prst="rect">
             <a:avLst/>
@@ -14139,7 +17500,7 @@
                 <a:ea typeface="微软雅黑" panose="020B0503020204020204" pitchFamily="34" charset="-122"/>
                 <a:cs typeface="Arial"/>
               </a:rPr>
-              <a:t>对象和数据结构</a:t>
+              <a:t>通过迭进设计达到整洁目的</a:t>
             </a:r>
           </a:p>
         </p:txBody>
@@ -14152,8 +17513,8 @@
         </p:nvSpPr>
         <p:spPr>
           <a:xfrm>
-            <a:off x="502920" y="1281292"/>
-            <a:ext cx="1107996" cy="369332"/>
+            <a:off x="1197482" y="1519831"/>
+            <a:ext cx="4416594" cy="2585323"/>
           </a:xfrm>
           <a:prstGeom prst="rect">
             <a:avLst/>
@@ -14168,149 +17529,129 @@
           <a:p>
             <a:r>
               <a:rPr lang="zh-CN" altLang="en-US" dirty="0"/>
-              <a:t>数据抽象</a:t>
+              <a:t>关于</a:t>
+            </a:r>
+            <a:r>
+              <a:rPr lang="zh-CN" altLang="en-US" b="1" dirty="0"/>
+              <a:t>简单设计</a:t>
+            </a:r>
+            <a:r>
+              <a:rPr lang="zh-CN" altLang="en-US" dirty="0"/>
+              <a:t>的</a:t>
+            </a:r>
+            <a:r>
+              <a:rPr lang="en-US" altLang="zh-CN" dirty="0"/>
+              <a:t>4</a:t>
+            </a:r>
+            <a:r>
+              <a:rPr lang="zh-CN" altLang="en-US" dirty="0"/>
+              <a:t>条规则</a:t>
+            </a:r>
+            <a:r>
+              <a:rPr lang="en-US" altLang="zh-CN" dirty="0"/>
+              <a:t>(</a:t>
+            </a:r>
+            <a:r>
+              <a:rPr lang="zh-CN" altLang="en-US" dirty="0"/>
+              <a:t>按重要程度排列</a:t>
+            </a:r>
+            <a:r>
+              <a:rPr lang="en-US" altLang="zh-CN" dirty="0"/>
+              <a:t>):</a:t>
+            </a:r>
+          </a:p>
+          <a:p>
+            <a:endParaRPr lang="en-US" altLang="zh-CN" b="1" dirty="0"/>
+          </a:p>
+          <a:p>
+            <a:pPr marL="342900" indent="-342900">
+              <a:buAutoNum type="arabicPeriod"/>
+            </a:pPr>
+            <a:r>
+              <a:rPr lang="zh-CN" altLang="en-US" dirty="0"/>
+              <a:t>运行所有测试</a:t>
+            </a:r>
+            <a:endParaRPr lang="en-US" altLang="zh-CN" dirty="0"/>
+          </a:p>
+          <a:p>
+            <a:pPr marL="342900" indent="-342900">
+              <a:buAutoNum type="arabicPeriod"/>
+            </a:pPr>
+            <a:endParaRPr lang="en-US" altLang="zh-CN" dirty="0"/>
+          </a:p>
+          <a:p>
+            <a:pPr marL="342900" indent="-342900">
+              <a:buAutoNum type="arabicPeriod"/>
+            </a:pPr>
+            <a:r>
+              <a:rPr lang="zh-CN" altLang="en-US" dirty="0"/>
+              <a:t>不可重复</a:t>
+            </a:r>
+            <a:endParaRPr lang="en-US" altLang="zh-CN" dirty="0"/>
+          </a:p>
+          <a:p>
+            <a:pPr marL="342900" indent="-342900">
+              <a:buAutoNum type="arabicPeriod"/>
+            </a:pPr>
+            <a:endParaRPr lang="en-US" altLang="zh-CN" dirty="0"/>
+          </a:p>
+          <a:p>
+            <a:pPr marL="342900" indent="-342900">
+              <a:buAutoNum type="arabicPeriod"/>
+            </a:pPr>
+            <a:r>
+              <a:rPr lang="zh-CN" altLang="en-US" dirty="0"/>
+              <a:t>表达了程序员的意图</a:t>
+            </a:r>
+            <a:endParaRPr lang="en-US" altLang="zh-CN" dirty="0"/>
+          </a:p>
+          <a:p>
+            <a:pPr marL="342900" indent="-342900">
+              <a:buAutoNum type="arabicPeriod"/>
+            </a:pPr>
+            <a:endParaRPr lang="en-US" altLang="zh-CN" dirty="0"/>
+          </a:p>
+          <a:p>
+            <a:pPr marL="342900" indent="-342900">
+              <a:buAutoNum type="arabicPeriod"/>
+            </a:pPr>
+            <a:r>
+              <a:rPr lang="zh-CN" altLang="en-US" dirty="0"/>
+              <a:t>尽可能减少类和方法的数量</a:t>
             </a:r>
           </a:p>
         </p:txBody>
       </p:sp>
-      <p:sp>
-        <p:nvSpPr>
-          <p:cNvPr id="3" name="文本框 2"/>
-          <p:cNvSpPr txBox="1"/>
+      <p:pic>
+        <p:nvPicPr>
+          <p:cNvPr id="9" name="图片 8">
+            <a:extLst>
+              <a:ext uri="{FF2B5EF4-FFF2-40B4-BE49-F238E27FC236}">
+                <a16:creationId xmlns:a16="http://schemas.microsoft.com/office/drawing/2014/main" id="{9F62A13A-65A7-4C6C-8F8C-8378B3539466}"/>
+              </a:ext>
+            </a:extLst>
+          </p:cNvPr>
+          <p:cNvPicPr>
+            <a:picLocks noChangeAspect="1"/>
+          </p:cNvPicPr>
           <p:nvPr/>
-        </p:nvSpPr>
+        </p:nvPicPr>
+        <p:blipFill>
+          <a:blip r:embed="rId3"/>
+          <a:stretch>
+            <a:fillRect/>
+          </a:stretch>
+        </p:blipFill>
         <p:spPr>
           <a:xfrm>
-            <a:off x="522428" y="2189894"/>
-            <a:ext cx="5264583" cy="369332"/>
+            <a:off x="5462055" y="1198937"/>
+            <a:ext cx="5095875" cy="3324225"/>
           </a:xfrm>
           <a:prstGeom prst="rect">
             <a:avLst/>
           </a:prstGeom>
-          <a:noFill/>
         </p:spPr>
-        <p:txBody>
-          <a:bodyPr wrap="none" rtlCol="0">
-            <a:spAutoFit/>
-          </a:bodyPr>
-          <a:lstStyle/>
-          <a:p>
-            <a:r>
-              <a:rPr lang="zh-CN" altLang="en-US" dirty="0"/>
-              <a:t>使用 </a:t>
-            </a:r>
-            <a:r>
-              <a:rPr lang="en-US" altLang="zh-CN" dirty="0"/>
-              <a:t>get </a:t>
-            </a:r>
-            <a:r>
-              <a:rPr lang="zh-CN" altLang="en-US" dirty="0"/>
-              <a:t>或者 </a:t>
-            </a:r>
-            <a:r>
-              <a:rPr lang="en-US" altLang="zh-CN" dirty="0"/>
-              <a:t>set </a:t>
-            </a:r>
-            <a:r>
-              <a:rPr lang="zh-CN" altLang="en-US" dirty="0"/>
-              <a:t>时，最好能对接口做一层封装。</a:t>
-            </a:r>
-            <a:r>
-              <a:rPr lang="en-US" altLang="zh-CN" dirty="0"/>
-              <a:t> </a:t>
-            </a:r>
-            <a:endParaRPr lang="zh-CN" altLang="en-US" dirty="0"/>
-          </a:p>
-        </p:txBody>
-      </p:sp>
-      <p:sp>
-        <p:nvSpPr>
-          <p:cNvPr id="6" name="文本框 5"/>
-          <p:cNvSpPr txBox="1"/>
-          <p:nvPr/>
-        </p:nvSpPr>
-        <p:spPr>
-          <a:xfrm>
-            <a:off x="502920" y="3059668"/>
-            <a:ext cx="1107996" cy="369332"/>
-          </a:xfrm>
-          <a:prstGeom prst="rect">
-            <a:avLst/>
-          </a:prstGeom>
-          <a:noFill/>
-        </p:spPr>
-        <p:txBody>
-          <a:bodyPr wrap="none" rtlCol="0">
-            <a:spAutoFit/>
-          </a:bodyPr>
-          <a:lstStyle/>
-          <a:p>
-            <a:r>
-              <a:rPr lang="zh-CN" altLang="en-US" dirty="0"/>
-              <a:t>为什么？</a:t>
-            </a:r>
-          </a:p>
-        </p:txBody>
-      </p:sp>
-      <p:sp>
-        <p:nvSpPr>
-          <p:cNvPr id="5" name="文本框 4"/>
-          <p:cNvSpPr txBox="1"/>
-          <p:nvPr/>
-        </p:nvSpPr>
-        <p:spPr>
-          <a:xfrm>
-            <a:off x="502920" y="3804672"/>
-            <a:ext cx="8956298" cy="1200329"/>
-          </a:xfrm>
-          <a:prstGeom prst="rect">
-            <a:avLst/>
-          </a:prstGeom>
-          <a:noFill/>
-        </p:spPr>
-        <p:txBody>
-          <a:bodyPr wrap="none" rtlCol="0">
-            <a:spAutoFit/>
-          </a:bodyPr>
-          <a:lstStyle/>
-          <a:p>
-            <a:r>
-              <a:rPr lang="zh-CN" altLang="en-US" dirty="0"/>
-              <a:t>因为如果不做一层封装，这个类就相当于一个数据结构，你只是从里面拿数据，</a:t>
-            </a:r>
-            <a:endParaRPr lang="en-US" altLang="zh-CN" dirty="0"/>
-          </a:p>
-          <a:p>
-            <a:r>
-              <a:rPr lang="zh-CN" altLang="en-US" dirty="0"/>
-              <a:t>拿完数据为了满足具体的需求，</a:t>
-            </a:r>
-            <a:r>
-              <a:rPr lang="en-US" altLang="zh-CN" dirty="0"/>
-              <a:t>,</a:t>
-            </a:r>
-            <a:r>
-              <a:rPr lang="zh-CN" altLang="en-US" dirty="0"/>
-              <a:t>肯定是需要对数据进行处理。</a:t>
-            </a:r>
-            <a:endParaRPr lang="en-US" altLang="zh-CN" dirty="0"/>
-          </a:p>
-          <a:p>
-            <a:r>
-              <a:rPr lang="zh-CN" altLang="en-US" dirty="0"/>
-              <a:t>这时你必须在类外面，实例化类之后对数据进行处理，这样就会使外面的代码变得糟糕</a:t>
-            </a:r>
-            <a:endParaRPr lang="en-US" altLang="zh-CN" dirty="0"/>
-          </a:p>
-          <a:p>
-            <a:r>
-              <a:rPr lang="zh-CN" altLang="en-US" dirty="0"/>
-              <a:t>也不够内聚，正确的做法应该是在里面处理完所有逻辑后再进行抛出</a:t>
-            </a:r>
-            <a:endParaRPr lang="en-US" altLang="zh-CN" dirty="0"/>
-          </a:p>
-        </p:txBody>
-      </p:sp>
+      </p:pic>
     </p:spTree>
     <p:extLst>
       <p:ext uri="{BB962C8B-B14F-4D97-AF65-F5344CB8AC3E}">
@@ -14341,100 +17682,6 @@
           <a:chExt cx="0" cy="0"/>
         </a:xfrm>
       </p:grpSpPr>
-      <p:pic>
-        <p:nvPicPr>
-          <p:cNvPr id="6" name="图片 5"/>
-          <p:cNvPicPr>
-            <a:picLocks noChangeAspect="1"/>
-          </p:cNvPicPr>
-          <p:nvPr/>
-        </p:nvPicPr>
-        <p:blipFill>
-          <a:blip r:embed="rId2"/>
-          <a:stretch>
-            <a:fillRect/>
-          </a:stretch>
-        </p:blipFill>
-        <p:spPr>
-          <a:xfrm>
-            <a:off x="365760" y="854643"/>
-            <a:ext cx="5061032" cy="5704100"/>
-          </a:xfrm>
-          <a:prstGeom prst="rect">
-            <a:avLst/>
-          </a:prstGeom>
-        </p:spPr>
-      </p:pic>
-      <p:pic>
-        <p:nvPicPr>
-          <p:cNvPr id="7" name="图片 6"/>
-          <p:cNvPicPr>
-            <a:picLocks noChangeAspect="1"/>
-          </p:cNvPicPr>
-          <p:nvPr/>
-        </p:nvPicPr>
-        <p:blipFill>
-          <a:blip r:embed="rId3"/>
-          <a:stretch>
-            <a:fillRect/>
-          </a:stretch>
-        </p:blipFill>
-        <p:spPr>
-          <a:xfrm>
-            <a:off x="5584734" y="854643"/>
-            <a:ext cx="5269125" cy="5704100"/>
-          </a:xfrm>
-          <a:prstGeom prst="rect">
-            <a:avLst/>
-          </a:prstGeom>
-        </p:spPr>
-      </p:pic>
-      <p:sp>
-        <p:nvSpPr>
-          <p:cNvPr id="8" name="矩形 7"/>
-          <p:cNvSpPr/>
-          <p:nvPr/>
-        </p:nvSpPr>
-        <p:spPr>
-          <a:xfrm>
-            <a:off x="523702" y="2327564"/>
-            <a:ext cx="3009207" cy="4247803"/>
-          </a:xfrm>
-          <a:prstGeom prst="rect">
-            <a:avLst/>
-          </a:prstGeom>
-          <a:noFill/>
-          <a:ln w="38100">
-            <a:solidFill>
-              <a:srgbClr val="C00000"/>
-            </a:solidFill>
-          </a:ln>
-        </p:spPr>
-        <p:style>
-          <a:lnRef idx="2">
-            <a:schemeClr val="accent1">
-              <a:shade val="50000"/>
-            </a:schemeClr>
-          </a:lnRef>
-          <a:fillRef idx="1">
-            <a:schemeClr val="accent1"/>
-          </a:fillRef>
-          <a:effectRef idx="0">
-            <a:schemeClr val="accent1"/>
-          </a:effectRef>
-          <a:fontRef idx="minor">
-            <a:schemeClr val="lt1"/>
-          </a:fontRef>
-        </p:style>
-        <p:txBody>
-          <a:bodyPr rtlCol="0" anchor="ctr"/>
-          <a:lstStyle/>
-          <a:p>
-            <a:pPr algn="ctr"/>
-            <a:endParaRPr lang="zh-CN" altLang="en-US"/>
-          </a:p>
-        </p:txBody>
-      </p:sp>
       <p:grpSp>
         <p:nvGrpSpPr>
           <p:cNvPr id="2" name="组合 1"/>
@@ -14444,9 +17691,9 @@
         <p:grpSpPr>
           <a:xfrm>
             <a:off x="0" y="182248"/>
-            <a:ext cx="2528061" cy="657885"/>
+            <a:ext cx="5358964" cy="657885"/>
             <a:chOff x="0" y="182248"/>
-            <a:chExt cx="2528061" cy="657885"/>
+            <a:chExt cx="5358964" cy="657885"/>
           </a:xfrm>
         </p:grpSpPr>
         <p:sp>
@@ -14603,7 +17850,7 @@
           <p:spPr>
             <a:xfrm>
               <a:off x="1112289" y="280357"/>
-              <a:ext cx="1415772" cy="461665"/>
+              <a:ext cx="4246675" cy="461665"/>
             </a:xfrm>
             <a:prstGeom prst="rect">
               <a:avLst/>
@@ -14625,12 +17872,383 @@
                   <a:ea typeface="微软雅黑" panose="020B0503020204020204" pitchFamily="34" charset="-122"/>
                   <a:cs typeface="Arial"/>
                 </a:rPr>
-                <a:t>错误示范</a:t>
+                <a:t>简单设计规则</a:t>
+              </a:r>
+              <a:r>
+                <a:rPr lang="en-US" altLang="zh-CN" sz="2400" b="1" dirty="0">
+                  <a:solidFill>
+                    <a:srgbClr val="4ACBD6"/>
+                  </a:solidFill>
+                  <a:latin typeface="微软雅黑" panose="020B0503020204020204" pitchFamily="34" charset="-122"/>
+                  <a:ea typeface="微软雅黑" panose="020B0503020204020204" pitchFamily="34" charset="-122"/>
+                  <a:cs typeface="Arial"/>
+                </a:rPr>
+                <a:t>1: </a:t>
+              </a:r>
+              <a:r>
+                <a:rPr lang="zh-CN" altLang="en-US" sz="2400" b="1" dirty="0">
+                  <a:solidFill>
+                    <a:srgbClr val="4ACBD6"/>
+                  </a:solidFill>
+                  <a:latin typeface="微软雅黑" panose="020B0503020204020204" pitchFamily="34" charset="-122"/>
+                  <a:ea typeface="微软雅黑" panose="020B0503020204020204" pitchFamily="34" charset="-122"/>
+                  <a:cs typeface="Arial"/>
+                </a:rPr>
+                <a:t>运行所有测试</a:t>
               </a:r>
             </a:p>
           </p:txBody>
         </p:sp>
       </p:grpSp>
+      <p:grpSp>
+        <p:nvGrpSpPr>
+          <p:cNvPr id="18" name="组合 17">
+            <a:extLst>
+              <a:ext uri="{FF2B5EF4-FFF2-40B4-BE49-F238E27FC236}">
+                <a16:creationId xmlns:a16="http://schemas.microsoft.com/office/drawing/2014/main" id="{279D981A-569F-457B-8D80-1C9B9CF7B5FD}"/>
+              </a:ext>
+            </a:extLst>
+          </p:cNvPr>
+          <p:cNvGrpSpPr/>
+          <p:nvPr/>
+        </p:nvGrpSpPr>
+        <p:grpSpPr>
+          <a:xfrm>
+            <a:off x="3731433" y="3265714"/>
+            <a:ext cx="4238803" cy="829349"/>
+            <a:chOff x="2737520" y="2073018"/>
+            <a:chExt cx="4238803" cy="829349"/>
+          </a:xfrm>
+        </p:grpSpPr>
+        <p:sp>
+          <p:nvSpPr>
+            <p:cNvPr id="12" name="椭圆 11">
+              <a:extLst>
+                <a:ext uri="{FF2B5EF4-FFF2-40B4-BE49-F238E27FC236}">
+                  <a16:creationId xmlns:a16="http://schemas.microsoft.com/office/drawing/2014/main" id="{899BC052-410A-4BC3-8F2C-3BB4DC23C68E}"/>
+                </a:ext>
+              </a:extLst>
+            </p:cNvPr>
+            <p:cNvSpPr/>
+            <p:nvPr/>
+          </p:nvSpPr>
+          <p:spPr>
+            <a:xfrm>
+              <a:off x="2737520" y="2095877"/>
+              <a:ext cx="880323" cy="806490"/>
+            </a:xfrm>
+            <a:prstGeom prst="ellipse">
+              <a:avLst/>
+            </a:prstGeom>
+            <a:noFill/>
+            <a:ln w="38100">
+              <a:solidFill>
+                <a:schemeClr val="accent2"/>
+              </a:solidFill>
+            </a:ln>
+          </p:spPr>
+          <p:style>
+            <a:lnRef idx="2">
+              <a:schemeClr val="accent1">
+                <a:shade val="50000"/>
+              </a:schemeClr>
+            </a:lnRef>
+            <a:fillRef idx="1">
+              <a:schemeClr val="accent1"/>
+            </a:fillRef>
+            <a:effectRef idx="0">
+              <a:schemeClr val="accent1"/>
+            </a:effectRef>
+            <a:fontRef idx="minor">
+              <a:schemeClr val="lt1"/>
+            </a:fontRef>
+          </p:style>
+          <p:txBody>
+            <a:bodyPr rtlCol="0" anchor="ctr"/>
+            <a:lstStyle/>
+            <a:p>
+              <a:pPr algn="ctr"/>
+              <a:endParaRPr lang="zh-CN" altLang="en-US"/>
+            </a:p>
+          </p:txBody>
+        </p:sp>
+        <p:sp>
+          <p:nvSpPr>
+            <p:cNvPr id="13" name="箭头: 右 12">
+              <a:extLst>
+                <a:ext uri="{FF2B5EF4-FFF2-40B4-BE49-F238E27FC236}">
+                  <a16:creationId xmlns:a16="http://schemas.microsoft.com/office/drawing/2014/main" id="{46B9102D-8FBC-44F3-957E-ED365BEA3A19}"/>
+                </a:ext>
+              </a:extLst>
+            </p:cNvPr>
+            <p:cNvSpPr/>
+            <p:nvPr/>
+          </p:nvSpPr>
+          <p:spPr>
+            <a:xfrm>
+              <a:off x="3896139" y="2476263"/>
+              <a:ext cx="1896954" cy="45719"/>
+            </a:xfrm>
+            <a:prstGeom prst="rightArrow">
+              <a:avLst/>
+            </a:prstGeom>
+            <a:noFill/>
+            <a:ln w="38100">
+              <a:solidFill>
+                <a:schemeClr val="accent2"/>
+              </a:solidFill>
+            </a:ln>
+          </p:spPr>
+          <p:style>
+            <a:lnRef idx="2">
+              <a:schemeClr val="accent1">
+                <a:shade val="50000"/>
+              </a:schemeClr>
+            </a:lnRef>
+            <a:fillRef idx="1">
+              <a:schemeClr val="accent1"/>
+            </a:fillRef>
+            <a:effectRef idx="0">
+              <a:schemeClr val="accent1"/>
+            </a:effectRef>
+            <a:fontRef idx="minor">
+              <a:schemeClr val="lt1"/>
+            </a:fontRef>
+          </p:style>
+          <p:txBody>
+            <a:bodyPr rtlCol="0" anchor="ctr"/>
+            <a:lstStyle/>
+            <a:p>
+              <a:pPr algn="ctr"/>
+              <a:endParaRPr lang="zh-CN" altLang="en-US"/>
+            </a:p>
+          </p:txBody>
+        </p:sp>
+        <p:sp>
+          <p:nvSpPr>
+            <p:cNvPr id="14" name="椭圆 13">
+              <a:extLst>
+                <a:ext uri="{FF2B5EF4-FFF2-40B4-BE49-F238E27FC236}">
+                  <a16:creationId xmlns:a16="http://schemas.microsoft.com/office/drawing/2014/main" id="{A10A9061-9885-4A10-BA66-906E58C8B085}"/>
+                </a:ext>
+              </a:extLst>
+            </p:cNvPr>
+            <p:cNvSpPr/>
+            <p:nvPr/>
+          </p:nvSpPr>
+          <p:spPr>
+            <a:xfrm>
+              <a:off x="6096000" y="2073018"/>
+              <a:ext cx="880323" cy="806490"/>
+            </a:xfrm>
+            <a:prstGeom prst="ellipse">
+              <a:avLst/>
+            </a:prstGeom>
+            <a:noFill/>
+            <a:ln w="38100">
+              <a:solidFill>
+                <a:schemeClr val="accent2"/>
+              </a:solidFill>
+            </a:ln>
+          </p:spPr>
+          <p:style>
+            <a:lnRef idx="2">
+              <a:schemeClr val="accent1">
+                <a:shade val="50000"/>
+              </a:schemeClr>
+            </a:lnRef>
+            <a:fillRef idx="1">
+              <a:schemeClr val="accent1"/>
+            </a:fillRef>
+            <a:effectRef idx="0">
+              <a:schemeClr val="accent1"/>
+            </a:effectRef>
+            <a:fontRef idx="minor">
+              <a:schemeClr val="lt1"/>
+            </a:fontRef>
+          </p:style>
+          <p:txBody>
+            <a:bodyPr rtlCol="0" anchor="ctr"/>
+            <a:lstStyle/>
+            <a:p>
+              <a:pPr algn="ctr"/>
+              <a:endParaRPr lang="zh-CN" altLang="en-US"/>
+            </a:p>
+          </p:txBody>
+        </p:sp>
+        <p:sp>
+          <p:nvSpPr>
+            <p:cNvPr id="15" name="文本框 14">
+              <a:extLst>
+                <a:ext uri="{FF2B5EF4-FFF2-40B4-BE49-F238E27FC236}">
+                  <a16:creationId xmlns:a16="http://schemas.microsoft.com/office/drawing/2014/main" id="{FC5185DC-6844-4C5F-880A-5FDACF3338AF}"/>
+                </a:ext>
+              </a:extLst>
+            </p:cNvPr>
+            <p:cNvSpPr txBox="1"/>
+            <p:nvPr/>
+          </p:nvSpPr>
+          <p:spPr>
+            <a:xfrm>
+              <a:off x="2854515" y="2314456"/>
+              <a:ext cx="646331" cy="369332"/>
+            </a:xfrm>
+            <a:prstGeom prst="rect">
+              <a:avLst/>
+            </a:prstGeom>
+            <a:noFill/>
+          </p:spPr>
+          <p:txBody>
+            <a:bodyPr wrap="none" rtlCol="0">
+              <a:spAutoFit/>
+            </a:bodyPr>
+            <a:lstStyle/>
+            <a:p>
+              <a:r>
+                <a:rPr lang="zh-CN" altLang="en-US" dirty="0"/>
+                <a:t>测试</a:t>
+              </a:r>
+            </a:p>
+          </p:txBody>
+        </p:sp>
+        <p:sp>
+          <p:nvSpPr>
+            <p:cNvPr id="16" name="文本框 15">
+              <a:extLst>
+                <a:ext uri="{FF2B5EF4-FFF2-40B4-BE49-F238E27FC236}">
+                  <a16:creationId xmlns:a16="http://schemas.microsoft.com/office/drawing/2014/main" id="{7CBD84C2-5B97-45E1-AE71-0634B2C9AE77}"/>
+                </a:ext>
+              </a:extLst>
+            </p:cNvPr>
+            <p:cNvSpPr txBox="1"/>
+            <p:nvPr/>
+          </p:nvSpPr>
+          <p:spPr>
+            <a:xfrm>
+              <a:off x="6212995" y="2314456"/>
+              <a:ext cx="646331" cy="369332"/>
+            </a:xfrm>
+            <a:prstGeom prst="rect">
+              <a:avLst/>
+            </a:prstGeom>
+            <a:noFill/>
+          </p:spPr>
+          <p:txBody>
+            <a:bodyPr wrap="none" rtlCol="0">
+              <a:spAutoFit/>
+            </a:bodyPr>
+            <a:lstStyle/>
+            <a:p>
+              <a:r>
+                <a:rPr lang="zh-CN" altLang="en-US" dirty="0"/>
+                <a:t>系统</a:t>
+              </a:r>
+            </a:p>
+          </p:txBody>
+        </p:sp>
+        <p:sp>
+          <p:nvSpPr>
+            <p:cNvPr id="17" name="文本框 16">
+              <a:extLst>
+                <a:ext uri="{FF2B5EF4-FFF2-40B4-BE49-F238E27FC236}">
+                  <a16:creationId xmlns:a16="http://schemas.microsoft.com/office/drawing/2014/main" id="{6D2B663C-4343-417F-ABA1-BFC58B534B65}"/>
+                </a:ext>
+              </a:extLst>
+            </p:cNvPr>
+            <p:cNvSpPr txBox="1"/>
+            <p:nvPr/>
+          </p:nvSpPr>
+          <p:spPr>
+            <a:xfrm>
+              <a:off x="4521450" y="2141149"/>
+              <a:ext cx="543739" cy="307777"/>
+            </a:xfrm>
+            <a:prstGeom prst="rect">
+              <a:avLst/>
+            </a:prstGeom>
+            <a:noFill/>
+          </p:spPr>
+          <p:txBody>
+            <a:bodyPr wrap="none" rtlCol="0">
+              <a:spAutoFit/>
+            </a:bodyPr>
+            <a:lstStyle/>
+            <a:p>
+              <a:r>
+                <a:rPr lang="zh-CN" altLang="en-US" sz="1400" dirty="0">
+                  <a:solidFill>
+                    <a:schemeClr val="bg1">
+                      <a:lumMod val="50000"/>
+                    </a:schemeClr>
+                  </a:solidFill>
+                </a:rPr>
+                <a:t>校验</a:t>
+              </a:r>
+            </a:p>
+          </p:txBody>
+        </p:sp>
+      </p:grpSp>
+      <p:sp>
+        <p:nvSpPr>
+          <p:cNvPr id="19" name="文本框 18">
+            <a:extLst>
+              <a:ext uri="{FF2B5EF4-FFF2-40B4-BE49-F238E27FC236}">
+                <a16:creationId xmlns:a16="http://schemas.microsoft.com/office/drawing/2014/main" id="{F4F95466-3BB2-47C0-8E8B-366E037AB2F5}"/>
+              </a:ext>
+            </a:extLst>
+          </p:cNvPr>
+          <p:cNvSpPr txBox="1"/>
+          <p:nvPr/>
+        </p:nvSpPr>
+        <p:spPr>
+          <a:xfrm>
+            <a:off x="1538698" y="1276633"/>
+            <a:ext cx="8599661" cy="1477328"/>
+          </a:xfrm>
+          <a:prstGeom prst="rect">
+            <a:avLst/>
+          </a:prstGeom>
+          <a:noFill/>
+        </p:spPr>
+        <p:txBody>
+          <a:bodyPr wrap="square" rtlCol="0">
+            <a:spAutoFit/>
+          </a:bodyPr>
+          <a:lstStyle/>
+          <a:p>
+            <a:r>
+              <a:rPr lang="zh-CN" altLang="en-US" dirty="0"/>
+              <a:t>全面测试并持续通过所有测试的系统</a:t>
+            </a:r>
+            <a:r>
+              <a:rPr lang="en-US" altLang="zh-CN" dirty="0"/>
+              <a:t>,</a:t>
+            </a:r>
+            <a:r>
+              <a:rPr lang="zh-CN" altLang="en-US" dirty="0"/>
+              <a:t>就是可测试系统。不可测试的系统，</a:t>
+            </a:r>
+            <a:r>
+              <a:rPr lang="en-US" altLang="zh-CN" dirty="0"/>
+              <a:t> </a:t>
+            </a:r>
+            <a:r>
+              <a:rPr lang="zh-CN" altLang="en-US" dirty="0"/>
+              <a:t>绝不应部署。</a:t>
+            </a:r>
+            <a:endParaRPr lang="en-US" altLang="zh-CN" dirty="0"/>
+          </a:p>
+          <a:p>
+            <a:endParaRPr lang="en-US" altLang="zh-CN" dirty="0"/>
+          </a:p>
+          <a:p>
+            <a:r>
+              <a:rPr lang="zh-CN" altLang="en-US" dirty="0"/>
+              <a:t>只要系统可测试，就会导向保持类短小的且目的单一的设计方案。编写测试将会引致更好的设计。</a:t>
+            </a:r>
+          </a:p>
+        </p:txBody>
+      </p:sp>
     </p:spTree>
     <p:extLst>
       <p:ext uri="{BB962C8B-B14F-4D97-AF65-F5344CB8AC3E}">
@@ -14661,63 +18279,6 @@
           <a:chExt cx="0" cy="0"/>
         </a:xfrm>
       </p:grpSpPr>
-      <p:sp>
-        <p:nvSpPr>
-          <p:cNvPr id="5" name="文本框 4"/>
-          <p:cNvSpPr txBox="1"/>
-          <p:nvPr/>
-        </p:nvSpPr>
-        <p:spPr>
-          <a:xfrm>
-            <a:off x="515389" y="1851363"/>
-            <a:ext cx="6883616" cy="369332"/>
-          </a:xfrm>
-          <a:prstGeom prst="rect">
-            <a:avLst/>
-          </a:prstGeom>
-          <a:noFill/>
-        </p:spPr>
-        <p:txBody>
-          <a:bodyPr wrap="none" rtlCol="0">
-            <a:spAutoFit/>
-          </a:bodyPr>
-          <a:lstStyle/>
-          <a:p>
-            <a:r>
-              <a:rPr lang="en-US" altLang="zh-CN" dirty="0"/>
-              <a:t>1. </a:t>
-            </a:r>
-            <a:r>
-              <a:rPr lang="zh-CN" altLang="en-US" dirty="0"/>
-              <a:t>调用起来必须链式调用，没有做好抽象，把内部结构都暴露了。</a:t>
-            </a:r>
-          </a:p>
-        </p:txBody>
-      </p:sp>
-      <p:pic>
-        <p:nvPicPr>
-          <p:cNvPr id="2" name="图片 1"/>
-          <p:cNvPicPr>
-            <a:picLocks noChangeAspect="1"/>
-          </p:cNvPicPr>
-          <p:nvPr/>
-        </p:nvPicPr>
-        <p:blipFill>
-          <a:blip r:embed="rId2"/>
-          <a:stretch>
-            <a:fillRect/>
-          </a:stretch>
-        </p:blipFill>
-        <p:spPr>
-          <a:xfrm>
-            <a:off x="515389" y="2488753"/>
-            <a:ext cx="7346790" cy="375278"/>
-          </a:xfrm>
-          <a:prstGeom prst="rect">
-            <a:avLst/>
-          </a:prstGeom>
-        </p:spPr>
-      </p:pic>
       <p:grpSp>
         <p:nvGrpSpPr>
           <p:cNvPr id="7" name="组合 6"/>
@@ -14727,9 +18288,9 @@
         <p:grpSpPr>
           <a:xfrm>
             <a:off x="0" y="182248"/>
-            <a:ext cx="1912508" cy="657885"/>
+            <a:ext cx="4451665" cy="657885"/>
             <a:chOff x="0" y="182248"/>
-            <a:chExt cx="1912508" cy="657885"/>
+            <a:chExt cx="4451665" cy="657885"/>
           </a:xfrm>
         </p:grpSpPr>
         <p:sp>
@@ -14886,7 +18447,7 @@
           <p:spPr>
             <a:xfrm>
               <a:off x="1112289" y="280357"/>
-              <a:ext cx="800219" cy="461665"/>
+              <a:ext cx="3339376" cy="461665"/>
             </a:xfrm>
             <a:prstGeom prst="rect">
               <a:avLst/>
@@ -14908,22 +18469,130 @@
                   <a:ea typeface="微软雅黑" panose="020B0503020204020204" pitchFamily="34" charset="-122"/>
                   <a:cs typeface="Arial"/>
                 </a:rPr>
-                <a:t>缺陷</a:t>
+                <a:t>简单设计规则</a:t>
+              </a:r>
+              <a:r>
+                <a:rPr lang="en-US" altLang="zh-CN" sz="2400" b="1" dirty="0">
+                  <a:solidFill>
+                    <a:srgbClr val="4ACBD6"/>
+                  </a:solidFill>
+                  <a:latin typeface="微软雅黑" panose="020B0503020204020204" pitchFamily="34" charset="-122"/>
+                  <a:ea typeface="微软雅黑" panose="020B0503020204020204" pitchFamily="34" charset="-122"/>
+                  <a:cs typeface="Arial"/>
+                </a:rPr>
+                <a:t>2-4: </a:t>
+              </a:r>
+              <a:r>
+                <a:rPr lang="zh-CN" altLang="en-US" sz="2400" b="1" dirty="0">
+                  <a:solidFill>
+                    <a:srgbClr val="4ACBD6"/>
+                  </a:solidFill>
+                  <a:latin typeface="微软雅黑" panose="020B0503020204020204" pitchFamily="34" charset="-122"/>
+                  <a:ea typeface="微软雅黑" panose="020B0503020204020204" pitchFamily="34" charset="-122"/>
+                  <a:cs typeface="Arial"/>
+                </a:rPr>
+                <a:t>重构</a:t>
               </a:r>
             </a:p>
           </p:txBody>
         </p:sp>
       </p:grpSp>
-      <p:sp>
-        <p:nvSpPr>
-          <p:cNvPr id="10" name="文本框 9"/>
+      <p:graphicFrame>
+        <p:nvGraphicFramePr>
+          <p:cNvPr id="6" name="图示 5">
+            <a:extLst>
+              <a:ext uri="{FF2B5EF4-FFF2-40B4-BE49-F238E27FC236}">
+                <a16:creationId xmlns:a16="http://schemas.microsoft.com/office/drawing/2014/main" id="{71D4E1C2-4B47-4A21-8603-CF7342E0C3B1}"/>
+              </a:ext>
+            </a:extLst>
+          </p:cNvPr>
+          <p:cNvGraphicFramePr/>
+          <p:nvPr>
+            <p:extLst>
+              <p:ext uri="{D42A27DB-BD31-4B8C-83A1-F6EECF244321}">
+                <p14:modId xmlns:p14="http://schemas.microsoft.com/office/powerpoint/2010/main" val="3707944503"/>
+              </p:ext>
+            </p:extLst>
+          </p:nvPr>
+        </p:nvGraphicFramePr>
+        <p:xfrm>
+          <a:off x="3644979" y="2055980"/>
+          <a:ext cx="4022350" cy="4048276"/>
+        </p:xfrm>
+        <a:graphic>
+          <a:graphicData uri="http://schemas.openxmlformats.org/drawingml/2006/diagram">
+            <dgm:relIds xmlns:dgm="http://schemas.openxmlformats.org/drawingml/2006/diagram" xmlns:r="http://schemas.openxmlformats.org/officeDocument/2006/relationships" r:dm="rId2" r:lo="rId3" r:qs="rId4" r:cs="rId5"/>
+          </a:graphicData>
+        </a:graphic>
+      </p:graphicFrame>
+      <p:sp>
+        <p:nvSpPr>
+          <p:cNvPr id="11" name="箭头: 右 10">
+            <a:extLst>
+              <a:ext uri="{FF2B5EF4-FFF2-40B4-BE49-F238E27FC236}">
+                <a16:creationId xmlns:a16="http://schemas.microsoft.com/office/drawing/2014/main" id="{FCC0EBDF-AFF5-4C8A-AF00-C042A4CC8393}"/>
+              </a:ext>
+            </a:extLst>
+          </p:cNvPr>
+          <p:cNvSpPr/>
+          <p:nvPr/>
+        </p:nvSpPr>
+        <p:spPr>
+          <a:xfrm>
+            <a:off x="4633843" y="3719933"/>
+            <a:ext cx="1022311" cy="45719"/>
+          </a:xfrm>
+          <a:prstGeom prst="rightArrow">
+            <a:avLst/>
+          </a:prstGeom>
+          <a:noFill/>
+          <a:ln w="38100">
+            <a:solidFill>
+              <a:schemeClr val="accent2"/>
+            </a:solidFill>
+          </a:ln>
+        </p:spPr>
+        <p:style>
+          <a:lnRef idx="2">
+            <a:schemeClr val="accent1">
+              <a:shade val="50000"/>
+            </a:schemeClr>
+          </a:lnRef>
+          <a:fillRef idx="1">
+            <a:schemeClr val="accent1"/>
+          </a:fillRef>
+          <a:effectRef idx="0">
+            <a:schemeClr val="accent1"/>
+          </a:effectRef>
+          <a:fontRef idx="minor">
+            <a:schemeClr val="lt1"/>
+          </a:fontRef>
+        </p:style>
+        <p:txBody>
+          <a:bodyPr rtlCol="0" anchor="ctr"/>
+          <a:lstStyle/>
+          <a:p>
+            <a:pPr algn="ctr"/>
+            <a:endParaRPr lang="zh-CN" altLang="en-US"/>
+          </a:p>
+        </p:txBody>
+      </p:sp>
+      <p:sp>
+        <p:nvSpPr>
+          <p:cNvPr id="14" name="文本框 13">
+            <a:extLst>
+              <a:ext uri="{FF2B5EF4-FFF2-40B4-BE49-F238E27FC236}">
+                <a16:creationId xmlns:a16="http://schemas.microsoft.com/office/drawing/2014/main" id="{082C0350-D567-47F8-ADB1-10858D916680}"/>
+              </a:ext>
+            </a:extLst>
+          </p:cNvPr>
           <p:cNvSpPr txBox="1"/>
           <p:nvPr/>
         </p:nvSpPr>
         <p:spPr>
           <a:xfrm>
-            <a:off x="515389" y="3521901"/>
-            <a:ext cx="881973" cy="369332"/>
+            <a:off x="4898776" y="3488653"/>
+            <a:ext cx="492443" cy="276999"/>
           </a:xfrm>
           <a:prstGeom prst="rect">
             <a:avLst/>
@@ -14937,86 +18606,32 @@
           <a:lstStyle/>
           <a:p>
             <a:r>
-              <a:rPr lang="en-US" altLang="zh-CN" dirty="0"/>
-              <a:t>2. </a:t>
-            </a:r>
-            <a:r>
-              <a:rPr lang="zh-CN" altLang="en-US" dirty="0"/>
-              <a:t>混杂</a:t>
+              <a:rPr lang="zh-CN" altLang="en-US" sz="1200" dirty="0">
+                <a:solidFill>
+                  <a:srgbClr val="ED7D31"/>
+                </a:solidFill>
+              </a:rPr>
+              <a:t>保证</a:t>
             </a:r>
           </a:p>
         </p:txBody>
       </p:sp>
-      <p:pic>
-        <p:nvPicPr>
-          <p:cNvPr id="3" name="图片 2"/>
-          <p:cNvPicPr>
-            <a:picLocks noChangeAspect="1"/>
-          </p:cNvPicPr>
+      <p:sp>
+        <p:nvSpPr>
+          <p:cNvPr id="15" name="文本框 14">
+            <a:extLst>
+              <a:ext uri="{FF2B5EF4-FFF2-40B4-BE49-F238E27FC236}">
+                <a16:creationId xmlns:a16="http://schemas.microsoft.com/office/drawing/2014/main" id="{5DDE3F89-0C75-47EA-B074-FD4F9D29ECC7}"/>
+              </a:ext>
+            </a:extLst>
+          </p:cNvPr>
+          <p:cNvSpPr txBox="1"/>
           <p:nvPr/>
-        </p:nvPicPr>
-        <p:blipFill>
-          <a:blip r:embed="rId3"/>
-          <a:stretch>
-            <a:fillRect/>
-          </a:stretch>
-        </p:blipFill>
+        </p:nvSpPr>
         <p:spPr>
           <a:xfrm>
-            <a:off x="2010081" y="3231925"/>
-            <a:ext cx="5051584" cy="3453817"/>
-          </a:xfrm>
-          <a:prstGeom prst="rect">
-            <a:avLst/>
-          </a:prstGeom>
-        </p:spPr>
-      </p:pic>
-      <p:cxnSp>
-        <p:nvCxnSpPr>
-          <p:cNvPr id="12" name="直接箭头连接符 11"/>
-          <p:cNvCxnSpPr/>
-          <p:nvPr/>
-        </p:nvCxnSpPr>
-        <p:spPr>
-          <a:xfrm flipH="1">
-            <a:off x="7464669" y="4958862"/>
-            <a:ext cx="677008" cy="0"/>
-          </a:xfrm>
-          <a:prstGeom prst="straightConnector1">
-            <a:avLst/>
-          </a:prstGeom>
-          <a:ln w="28575">
-            <a:solidFill>
-              <a:schemeClr val="accent2"/>
-            </a:solidFill>
-            <a:tailEnd type="triangle"/>
-          </a:ln>
-        </p:spPr>
-        <p:style>
-          <a:lnRef idx="1">
-            <a:schemeClr val="accent1"/>
-          </a:lnRef>
-          <a:fillRef idx="0">
-            <a:schemeClr val="accent1"/>
-          </a:fillRef>
-          <a:effectRef idx="0">
-            <a:schemeClr val="accent1"/>
-          </a:effectRef>
-          <a:fontRef idx="minor">
-            <a:schemeClr val="tx1"/>
-          </a:fontRef>
-        </p:style>
-      </p:cxnSp>
-      <p:sp>
-        <p:nvSpPr>
-          <p:cNvPr id="13" name="文本框 12"/>
-          <p:cNvSpPr txBox="1"/>
-          <p:nvPr/>
-        </p:nvSpPr>
-        <p:spPr>
-          <a:xfrm>
-            <a:off x="8314015" y="4774167"/>
-            <a:ext cx="3877985" cy="369332"/>
+            <a:off x="2432720" y="1329003"/>
+            <a:ext cx="7326559" cy="1200329"/>
           </a:xfrm>
           <a:prstGeom prst="rect">
             <a:avLst/>
@@ -15024,14 +18639,32 @@
           <a:noFill/>
         </p:spPr>
         <p:txBody>
-          <a:bodyPr wrap="none" rtlCol="0">
+          <a:bodyPr wrap="square" rtlCol="0">
             <a:spAutoFit/>
           </a:bodyPr>
           <a:lstStyle/>
           <a:p>
             <a:r>
               <a:rPr lang="zh-CN" altLang="en-US" dirty="0"/>
-              <a:t>还包含了很多可以给外部调用的函数</a:t>
+              <a:t>测试消除了重构代码的恐惧</a:t>
+            </a:r>
+            <a:r>
+              <a:rPr lang="en-US" altLang="zh-CN" dirty="0"/>
+              <a:t>,</a:t>
+            </a:r>
+            <a:r>
+              <a:rPr lang="zh-CN" altLang="en-US" dirty="0"/>
+              <a:t>保证了代码正确性。</a:t>
+            </a:r>
+            <a:endParaRPr lang="en-US" altLang="zh-CN" dirty="0"/>
+          </a:p>
+          <a:p>
+            <a:endParaRPr lang="en-US" altLang="zh-CN" dirty="0"/>
+          </a:p>
+          <a:p>
+            <a:r>
+              <a:rPr lang="zh-CN" altLang="en-US" dirty="0"/>
+              <a:t>而重构就是应用简单设计后三条规则的地方：消除重复，保证表达力，尽可能减少类和方法的数量</a:t>
             </a:r>
           </a:p>
         </p:txBody>
@@ -15066,66 +18699,6 @@
           <a:chExt cx="0" cy="0"/>
         </a:xfrm>
       </p:grpSpPr>
-      <p:pic>
-        <p:nvPicPr>
-          <p:cNvPr id="5" name="图片 4"/>
-          <p:cNvPicPr>
-            <a:picLocks noChangeAspect="1"/>
-          </p:cNvPicPr>
-          <p:nvPr/>
-        </p:nvPicPr>
-        <p:blipFill>
-          <a:blip r:embed="rId2"/>
-          <a:stretch>
-            <a:fillRect/>
-          </a:stretch>
-        </p:blipFill>
-        <p:spPr>
-          <a:xfrm>
-            <a:off x="1079435" y="3002264"/>
-            <a:ext cx="2876190" cy="923810"/>
-          </a:xfrm>
-          <a:prstGeom prst="rect">
-            <a:avLst/>
-          </a:prstGeom>
-        </p:spPr>
-      </p:pic>
-      <p:cxnSp>
-        <p:nvCxnSpPr>
-          <p:cNvPr id="9" name="直接箭头连接符 8"/>
-          <p:cNvCxnSpPr/>
-          <p:nvPr/>
-        </p:nvCxnSpPr>
-        <p:spPr>
-          <a:xfrm>
-            <a:off x="4440115" y="3464169"/>
-            <a:ext cx="1494693" cy="0"/>
-          </a:xfrm>
-          <a:prstGeom prst="straightConnector1">
-            <a:avLst/>
-          </a:prstGeom>
-          <a:ln w="38100">
-            <a:solidFill>
-              <a:schemeClr val="accent2"/>
-            </a:solidFill>
-            <a:tailEnd type="triangle"/>
-          </a:ln>
-        </p:spPr>
-        <p:style>
-          <a:lnRef idx="1">
-            <a:schemeClr val="accent1"/>
-          </a:lnRef>
-          <a:fillRef idx="0">
-            <a:schemeClr val="accent1"/>
-          </a:fillRef>
-          <a:effectRef idx="0">
-            <a:schemeClr val="accent1"/>
-          </a:effectRef>
-          <a:fontRef idx="minor">
-            <a:schemeClr val="tx1"/>
-          </a:fontRef>
-        </p:style>
-      </p:cxnSp>
       <p:grpSp>
         <p:nvGrpSpPr>
           <p:cNvPr id="10" name="组合 9"/>
@@ -15324,14 +18897,20 @@
       </p:grpSp>
       <p:sp>
         <p:nvSpPr>
-          <p:cNvPr id="13" name="文本框 12"/>
+          <p:cNvPr id="2" name="文本框 1">
+            <a:extLst>
+              <a:ext uri="{FF2B5EF4-FFF2-40B4-BE49-F238E27FC236}">
+                <a16:creationId xmlns:a16="http://schemas.microsoft.com/office/drawing/2014/main" id="{EE7A4930-4AFE-40BC-BAA3-B83864159C2C}"/>
+              </a:ext>
+            </a:extLst>
+          </p:cNvPr>
           <p:cNvSpPr txBox="1"/>
           <p:nvPr/>
         </p:nvSpPr>
         <p:spPr>
           <a:xfrm>
-            <a:off x="1079435" y="1687477"/>
-            <a:ext cx="2036135" cy="369332"/>
+            <a:off x="1112289" y="840133"/>
+            <a:ext cx="7835799" cy="1846659"/>
           </a:xfrm>
           <a:prstGeom prst="rect">
             <a:avLst/>
@@ -15344,35 +18923,82 @@
           </a:bodyPr>
           <a:lstStyle/>
           <a:p>
-            <a:r>
-              <a:rPr lang="en-US" altLang="zh-CN" dirty="0"/>
-              <a:t>1. </a:t>
-            </a:r>
+            <a:pPr marL="342900" indent="-342900">
+              <a:buAutoNum type="arabicPeriod"/>
+            </a:pPr>
             <a:r>
               <a:rPr lang="zh-CN" altLang="en-US" dirty="0"/>
-              <a:t>抽象暴露的接口</a:t>
-            </a:r>
+              <a:t>消除重复</a:t>
+            </a:r>
+            <a:endParaRPr lang="en-US" altLang="zh-CN" dirty="0"/>
+          </a:p>
+          <a:p>
+            <a:r>
+              <a:rPr lang="en-US" altLang="zh-CN" sz="1600" dirty="0"/>
+              <a:t>      </a:t>
+            </a:r>
+          </a:p>
+          <a:p>
+            <a:r>
+              <a:rPr lang="en-US" altLang="zh-CN" sz="1600" dirty="0"/>
+              <a:t>      </a:t>
+            </a:r>
+            <a:r>
+              <a:rPr lang="zh-CN" altLang="en-US" sz="1600" dirty="0"/>
+              <a:t>重复代码的出现就意味着已经违反了</a:t>
+            </a:r>
+            <a:r>
+              <a:rPr lang="en-US" altLang="zh-CN" sz="1600" dirty="0"/>
+              <a:t>SRP</a:t>
+            </a:r>
+            <a:r>
+              <a:rPr lang="zh-CN" altLang="en-US" sz="1600" dirty="0"/>
+              <a:t>原则，所以需要抽取重复代码进行复用。</a:t>
+            </a:r>
+            <a:endParaRPr lang="en-US" altLang="zh-CN" sz="1600" dirty="0"/>
+          </a:p>
+          <a:p>
+            <a:r>
+              <a:rPr lang="zh-CN" altLang="en-US" sz="1600" dirty="0"/>
+              <a:t>      技巧：模板方法模式</a:t>
+            </a:r>
+            <a:endParaRPr lang="en-US" altLang="zh-CN" sz="1600" dirty="0"/>
+          </a:p>
+          <a:p>
+            <a:endParaRPr lang="en-US" altLang="zh-CN" sz="1600" dirty="0"/>
+          </a:p>
+          <a:p>
+            <a:endParaRPr lang="en-US" altLang="zh-CN" sz="1600" dirty="0"/>
+          </a:p>
+          <a:p>
+            <a:endParaRPr lang="en-US" altLang="zh-CN" sz="1600" dirty="0"/>
           </a:p>
         </p:txBody>
       </p:sp>
       <p:pic>
         <p:nvPicPr>
-          <p:cNvPr id="14" name="图片 13"/>
+          <p:cNvPr id="4" name="图片 3">
+            <a:extLst>
+              <a:ext uri="{FF2B5EF4-FFF2-40B4-BE49-F238E27FC236}">
+                <a16:creationId xmlns:a16="http://schemas.microsoft.com/office/drawing/2014/main" id="{26519FE3-D1A8-4684-B4FE-DA63708DA2E2}"/>
+              </a:ext>
+            </a:extLst>
+          </p:cNvPr>
           <p:cNvPicPr>
             <a:picLocks noChangeAspect="1"/>
           </p:cNvPicPr>
           <p:nvPr/>
         </p:nvPicPr>
         <p:blipFill>
-          <a:blip r:embed="rId3"/>
+          <a:blip r:embed="rId2"/>
           <a:stretch>
             <a:fillRect/>
           </a:stretch>
         </p:blipFill>
         <p:spPr>
           <a:xfrm>
-            <a:off x="6179031" y="1603756"/>
-            <a:ext cx="3790476" cy="4142857"/>
+            <a:off x="1512399" y="2051307"/>
+            <a:ext cx="3337898" cy="1981097"/>
           </a:xfrm>
           <a:prstGeom prst="rect">
             <a:avLst/>
@@ -15381,52 +19007,124 @@
       </p:pic>
       <p:sp>
         <p:nvSpPr>
-          <p:cNvPr id="15" name="矩形 14"/>
-          <p:cNvSpPr/>
+          <p:cNvPr id="6" name="文本框 5">
+            <a:extLst>
+              <a:ext uri="{FF2B5EF4-FFF2-40B4-BE49-F238E27FC236}">
+                <a16:creationId xmlns:a16="http://schemas.microsoft.com/office/drawing/2014/main" id="{BA4988A1-B555-48F4-860E-58EFF2853D8A}"/>
+              </a:ext>
+            </a:extLst>
+          </p:cNvPr>
+          <p:cNvSpPr txBox="1"/>
           <p:nvPr/>
         </p:nvSpPr>
         <p:spPr>
           <a:xfrm>
-            <a:off x="6330462" y="2259623"/>
-            <a:ext cx="2980592" cy="940777"/>
+            <a:off x="1112289" y="4171209"/>
+            <a:ext cx="7991954" cy="1692771"/>
           </a:xfrm>
           <a:prstGeom prst="rect">
             <a:avLst/>
           </a:prstGeom>
           <a:noFill/>
-          <a:ln w="38100">
-            <a:solidFill>
-              <a:schemeClr val="accent2"/>
-            </a:solidFill>
-          </a:ln>
         </p:spPr>
-        <p:style>
-          <a:lnRef idx="2">
-            <a:schemeClr val="accent1">
-              <a:shade val="50000"/>
-            </a:schemeClr>
-          </a:lnRef>
-          <a:fillRef idx="1">
-            <a:schemeClr val="accent1"/>
-          </a:fillRef>
-          <a:effectRef idx="0">
-            <a:schemeClr val="accent1"/>
-          </a:effectRef>
-          <a:fontRef idx="minor">
-            <a:schemeClr val="lt1"/>
-          </a:fontRef>
-        </p:style>
         <p:txBody>
-          <a:bodyPr rot="0" spcFirstLastPara="0" vertOverflow="overflow" horzOverflow="overflow" vert="horz" wrap="square" lIns="91440" tIns="45720" rIns="91440" bIns="45720" numCol="1" spcCol="0" rtlCol="0" fromWordArt="0" anchor="ctr" anchorCtr="0" forceAA="0" compatLnSpc="1">
-            <a:prstTxWarp prst="textNoShape">
-              <a:avLst/>
-            </a:prstTxWarp>
-            <a:noAutofit/>
+          <a:bodyPr wrap="square" rtlCol="0">
+            <a:spAutoFit/>
           </a:bodyPr>
           <a:lstStyle/>
           <a:p>
-            <a:pPr algn="ctr"/>
-            <a:endParaRPr lang="zh-CN" altLang="en-US"/>
+            <a:r>
+              <a:rPr lang="en-US" altLang="zh-CN" dirty="0"/>
+              <a:t>2. </a:t>
+            </a:r>
+            <a:r>
+              <a:rPr lang="zh-CN" altLang="en-US" dirty="0"/>
+              <a:t>表达力</a:t>
+            </a:r>
+            <a:r>
+              <a:rPr lang="en-US" altLang="zh-CN" dirty="0"/>
+              <a:t>: </a:t>
+            </a:r>
+            <a:r>
+              <a:rPr lang="zh-CN" altLang="en-US" dirty="0"/>
+              <a:t>好的命名</a:t>
+            </a:r>
+            <a:endParaRPr lang="en-US" altLang="zh-CN" dirty="0"/>
+          </a:p>
+          <a:p>
+            <a:endParaRPr lang="en-US" altLang="zh-CN" dirty="0"/>
+          </a:p>
+          <a:p>
+            <a:r>
+              <a:rPr lang="en-US" altLang="zh-CN" dirty="0"/>
+              <a:t>3. </a:t>
+            </a:r>
+            <a:r>
+              <a:rPr lang="zh-CN" altLang="en-US" dirty="0"/>
+              <a:t>尽可能少的类和方法</a:t>
+            </a:r>
+            <a:endParaRPr lang="en-US" altLang="zh-CN" dirty="0"/>
+          </a:p>
+          <a:p>
+            <a:r>
+              <a:rPr lang="zh-CN" altLang="en-US" dirty="0"/>
+              <a:t>    </a:t>
+            </a:r>
+            <a:endParaRPr lang="en-US" altLang="zh-CN" sz="1600" dirty="0"/>
+          </a:p>
+          <a:p>
+            <a:r>
+              <a:rPr lang="en-US" altLang="zh-CN" sz="1600" dirty="0"/>
+              <a:t>    </a:t>
+            </a:r>
+            <a:r>
+              <a:rPr lang="zh-CN" altLang="en-US" sz="1600" dirty="0"/>
+              <a:t>当过度使用消除重复和</a:t>
+            </a:r>
+            <a:r>
+              <a:rPr lang="en-US" altLang="zh-CN" sz="1600" dirty="0"/>
+              <a:t>SRP</a:t>
+            </a:r>
+            <a:r>
+              <a:rPr lang="zh-CN" altLang="en-US" sz="1600" dirty="0"/>
+              <a:t>等概念时</a:t>
+            </a:r>
+            <a:r>
+              <a:rPr lang="en-US" altLang="zh-CN" sz="1600" dirty="0"/>
+              <a:t>,</a:t>
+            </a:r>
+            <a:r>
+              <a:rPr lang="zh-CN" altLang="en-US" sz="1600" dirty="0"/>
+              <a:t>就会导致造出太多细小类和方法</a:t>
+            </a:r>
+            <a:r>
+              <a:rPr lang="en-US" altLang="zh-CN" sz="1600" dirty="0"/>
+              <a:t>,</a:t>
+            </a:r>
+            <a:r>
+              <a:rPr lang="zh-CN" altLang="en-US" sz="1600" dirty="0"/>
+              <a:t>但有可能是毫无</a:t>
+            </a:r>
+            <a:endParaRPr lang="en-US" altLang="zh-CN" sz="1600" dirty="0"/>
+          </a:p>
+          <a:p>
+            <a:r>
+              <a:rPr lang="en-US" altLang="zh-CN" sz="1600" dirty="0"/>
+              <a:t> </a:t>
+            </a:r>
+            <a:r>
+              <a:rPr lang="zh-CN" altLang="en-US" sz="1600" dirty="0"/>
+              <a:t>   意义的</a:t>
+            </a:r>
+            <a:r>
+              <a:rPr lang="en-US" altLang="zh-CN" sz="1600" dirty="0"/>
+              <a:t>,</a:t>
+            </a:r>
+            <a:r>
+              <a:rPr lang="zh-CN" altLang="en-US" sz="1600" dirty="0"/>
+              <a:t>所以要保持函数和类的数量最少。但更重要的是测试，消除重复和表达力</a:t>
+            </a:r>
+            <a:endParaRPr lang="zh-CN" altLang="en-US" dirty="0"/>
           </a:p>
         </p:txBody>
       </p:sp>
@@ -15462,14 +19160,832 @@
       </p:grpSpPr>
       <p:sp>
         <p:nvSpPr>
-          <p:cNvPr id="4" name="文本框 3"/>
+          <p:cNvPr id="8" name="矩形 7"/>
+          <p:cNvSpPr/>
+          <p:nvPr/>
+        </p:nvSpPr>
+        <p:spPr>
+          <a:xfrm>
+            <a:off x="0" y="182248"/>
+            <a:ext cx="1005840" cy="657885"/>
+          </a:xfrm>
+          <a:prstGeom prst="rect">
+            <a:avLst/>
+          </a:prstGeom>
+          <a:solidFill>
+            <a:srgbClr val="4ACBD6"/>
+          </a:solidFill>
+          <a:ln>
+            <a:noFill/>
+          </a:ln>
+          <a:effectLst/>
+        </p:spPr>
+        <p:style>
+          <a:lnRef idx="1">
+            <a:schemeClr val="accent1"/>
+          </a:lnRef>
+          <a:fillRef idx="3">
+            <a:schemeClr val="accent1"/>
+          </a:fillRef>
+          <a:effectRef idx="2">
+            <a:schemeClr val="accent1"/>
+          </a:effectRef>
+          <a:fontRef idx="minor">
+            <a:schemeClr val="lt1"/>
+          </a:fontRef>
+        </p:style>
+        <p:txBody>
+          <a:bodyPr rtlCol="0" anchor="ctr"/>
+          <a:lstStyle>
+            <a:defPPr>
+              <a:defRPr lang="en-US"/>
+            </a:defPPr>
+            <a:lvl1pPr marL="0" algn="l" defTabSz="457200" rtl="0" eaLnBrk="1" latinLnBrk="0" hangingPunct="1">
+              <a:defRPr sz="1800" kern="1200">
+                <a:solidFill>
+                  <a:schemeClr val="lt1"/>
+                </a:solidFill>
+                <a:latin typeface="+mn-lt"/>
+                <a:ea typeface="+mn-ea"/>
+                <a:cs typeface="+mn-cs"/>
+              </a:defRPr>
+            </a:lvl1pPr>
+            <a:lvl2pPr marL="457200" algn="l" defTabSz="457200" rtl="0" eaLnBrk="1" latinLnBrk="0" hangingPunct="1">
+              <a:defRPr sz="1800" kern="1200">
+                <a:solidFill>
+                  <a:schemeClr val="lt1"/>
+                </a:solidFill>
+                <a:latin typeface="+mn-lt"/>
+                <a:ea typeface="+mn-ea"/>
+                <a:cs typeface="+mn-cs"/>
+              </a:defRPr>
+            </a:lvl2pPr>
+            <a:lvl3pPr marL="914400" algn="l" defTabSz="457200" rtl="0" eaLnBrk="1" latinLnBrk="0" hangingPunct="1">
+              <a:defRPr sz="1800" kern="1200">
+                <a:solidFill>
+                  <a:schemeClr val="lt1"/>
+                </a:solidFill>
+                <a:latin typeface="+mn-lt"/>
+                <a:ea typeface="+mn-ea"/>
+                <a:cs typeface="+mn-cs"/>
+              </a:defRPr>
+            </a:lvl3pPr>
+            <a:lvl4pPr marL="1371600" algn="l" defTabSz="457200" rtl="0" eaLnBrk="1" latinLnBrk="0" hangingPunct="1">
+              <a:defRPr sz="1800" kern="1200">
+                <a:solidFill>
+                  <a:schemeClr val="lt1"/>
+                </a:solidFill>
+                <a:latin typeface="+mn-lt"/>
+                <a:ea typeface="+mn-ea"/>
+                <a:cs typeface="+mn-cs"/>
+              </a:defRPr>
+            </a:lvl4pPr>
+            <a:lvl5pPr marL="1828800" algn="l" defTabSz="457200" rtl="0" eaLnBrk="1" latinLnBrk="0" hangingPunct="1">
+              <a:defRPr sz="1800" kern="1200">
+                <a:solidFill>
+                  <a:schemeClr val="lt1"/>
+                </a:solidFill>
+                <a:latin typeface="+mn-lt"/>
+                <a:ea typeface="+mn-ea"/>
+                <a:cs typeface="+mn-cs"/>
+              </a:defRPr>
+            </a:lvl5pPr>
+            <a:lvl6pPr marL="2286000" algn="l" defTabSz="457200" rtl="0" eaLnBrk="1" latinLnBrk="0" hangingPunct="1">
+              <a:defRPr sz="1800" kern="1200">
+                <a:solidFill>
+                  <a:schemeClr val="lt1"/>
+                </a:solidFill>
+                <a:latin typeface="+mn-lt"/>
+                <a:ea typeface="+mn-ea"/>
+                <a:cs typeface="+mn-cs"/>
+              </a:defRPr>
+            </a:lvl6pPr>
+            <a:lvl7pPr marL="2743200" algn="l" defTabSz="457200" rtl="0" eaLnBrk="1" latinLnBrk="0" hangingPunct="1">
+              <a:defRPr sz="1800" kern="1200">
+                <a:solidFill>
+                  <a:schemeClr val="lt1"/>
+                </a:solidFill>
+                <a:latin typeface="+mn-lt"/>
+                <a:ea typeface="+mn-ea"/>
+                <a:cs typeface="+mn-cs"/>
+              </a:defRPr>
+            </a:lvl7pPr>
+            <a:lvl8pPr marL="3200400" algn="l" defTabSz="457200" rtl="0" eaLnBrk="1" latinLnBrk="0" hangingPunct="1">
+              <a:defRPr sz="1800" kern="1200">
+                <a:solidFill>
+                  <a:schemeClr val="lt1"/>
+                </a:solidFill>
+                <a:latin typeface="+mn-lt"/>
+                <a:ea typeface="+mn-ea"/>
+                <a:cs typeface="+mn-cs"/>
+              </a:defRPr>
+            </a:lvl8pPr>
+            <a:lvl9pPr marL="3657600" algn="l" defTabSz="457200" rtl="0" eaLnBrk="1" latinLnBrk="0" hangingPunct="1">
+              <a:defRPr sz="1800" kern="1200">
+                <a:solidFill>
+                  <a:schemeClr val="lt1"/>
+                </a:solidFill>
+                <a:latin typeface="+mn-lt"/>
+                <a:ea typeface="+mn-ea"/>
+                <a:cs typeface="+mn-cs"/>
+              </a:defRPr>
+            </a:lvl9pPr>
+          </a:lstStyle>
+          <a:p>
+            <a:pPr algn="ctr" defTabSz="457189"/>
+            <a:endParaRPr lang="zh-CN" altLang="en-US">
+              <a:solidFill>
+                <a:prstClr val="white"/>
+              </a:solidFill>
+              <a:latin typeface="等线" panose="020F0502020204030204"/>
+              <a:ea typeface="等线" panose="02010600030101010101" pitchFamily="2" charset="-122"/>
+            </a:endParaRPr>
+          </a:p>
+        </p:txBody>
+      </p:sp>
+      <p:sp>
+        <p:nvSpPr>
+          <p:cNvPr id="4" name="灯片编号占位符 3"/>
+          <p:cNvSpPr>
+            <a:spLocks noGrp="1"/>
+          </p:cNvSpPr>
+          <p:nvPr>
+            <p:ph type="sldNum" sz="quarter" idx="16"/>
+          </p:nvPr>
+        </p:nvSpPr>
+        <p:spPr/>
+        <p:txBody>
+          <a:bodyPr/>
+          <a:lstStyle/>
+          <a:p>
+            <a:pPr defTabSz="914377"/>
+            <a:fld id="{4B9E97A7-14A0-4DB7-98A3-0C8F6502D3B1}" type="slidenum">
+              <a:rPr lang="zh-CN" altLang="en-US" smtClean="0">
+                <a:solidFill>
+                  <a:prstClr val="black">
+                    <a:tint val="75000"/>
+                  </a:prstClr>
+                </a:solidFill>
+              </a:rPr>
+              <a:pPr defTabSz="914377"/>
+              <a:t>27</a:t>
+            </a:fld>
+            <a:endParaRPr lang="zh-CN" altLang="en-US">
+              <a:solidFill>
+                <a:prstClr val="black">
+                  <a:tint val="75000"/>
+                </a:prstClr>
+              </a:solidFill>
+            </a:endParaRPr>
+          </a:p>
+        </p:txBody>
+      </p:sp>
+      <p:sp>
+        <p:nvSpPr>
+          <p:cNvPr id="33" name="矩形 32"/>
+          <p:cNvSpPr/>
+          <p:nvPr/>
+        </p:nvSpPr>
+        <p:spPr>
+          <a:xfrm>
+            <a:off x="4252157" y="2064961"/>
+            <a:ext cx="3438304" cy="410369"/>
+          </a:xfrm>
+          <a:prstGeom prst="rect">
+            <a:avLst/>
+          </a:prstGeom>
+          <a:solidFill>
+            <a:schemeClr val="accent6">
+              <a:lumMod val="20000"/>
+              <a:lumOff val="80000"/>
+            </a:schemeClr>
+          </a:solidFill>
+          <a:ln>
+            <a:noFill/>
+          </a:ln>
+          <a:effectLst>
+            <a:outerShdw blurRad="25400" sx="102000" sy="102000" algn="ctr" rotWithShape="0">
+              <a:prstClr val="black">
+                <a:alpha val="12000"/>
+              </a:prstClr>
+            </a:outerShdw>
+          </a:effectLst>
+        </p:spPr>
+        <p:style>
+          <a:lnRef idx="2">
+            <a:schemeClr val="accent1">
+              <a:shade val="50000"/>
+            </a:schemeClr>
+          </a:lnRef>
+          <a:fillRef idx="1">
+            <a:schemeClr val="accent1"/>
+          </a:fillRef>
+          <a:effectRef idx="0">
+            <a:schemeClr val="accent1"/>
+          </a:effectRef>
+          <a:fontRef idx="minor">
+            <a:schemeClr val="lt1"/>
+          </a:fontRef>
+        </p:style>
+        <p:txBody>
+          <a:bodyPr rtlCol="0" anchor="ctr"/>
+          <a:lstStyle/>
+          <a:p>
+            <a:pPr algn="ctr"/>
+            <a:endParaRPr lang="zh-CN" altLang="en-US" sz="1467">
+              <a:latin typeface="微软雅黑" panose="020B0503020204020204" pitchFamily="34" charset="-122"/>
+              <a:ea typeface="微软雅黑" panose="020B0503020204020204" pitchFamily="34" charset="-122"/>
+            </a:endParaRPr>
+          </a:p>
+        </p:txBody>
+      </p:sp>
+      <p:sp>
+        <p:nvSpPr>
+          <p:cNvPr id="34" name="矩形 33"/>
+          <p:cNvSpPr/>
+          <p:nvPr/>
+        </p:nvSpPr>
+        <p:spPr>
+          <a:xfrm>
+            <a:off x="4268169" y="2763197"/>
+            <a:ext cx="3438304" cy="410369"/>
+          </a:xfrm>
+          <a:prstGeom prst="rect">
+            <a:avLst/>
+          </a:prstGeom>
+          <a:solidFill>
+            <a:schemeClr val="accent6">
+              <a:lumMod val="20000"/>
+              <a:lumOff val="80000"/>
+            </a:schemeClr>
+          </a:solidFill>
+          <a:ln>
+            <a:noFill/>
+          </a:ln>
+          <a:effectLst>
+            <a:outerShdw blurRad="25400" sx="102000" sy="102000" algn="ctr" rotWithShape="0">
+              <a:prstClr val="black">
+                <a:alpha val="12000"/>
+              </a:prstClr>
+            </a:outerShdw>
+          </a:effectLst>
+        </p:spPr>
+        <p:style>
+          <a:lnRef idx="2">
+            <a:schemeClr val="accent1">
+              <a:shade val="50000"/>
+            </a:schemeClr>
+          </a:lnRef>
+          <a:fillRef idx="1">
+            <a:schemeClr val="accent1"/>
+          </a:fillRef>
+          <a:effectRef idx="0">
+            <a:schemeClr val="accent1"/>
+          </a:effectRef>
+          <a:fontRef idx="minor">
+            <a:schemeClr val="lt1"/>
+          </a:fontRef>
+        </p:style>
+        <p:txBody>
+          <a:bodyPr rtlCol="0" anchor="ctr"/>
+          <a:lstStyle/>
+          <a:p>
+            <a:pPr algn="ctr"/>
+            <a:endParaRPr lang="zh-CN" altLang="en-US" sz="1467" dirty="0">
+              <a:latin typeface="微软雅黑" panose="020B0503020204020204" pitchFamily="34" charset="-122"/>
+              <a:ea typeface="微软雅黑" panose="020B0503020204020204" pitchFamily="34" charset="-122"/>
+            </a:endParaRPr>
+          </a:p>
+        </p:txBody>
+      </p:sp>
+      <p:sp>
+        <p:nvSpPr>
+          <p:cNvPr id="35" name="矩形 34"/>
+          <p:cNvSpPr/>
+          <p:nvPr/>
+        </p:nvSpPr>
+        <p:spPr>
+          <a:xfrm>
+            <a:off x="4252157" y="3434101"/>
+            <a:ext cx="3438304" cy="410369"/>
+          </a:xfrm>
+          <a:prstGeom prst="rect">
+            <a:avLst/>
+          </a:prstGeom>
+          <a:solidFill>
+            <a:srgbClr val="E2F0D9"/>
+          </a:solidFill>
+          <a:ln>
+            <a:noFill/>
+          </a:ln>
+          <a:effectLst>
+            <a:outerShdw blurRad="25400" sx="102000" sy="102000" algn="ctr" rotWithShape="0">
+              <a:prstClr val="black">
+                <a:alpha val="12000"/>
+              </a:prstClr>
+            </a:outerShdw>
+          </a:effectLst>
+        </p:spPr>
+        <p:style>
+          <a:lnRef idx="2">
+            <a:schemeClr val="accent1">
+              <a:shade val="50000"/>
+            </a:schemeClr>
+          </a:lnRef>
+          <a:fillRef idx="1">
+            <a:schemeClr val="accent1"/>
+          </a:fillRef>
+          <a:effectRef idx="0">
+            <a:schemeClr val="accent1"/>
+          </a:effectRef>
+          <a:fontRef idx="minor">
+            <a:schemeClr val="lt1"/>
+          </a:fontRef>
+        </p:style>
+        <p:txBody>
+          <a:bodyPr rtlCol="0" anchor="ctr"/>
+          <a:lstStyle/>
+          <a:p>
+            <a:pPr algn="ctr"/>
+            <a:endParaRPr lang="zh-CN" altLang="en-US" sz="1467">
+              <a:solidFill>
+                <a:srgbClr val="FFFFFF"/>
+              </a:solidFill>
+              <a:latin typeface="微软雅黑" panose="020B0503020204020204" pitchFamily="34" charset="-122"/>
+              <a:ea typeface="微软雅黑" panose="020B0503020204020204" pitchFamily="34" charset="-122"/>
+            </a:endParaRPr>
+          </a:p>
+        </p:txBody>
+      </p:sp>
+      <p:sp>
+        <p:nvSpPr>
+          <p:cNvPr id="43" name="矩形 42"/>
+          <p:cNvSpPr/>
+          <p:nvPr/>
+        </p:nvSpPr>
+        <p:spPr>
+          <a:xfrm>
+            <a:off x="4429035" y="2098827"/>
+            <a:ext cx="300082" cy="318100"/>
+          </a:xfrm>
+          <a:prstGeom prst="rect">
+            <a:avLst/>
+          </a:prstGeom>
+          <a:noFill/>
+          <a:effectLst>
+            <a:outerShdw blurRad="63500" sx="102000" sy="102000" algn="ctr" rotWithShape="0">
+              <a:prstClr val="black">
+                <a:alpha val="40000"/>
+              </a:prstClr>
+            </a:outerShdw>
+          </a:effectLst>
+        </p:spPr>
+        <p:txBody>
+          <a:bodyPr wrap="none">
+            <a:spAutoFit/>
+          </a:bodyPr>
+          <a:lstStyle/>
+          <a:p>
+            <a:r>
+              <a:rPr lang="en-US" altLang="zh-CN" sz="1467" b="1" dirty="0">
+                <a:solidFill>
+                  <a:schemeClr val="tx1">
+                    <a:lumMod val="65000"/>
+                    <a:lumOff val="35000"/>
+                  </a:schemeClr>
+                </a:solidFill>
+                <a:latin typeface="微软雅黑" panose="020B0503020204020204" pitchFamily="34" charset="-122"/>
+                <a:ea typeface="微软雅黑" panose="020B0503020204020204" pitchFamily="34" charset="-122"/>
+              </a:rPr>
+              <a:t>1</a:t>
+            </a:r>
+          </a:p>
+        </p:txBody>
+      </p:sp>
+      <p:sp>
+        <p:nvSpPr>
+          <p:cNvPr id="44" name="矩形 43"/>
+          <p:cNvSpPr/>
+          <p:nvPr/>
+        </p:nvSpPr>
+        <p:spPr>
+          <a:xfrm>
+            <a:off x="5474645" y="2112840"/>
+            <a:ext cx="372218" cy="318100"/>
+          </a:xfrm>
+          <a:prstGeom prst="rect">
+            <a:avLst/>
+          </a:prstGeom>
+          <a:noFill/>
+          <a:effectLst>
+            <a:outerShdw blurRad="63500" sx="102000" sy="102000" algn="ctr" rotWithShape="0">
+              <a:prstClr val="black">
+                <a:alpha val="40000"/>
+              </a:prstClr>
+            </a:outerShdw>
+          </a:effectLst>
+        </p:spPr>
+        <p:txBody>
+          <a:bodyPr wrap="none">
+            <a:spAutoFit/>
+          </a:bodyPr>
+          <a:lstStyle/>
+          <a:p>
+            <a:r>
+              <a:rPr lang="zh-CN" altLang="en-US" sz="1467" b="1" dirty="0">
+                <a:solidFill>
+                  <a:schemeClr val="tx1">
+                    <a:lumMod val="65000"/>
+                    <a:lumOff val="35000"/>
+                  </a:schemeClr>
+                </a:solidFill>
+                <a:latin typeface="微软雅黑" panose="020B0503020204020204" pitchFamily="34" charset="-122"/>
+                <a:ea typeface="微软雅黑" panose="020B0503020204020204" pitchFamily="34" charset="-122"/>
+              </a:rPr>
+              <a:t>类</a:t>
+            </a:r>
+            <a:endParaRPr lang="en-US" altLang="zh-CN" sz="1467" b="1" dirty="0">
+              <a:solidFill>
+                <a:schemeClr val="tx1">
+                  <a:lumMod val="65000"/>
+                  <a:lumOff val="35000"/>
+                </a:schemeClr>
+              </a:solidFill>
+              <a:latin typeface="微软雅黑" panose="020B0503020204020204" pitchFamily="34" charset="-122"/>
+              <a:ea typeface="微软雅黑" panose="020B0503020204020204" pitchFamily="34" charset="-122"/>
+            </a:endParaRPr>
+          </a:p>
+        </p:txBody>
+      </p:sp>
+      <p:sp>
+        <p:nvSpPr>
+          <p:cNvPr id="45" name="矩形 44"/>
+          <p:cNvSpPr/>
+          <p:nvPr/>
+        </p:nvSpPr>
+        <p:spPr>
+          <a:xfrm>
+            <a:off x="4429035" y="2797063"/>
+            <a:ext cx="300082" cy="318100"/>
+          </a:xfrm>
+          <a:prstGeom prst="rect">
+            <a:avLst/>
+          </a:prstGeom>
+          <a:noFill/>
+          <a:effectLst>
+            <a:outerShdw blurRad="63500" sx="102000" sy="102000" algn="ctr" rotWithShape="0">
+              <a:prstClr val="black">
+                <a:alpha val="40000"/>
+              </a:prstClr>
+            </a:outerShdw>
+          </a:effectLst>
+        </p:spPr>
+        <p:txBody>
+          <a:bodyPr wrap="none">
+            <a:spAutoFit/>
+          </a:bodyPr>
+          <a:lstStyle/>
+          <a:p>
+            <a:r>
+              <a:rPr lang="en-US" altLang="zh-CN" sz="1467" b="1" dirty="0">
+                <a:solidFill>
+                  <a:schemeClr val="tx1">
+                    <a:lumMod val="65000"/>
+                    <a:lumOff val="35000"/>
+                  </a:schemeClr>
+                </a:solidFill>
+                <a:latin typeface="微软雅黑" panose="020B0503020204020204" pitchFamily="34" charset="-122"/>
+                <a:ea typeface="微软雅黑" panose="020B0503020204020204" pitchFamily="34" charset="-122"/>
+              </a:rPr>
+              <a:t>2</a:t>
+            </a:r>
+          </a:p>
+        </p:txBody>
+      </p:sp>
+      <p:sp>
+        <p:nvSpPr>
+          <p:cNvPr id="46" name="矩形 45"/>
+          <p:cNvSpPr/>
+          <p:nvPr/>
+        </p:nvSpPr>
+        <p:spPr>
+          <a:xfrm>
+            <a:off x="5474644" y="2797063"/>
+            <a:ext cx="559769" cy="318100"/>
+          </a:xfrm>
+          <a:prstGeom prst="rect">
+            <a:avLst/>
+          </a:prstGeom>
+          <a:noFill/>
+          <a:effectLst>
+            <a:outerShdw blurRad="63500" sx="102000" sy="102000" algn="ctr" rotWithShape="0">
+              <a:prstClr val="black">
+                <a:alpha val="40000"/>
+              </a:prstClr>
+            </a:outerShdw>
+          </a:effectLst>
+        </p:spPr>
+        <p:txBody>
+          <a:bodyPr wrap="none">
+            <a:spAutoFit/>
+          </a:bodyPr>
+          <a:lstStyle/>
+          <a:p>
+            <a:r>
+              <a:rPr lang="zh-CN" altLang="en-US" sz="1467" b="1" dirty="0">
+                <a:solidFill>
+                  <a:schemeClr val="tx1">
+                    <a:lumMod val="65000"/>
+                    <a:lumOff val="35000"/>
+                  </a:schemeClr>
+                </a:solidFill>
+                <a:latin typeface="微软雅黑" panose="020B0503020204020204" pitchFamily="34" charset="-122"/>
+                <a:ea typeface="微软雅黑" panose="020B0503020204020204" pitchFamily="34" charset="-122"/>
+              </a:rPr>
+              <a:t>系统</a:t>
+            </a:r>
+            <a:endParaRPr lang="en-US" altLang="zh-CN" sz="1467" b="1" dirty="0">
+              <a:solidFill>
+                <a:schemeClr val="tx1">
+                  <a:lumMod val="65000"/>
+                  <a:lumOff val="35000"/>
+                </a:schemeClr>
+              </a:solidFill>
+              <a:latin typeface="微软雅黑" panose="020B0503020204020204" pitchFamily="34" charset="-122"/>
+              <a:ea typeface="微软雅黑" panose="020B0503020204020204" pitchFamily="34" charset="-122"/>
+            </a:endParaRPr>
+          </a:p>
+        </p:txBody>
+      </p:sp>
+      <p:sp>
+        <p:nvSpPr>
+          <p:cNvPr id="47" name="矩形 46"/>
+          <p:cNvSpPr/>
+          <p:nvPr/>
+        </p:nvSpPr>
+        <p:spPr>
+          <a:xfrm>
+            <a:off x="4413023" y="3467967"/>
+            <a:ext cx="300082" cy="318100"/>
+          </a:xfrm>
+          <a:prstGeom prst="rect">
+            <a:avLst/>
+          </a:prstGeom>
+          <a:noFill/>
+          <a:effectLst>
+            <a:outerShdw blurRad="63500" sx="102000" sy="102000" algn="ctr" rotWithShape="0">
+              <a:prstClr val="black">
+                <a:alpha val="40000"/>
+              </a:prstClr>
+            </a:outerShdw>
+          </a:effectLst>
+        </p:spPr>
+        <p:txBody>
+          <a:bodyPr wrap="none">
+            <a:spAutoFit/>
+          </a:bodyPr>
+          <a:lstStyle/>
+          <a:p>
+            <a:r>
+              <a:rPr lang="en-US" altLang="zh-CN" sz="1467" b="1" dirty="0">
+                <a:solidFill>
+                  <a:schemeClr val="tx1">
+                    <a:lumMod val="65000"/>
+                    <a:lumOff val="35000"/>
+                  </a:schemeClr>
+                </a:solidFill>
+                <a:latin typeface="微软雅黑" panose="020B0503020204020204" pitchFamily="34" charset="-122"/>
+                <a:ea typeface="微软雅黑" panose="020B0503020204020204" pitchFamily="34" charset="-122"/>
+              </a:rPr>
+              <a:t>3</a:t>
+            </a:r>
+          </a:p>
+        </p:txBody>
+      </p:sp>
+      <p:sp>
+        <p:nvSpPr>
+          <p:cNvPr id="48" name="矩形 47"/>
+          <p:cNvSpPr/>
+          <p:nvPr/>
+        </p:nvSpPr>
+        <p:spPr>
+          <a:xfrm>
+            <a:off x="5474645" y="3457264"/>
+            <a:ext cx="559769" cy="318100"/>
+          </a:xfrm>
+          <a:prstGeom prst="rect">
+            <a:avLst/>
+          </a:prstGeom>
+          <a:noFill/>
+          <a:effectLst>
+            <a:outerShdw blurRad="63500" sx="102000" sy="102000" algn="ctr" rotWithShape="0">
+              <a:prstClr val="black">
+                <a:alpha val="40000"/>
+              </a:prstClr>
+            </a:outerShdw>
+          </a:effectLst>
+        </p:spPr>
+        <p:txBody>
+          <a:bodyPr wrap="none">
+            <a:spAutoFit/>
+          </a:bodyPr>
+          <a:lstStyle/>
+          <a:p>
+            <a:r>
+              <a:rPr lang="zh-CN" altLang="en-US" sz="1467" b="1" dirty="0">
+                <a:solidFill>
+                  <a:schemeClr val="tx1">
+                    <a:lumMod val="65000"/>
+                    <a:lumOff val="35000"/>
+                  </a:schemeClr>
+                </a:solidFill>
+                <a:latin typeface="微软雅黑" panose="020B0503020204020204" pitchFamily="34" charset="-122"/>
+                <a:ea typeface="微软雅黑" panose="020B0503020204020204" pitchFamily="34" charset="-122"/>
+              </a:rPr>
+              <a:t>迭进</a:t>
+            </a:r>
+            <a:endParaRPr lang="en-US" altLang="zh-CN" sz="1467" b="1" dirty="0">
+              <a:solidFill>
+                <a:schemeClr val="tx1">
+                  <a:lumMod val="65000"/>
+                  <a:lumOff val="35000"/>
+                </a:schemeClr>
+              </a:solidFill>
+              <a:latin typeface="微软雅黑" panose="020B0503020204020204" pitchFamily="34" charset="-122"/>
+              <a:ea typeface="微软雅黑" panose="020B0503020204020204" pitchFamily="34" charset="-122"/>
+            </a:endParaRPr>
+          </a:p>
+        </p:txBody>
+      </p:sp>
+      <p:sp>
+        <p:nvSpPr>
+          <p:cNvPr id="32" name="矩形 31"/>
+          <p:cNvSpPr/>
+          <p:nvPr/>
+        </p:nvSpPr>
+        <p:spPr>
+          <a:xfrm>
+            <a:off x="4252157" y="4096538"/>
+            <a:ext cx="3438304" cy="410369"/>
+          </a:xfrm>
+          <a:prstGeom prst="rect">
+            <a:avLst/>
+          </a:prstGeom>
+          <a:solidFill>
+            <a:srgbClr val="A9D18E"/>
+          </a:solidFill>
+          <a:ln>
+            <a:noFill/>
+          </a:ln>
+          <a:effectLst>
+            <a:outerShdw blurRad="25400" sx="102000" sy="102000" algn="ctr" rotWithShape="0">
+              <a:prstClr val="black">
+                <a:alpha val="12000"/>
+              </a:prstClr>
+            </a:outerShdw>
+          </a:effectLst>
+        </p:spPr>
+        <p:style>
+          <a:lnRef idx="2">
+            <a:schemeClr val="accent1">
+              <a:shade val="50000"/>
+            </a:schemeClr>
+          </a:lnRef>
+          <a:fillRef idx="1">
+            <a:schemeClr val="accent1"/>
+          </a:fillRef>
+          <a:effectRef idx="0">
+            <a:schemeClr val="accent1"/>
+          </a:effectRef>
+          <a:fontRef idx="minor">
+            <a:schemeClr val="lt1"/>
+          </a:fontRef>
+        </p:style>
+        <p:txBody>
+          <a:bodyPr rtlCol="0" anchor="ctr"/>
+          <a:lstStyle/>
+          <a:p>
+            <a:pPr algn="ctr"/>
+            <a:endParaRPr lang="zh-CN" altLang="en-US" sz="1467">
+              <a:solidFill>
+                <a:srgbClr val="A9D18E"/>
+              </a:solidFill>
+              <a:latin typeface="微软雅黑" panose="020B0503020204020204" pitchFamily="34" charset="-122"/>
+              <a:ea typeface="微软雅黑" panose="020B0503020204020204" pitchFamily="34" charset="-122"/>
+            </a:endParaRPr>
+          </a:p>
+        </p:txBody>
+      </p:sp>
+      <p:sp>
+        <p:nvSpPr>
+          <p:cNvPr id="60" name="矩形 59"/>
+          <p:cNvSpPr/>
+          <p:nvPr/>
+        </p:nvSpPr>
+        <p:spPr>
+          <a:xfrm>
+            <a:off x="4413023" y="4130404"/>
+            <a:ext cx="300082" cy="318100"/>
+          </a:xfrm>
+          <a:prstGeom prst="rect">
+            <a:avLst/>
+          </a:prstGeom>
+          <a:noFill/>
+          <a:effectLst>
+            <a:outerShdw blurRad="63500" sx="102000" sy="102000" algn="ctr" rotWithShape="0">
+              <a:prstClr val="black">
+                <a:alpha val="40000"/>
+              </a:prstClr>
+            </a:outerShdw>
+          </a:effectLst>
+        </p:spPr>
+        <p:txBody>
+          <a:bodyPr wrap="none">
+            <a:spAutoFit/>
+          </a:bodyPr>
+          <a:lstStyle/>
+          <a:p>
+            <a:r>
+              <a:rPr lang="en-US" altLang="zh-CN" sz="1467" b="1" dirty="0">
+                <a:solidFill>
+                  <a:schemeClr val="tx1">
+                    <a:lumMod val="65000"/>
+                    <a:lumOff val="35000"/>
+                  </a:schemeClr>
+                </a:solidFill>
+                <a:latin typeface="微软雅黑" panose="020B0503020204020204" pitchFamily="34" charset="-122"/>
+                <a:ea typeface="微软雅黑" panose="020B0503020204020204" pitchFamily="34" charset="-122"/>
+              </a:rPr>
+              <a:t>4</a:t>
+            </a:r>
+          </a:p>
+        </p:txBody>
+      </p:sp>
+      <p:sp>
+        <p:nvSpPr>
+          <p:cNvPr id="20" name="矩形 19"/>
+          <p:cNvSpPr/>
+          <p:nvPr/>
+        </p:nvSpPr>
+        <p:spPr>
+          <a:xfrm>
+            <a:off x="5472027" y="4127315"/>
+            <a:ext cx="559769" cy="318100"/>
+          </a:xfrm>
+          <a:prstGeom prst="rect">
+            <a:avLst/>
+          </a:prstGeom>
+          <a:noFill/>
+          <a:effectLst>
+            <a:outerShdw blurRad="63500" sx="102000" sy="102000" algn="ctr" rotWithShape="0">
+              <a:prstClr val="black">
+                <a:alpha val="40000"/>
+              </a:prstClr>
+            </a:outerShdw>
+          </a:effectLst>
+        </p:spPr>
+        <p:txBody>
+          <a:bodyPr wrap="none">
+            <a:spAutoFit/>
+          </a:bodyPr>
+          <a:lstStyle/>
+          <a:p>
+            <a:r>
+              <a:rPr lang="zh-CN" altLang="en-US" sz="1467" b="1" dirty="0">
+                <a:solidFill>
+                  <a:schemeClr val="tx1">
+                    <a:lumMod val="65000"/>
+                    <a:lumOff val="35000"/>
+                  </a:schemeClr>
+                </a:solidFill>
+                <a:latin typeface="微软雅黑" panose="020B0503020204020204" pitchFamily="34" charset="-122"/>
+                <a:ea typeface="微软雅黑" panose="020B0503020204020204" pitchFamily="34" charset="-122"/>
+              </a:rPr>
+              <a:t>总结</a:t>
+            </a:r>
+            <a:endParaRPr lang="en-US" altLang="zh-CN" sz="1467" b="1" dirty="0">
+              <a:solidFill>
+                <a:schemeClr val="tx1">
+                  <a:lumMod val="65000"/>
+                  <a:lumOff val="35000"/>
+                </a:schemeClr>
+              </a:solidFill>
+              <a:latin typeface="微软雅黑" panose="020B0503020204020204" pitchFamily="34" charset="-122"/>
+              <a:ea typeface="微软雅黑" panose="020B0503020204020204" pitchFamily="34" charset="-122"/>
+            </a:endParaRPr>
+          </a:p>
+        </p:txBody>
+      </p:sp>
+      <p:sp>
+        <p:nvSpPr>
+          <p:cNvPr id="18" name="文本框 17"/>
           <p:cNvSpPr txBox="1"/>
           <p:nvPr/>
         </p:nvSpPr>
         <p:spPr>
           <a:xfrm>
-            <a:off x="1005840" y="1362162"/>
-            <a:ext cx="8037778" cy="369332"/>
+            <a:off x="1112289" y="280357"/>
+            <a:ext cx="800219" cy="461665"/>
           </a:xfrm>
           <a:prstGeom prst="rect">
             <a:avLst/>
@@ -15483,329 +19999,15 @@
           <a:lstStyle/>
           <a:p>
             <a:r>
-              <a:rPr lang="en-US" altLang="zh-CN" dirty="0"/>
-              <a:t>2. </a:t>
-            </a:r>
-            <a:r>
-              <a:rPr lang="zh-CN" altLang="en-US" dirty="0"/>
-              <a:t>状态处理更加内聚，不需要依赖外部数据，从而把检测逻辑也封装在对象中</a:t>
-            </a:r>
-          </a:p>
-        </p:txBody>
-      </p:sp>
-      <p:grpSp>
-        <p:nvGrpSpPr>
-          <p:cNvPr id="5" name="组合 4"/>
-          <p:cNvGrpSpPr/>
-          <p:nvPr/>
-        </p:nvGrpSpPr>
-        <p:grpSpPr>
-          <a:xfrm>
-            <a:off x="0" y="182248"/>
-            <a:ext cx="1912508" cy="657885"/>
-            <a:chOff x="0" y="182248"/>
-            <a:chExt cx="1912508" cy="657885"/>
-          </a:xfrm>
-        </p:grpSpPr>
-        <p:sp>
-          <p:nvSpPr>
-            <p:cNvPr id="6" name="矩形 5"/>
-            <p:cNvSpPr/>
-            <p:nvPr/>
-          </p:nvSpPr>
-          <p:spPr>
-            <a:xfrm>
-              <a:off x="0" y="182248"/>
-              <a:ext cx="1005840" cy="657885"/>
-            </a:xfrm>
-            <a:prstGeom prst="rect">
-              <a:avLst/>
-            </a:prstGeom>
-            <a:solidFill>
-              <a:srgbClr val="4ACBD6"/>
-            </a:solidFill>
-            <a:ln>
-              <a:noFill/>
-            </a:ln>
-            <a:effectLst/>
-          </p:spPr>
-          <p:style>
-            <a:lnRef idx="1">
-              <a:schemeClr val="accent1"/>
-            </a:lnRef>
-            <a:fillRef idx="3">
-              <a:schemeClr val="accent1"/>
-            </a:fillRef>
-            <a:effectRef idx="2">
-              <a:schemeClr val="accent1"/>
-            </a:effectRef>
-            <a:fontRef idx="minor">
-              <a:schemeClr val="lt1"/>
-            </a:fontRef>
-          </p:style>
-          <p:txBody>
-            <a:bodyPr rtlCol="0" anchor="ctr"/>
-            <a:lstStyle>
-              <a:defPPr>
-                <a:defRPr lang="en-US"/>
-              </a:defPPr>
-              <a:lvl1pPr marL="0" algn="l" defTabSz="457200" rtl="0" eaLnBrk="1" latinLnBrk="0" hangingPunct="1">
-                <a:defRPr sz="1800" kern="1200">
-                  <a:solidFill>
-                    <a:schemeClr val="lt1"/>
-                  </a:solidFill>
-                  <a:latin typeface="+mn-lt"/>
-                  <a:ea typeface="+mn-ea"/>
-                  <a:cs typeface="+mn-cs"/>
-                </a:defRPr>
-              </a:lvl1pPr>
-              <a:lvl2pPr marL="457200" algn="l" defTabSz="457200" rtl="0" eaLnBrk="1" latinLnBrk="0" hangingPunct="1">
-                <a:defRPr sz="1800" kern="1200">
-                  <a:solidFill>
-                    <a:schemeClr val="lt1"/>
-                  </a:solidFill>
-                  <a:latin typeface="+mn-lt"/>
-                  <a:ea typeface="+mn-ea"/>
-                  <a:cs typeface="+mn-cs"/>
-                </a:defRPr>
-              </a:lvl2pPr>
-              <a:lvl3pPr marL="914400" algn="l" defTabSz="457200" rtl="0" eaLnBrk="1" latinLnBrk="0" hangingPunct="1">
-                <a:defRPr sz="1800" kern="1200">
-                  <a:solidFill>
-                    <a:schemeClr val="lt1"/>
-                  </a:solidFill>
-                  <a:latin typeface="+mn-lt"/>
-                  <a:ea typeface="+mn-ea"/>
-                  <a:cs typeface="+mn-cs"/>
-                </a:defRPr>
-              </a:lvl3pPr>
-              <a:lvl4pPr marL="1371600" algn="l" defTabSz="457200" rtl="0" eaLnBrk="1" latinLnBrk="0" hangingPunct="1">
-                <a:defRPr sz="1800" kern="1200">
-                  <a:solidFill>
-                    <a:schemeClr val="lt1"/>
-                  </a:solidFill>
-                  <a:latin typeface="+mn-lt"/>
-                  <a:ea typeface="+mn-ea"/>
-                  <a:cs typeface="+mn-cs"/>
-                </a:defRPr>
-              </a:lvl4pPr>
-              <a:lvl5pPr marL="1828800" algn="l" defTabSz="457200" rtl="0" eaLnBrk="1" latinLnBrk="0" hangingPunct="1">
-                <a:defRPr sz="1800" kern="1200">
-                  <a:solidFill>
-                    <a:schemeClr val="lt1"/>
-                  </a:solidFill>
-                  <a:latin typeface="+mn-lt"/>
-                  <a:ea typeface="+mn-ea"/>
-                  <a:cs typeface="+mn-cs"/>
-                </a:defRPr>
-              </a:lvl5pPr>
-              <a:lvl6pPr marL="2286000" algn="l" defTabSz="457200" rtl="0" eaLnBrk="1" latinLnBrk="0" hangingPunct="1">
-                <a:defRPr sz="1800" kern="1200">
-                  <a:solidFill>
-                    <a:schemeClr val="lt1"/>
-                  </a:solidFill>
-                  <a:latin typeface="+mn-lt"/>
-                  <a:ea typeface="+mn-ea"/>
-                  <a:cs typeface="+mn-cs"/>
-                </a:defRPr>
-              </a:lvl6pPr>
-              <a:lvl7pPr marL="2743200" algn="l" defTabSz="457200" rtl="0" eaLnBrk="1" latinLnBrk="0" hangingPunct="1">
-                <a:defRPr sz="1800" kern="1200">
-                  <a:solidFill>
-                    <a:schemeClr val="lt1"/>
-                  </a:solidFill>
-                  <a:latin typeface="+mn-lt"/>
-                  <a:ea typeface="+mn-ea"/>
-                  <a:cs typeface="+mn-cs"/>
-                </a:defRPr>
-              </a:lvl7pPr>
-              <a:lvl8pPr marL="3200400" algn="l" defTabSz="457200" rtl="0" eaLnBrk="1" latinLnBrk="0" hangingPunct="1">
-                <a:defRPr sz="1800" kern="1200">
-                  <a:solidFill>
-                    <a:schemeClr val="lt1"/>
-                  </a:solidFill>
-                  <a:latin typeface="+mn-lt"/>
-                  <a:ea typeface="+mn-ea"/>
-                  <a:cs typeface="+mn-cs"/>
-                </a:defRPr>
-              </a:lvl8pPr>
-              <a:lvl9pPr marL="3657600" algn="l" defTabSz="457200" rtl="0" eaLnBrk="1" latinLnBrk="0" hangingPunct="1">
-                <a:defRPr sz="1800" kern="1200">
-                  <a:solidFill>
-                    <a:schemeClr val="lt1"/>
-                  </a:solidFill>
-                  <a:latin typeface="+mn-lt"/>
-                  <a:ea typeface="+mn-ea"/>
-                  <a:cs typeface="+mn-cs"/>
-                </a:defRPr>
-              </a:lvl9pPr>
-            </a:lstStyle>
-            <a:p>
-              <a:pPr algn="ctr" defTabSz="457189"/>
-              <a:endParaRPr lang="zh-CN" altLang="en-US">
-                <a:solidFill>
-                  <a:prstClr val="white"/>
-                </a:solidFill>
-                <a:latin typeface="等线" panose="020F0502020204030204"/>
-                <a:ea typeface="等线" panose="02010600030101010101" pitchFamily="2" charset="-122"/>
-              </a:endParaRPr>
-            </a:p>
-          </p:txBody>
-        </p:sp>
-        <p:sp>
-          <p:nvSpPr>
-            <p:cNvPr id="7" name="文本框 6"/>
-            <p:cNvSpPr txBox="1"/>
-            <p:nvPr/>
-          </p:nvSpPr>
-          <p:spPr>
-            <a:xfrm>
-              <a:off x="1112289" y="280357"/>
-              <a:ext cx="800219" cy="461665"/>
-            </a:xfrm>
-            <a:prstGeom prst="rect">
-              <a:avLst/>
-            </a:prstGeom>
-            <a:noFill/>
-          </p:spPr>
-          <p:txBody>
-            <a:bodyPr wrap="none" rtlCol="0">
-              <a:spAutoFit/>
-            </a:bodyPr>
-            <a:lstStyle/>
-            <a:p>
-              <a:r>
-                <a:rPr lang="zh-CN" altLang="en-US" sz="2400" b="1" dirty="0">
-                  <a:solidFill>
-                    <a:srgbClr val="4ACBD6"/>
-                  </a:solidFill>
-                  <a:latin typeface="微软雅黑" panose="020B0503020204020204" pitchFamily="34" charset="-122"/>
-                  <a:ea typeface="微软雅黑" panose="020B0503020204020204" pitchFamily="34" charset="-122"/>
-                  <a:cs typeface="Arial"/>
-                </a:rPr>
-                <a:t>重构</a:t>
-              </a:r>
-            </a:p>
-          </p:txBody>
-        </p:sp>
-      </p:grpSp>
-      <p:pic>
-        <p:nvPicPr>
-          <p:cNvPr id="8" name="图片 7"/>
-          <p:cNvPicPr>
-            <a:picLocks noChangeAspect="1"/>
-          </p:cNvPicPr>
-          <p:nvPr/>
-        </p:nvPicPr>
-        <p:blipFill>
-          <a:blip r:embed="rId2"/>
-          <a:stretch>
-            <a:fillRect/>
-          </a:stretch>
-        </p:blipFill>
-        <p:spPr>
-          <a:xfrm>
-            <a:off x="1912508" y="4860769"/>
-            <a:ext cx="6076190" cy="1409524"/>
-          </a:xfrm>
-          <a:prstGeom prst="rect">
-            <a:avLst/>
-          </a:prstGeom>
-        </p:spPr>
-      </p:pic>
-      <p:pic>
-        <p:nvPicPr>
-          <p:cNvPr id="9" name="图片 8"/>
-          <p:cNvPicPr>
-            <a:picLocks noChangeAspect="1"/>
-          </p:cNvPicPr>
-          <p:nvPr/>
-        </p:nvPicPr>
-        <p:blipFill>
-          <a:blip r:embed="rId3"/>
-          <a:stretch>
-            <a:fillRect/>
-          </a:stretch>
-        </p:blipFill>
-        <p:spPr>
-          <a:xfrm>
-            <a:off x="1993947" y="2279900"/>
-            <a:ext cx="5152381" cy="1276190"/>
-          </a:xfrm>
-          <a:prstGeom prst="rect">
-            <a:avLst/>
-          </a:prstGeom>
-        </p:spPr>
-      </p:pic>
-      <p:cxnSp>
-        <p:nvCxnSpPr>
-          <p:cNvPr id="11" name="直接箭头连接符 10"/>
-          <p:cNvCxnSpPr/>
-          <p:nvPr/>
-        </p:nvCxnSpPr>
-        <p:spPr>
-          <a:xfrm>
-            <a:off x="4563208" y="3640015"/>
-            <a:ext cx="0" cy="949570"/>
-          </a:xfrm>
-          <a:prstGeom prst="straightConnector1">
-            <a:avLst/>
-          </a:prstGeom>
-          <a:ln w="28575">
-            <a:solidFill>
-              <a:schemeClr val="accent2"/>
-            </a:solidFill>
-            <a:tailEnd type="triangle"/>
-          </a:ln>
-        </p:spPr>
-        <p:style>
-          <a:lnRef idx="1">
-            <a:schemeClr val="accent1"/>
-          </a:lnRef>
-          <a:fillRef idx="0">
-            <a:schemeClr val="accent1"/>
-          </a:fillRef>
-          <a:effectRef idx="0">
-            <a:schemeClr val="accent1"/>
-          </a:effectRef>
-          <a:fontRef idx="minor">
-            <a:schemeClr val="tx1"/>
-          </a:fontRef>
-        </p:style>
-      </p:cxnSp>
-      <p:sp>
-        <p:nvSpPr>
-          <p:cNvPr id="12" name="文本框 11"/>
-          <p:cNvSpPr txBox="1"/>
-          <p:nvPr/>
-        </p:nvSpPr>
-        <p:spPr>
-          <a:xfrm>
-            <a:off x="5565531" y="4053254"/>
-            <a:ext cx="2699778" cy="369332"/>
-          </a:xfrm>
-          <a:prstGeom prst="rect">
-            <a:avLst/>
-          </a:prstGeom>
-          <a:noFill/>
-        </p:spPr>
-        <p:txBody>
-          <a:bodyPr wrap="none" rtlCol="0">
-            <a:spAutoFit/>
-          </a:bodyPr>
-          <a:lstStyle/>
-          <a:p>
-            <a:r>
-              <a:rPr lang="zh-CN" altLang="en-US" dirty="0"/>
-              <a:t>将 </a:t>
-            </a:r>
-            <a:r>
-              <a:rPr lang="en-US" altLang="zh-CN" dirty="0"/>
-              <a:t>result </a:t>
-            </a:r>
-            <a:r>
-              <a:rPr lang="zh-CN" altLang="en-US" dirty="0"/>
-              <a:t>的获取过程封装</a:t>
+              <a:rPr lang="zh-CN" altLang="en-US" sz="2400" b="1" dirty="0">
+                <a:solidFill>
+                  <a:srgbClr val="4ACBD6"/>
+                </a:solidFill>
+                <a:latin typeface="微软雅黑" panose="020B0503020204020204" pitchFamily="34" charset="-122"/>
+                <a:ea typeface="微软雅黑" panose="020B0503020204020204" pitchFamily="34" charset="-122"/>
+                <a:cs typeface="Arial"/>
+              </a:rPr>
+              <a:t>目录</a:t>
             </a:r>
           </a:p>
         </p:txBody>
@@ -15813,13 +20015,261 @@
     </p:spTree>
     <p:extLst>
       <p:ext uri="{BB962C8B-B14F-4D97-AF65-F5344CB8AC3E}">
-        <p14:creationId xmlns:p14="http://schemas.microsoft.com/office/powerpoint/2010/main" val="1516049712"/>
+        <p14:creationId xmlns:p14="http://schemas.microsoft.com/office/powerpoint/2010/main" val="996284281"/>
       </p:ext>
     </p:extLst>
   </p:cSld>
   <p:clrMapOvr>
     <a:masterClrMapping/>
   </p:clrMapOvr>
+  <p:timing>
+    <p:tnLst>
+      <p:par>
+        <p:cTn id="1" dur="indefinite" restart="never" nodeType="tmRoot">
+          <p:childTnLst>
+            <p:seq concurrent="1" nextAc="seek">
+              <p:cTn id="2" dur="indefinite" nodeType="mainSeq">
+                <p:childTnLst>
+                  <p:par>
+                    <p:cTn id="3" fill="hold">
+                      <p:stCondLst>
+                        <p:cond delay="indefinite"/>
+                      </p:stCondLst>
+                      <p:childTnLst>
+                        <p:par>
+                          <p:cTn id="4" fill="hold">
+                            <p:stCondLst>
+                              <p:cond delay="0"/>
+                            </p:stCondLst>
+                            <p:childTnLst>
+                              <p:par>
+                                <p:cTn id="5" presetID="19" presetClass="emph" presetSubtype="0" fill="hold" grpId="0" nodeType="clickEffect">
+                                  <p:stCondLst>
+                                    <p:cond delay="0"/>
+                                  </p:stCondLst>
+                                  <p:childTnLst>
+                                    <p:animClr clrSpc="rgb" dir="cw">
+                                      <p:cBhvr override="childStyle">
+                                        <p:cTn id="6" dur="250" fill="hold"/>
+                                        <p:tgtEl>
+                                          <p:spTgt spid="32"/>
+                                        </p:tgtEl>
+                                        <p:attrNameLst>
+                                          <p:attrName>style.color</p:attrName>
+                                        </p:attrNameLst>
+                                      </p:cBhvr>
+                                      <p:to>
+                                        <a:srgbClr val="E2EFD9"/>
+                                      </p:to>
+                                    </p:animClr>
+                                    <p:animClr clrSpc="rgb" dir="cw">
+                                      <p:cBhvr>
+                                        <p:cTn id="7" dur="250" fill="hold"/>
+                                        <p:tgtEl>
+                                          <p:spTgt spid="32"/>
+                                        </p:tgtEl>
+                                        <p:attrNameLst>
+                                          <p:attrName>fillcolor</p:attrName>
+                                        </p:attrNameLst>
+                                      </p:cBhvr>
+                                      <p:to>
+                                        <a:srgbClr val="E2EFD9"/>
+                                      </p:to>
+                                    </p:animClr>
+                                    <p:set>
+                                      <p:cBhvr>
+                                        <p:cTn id="8" dur="250" fill="hold"/>
+                                        <p:tgtEl>
+                                          <p:spTgt spid="32"/>
+                                        </p:tgtEl>
+                                        <p:attrNameLst>
+                                          <p:attrName>fill.type</p:attrName>
+                                        </p:attrNameLst>
+                                      </p:cBhvr>
+                                      <p:to>
+                                        <p:strVal val="solid"/>
+                                      </p:to>
+                                    </p:set>
+                                    <p:set>
+                                      <p:cBhvr>
+                                        <p:cTn id="9" dur="250" fill="hold"/>
+                                        <p:tgtEl>
+                                          <p:spTgt spid="32"/>
+                                        </p:tgtEl>
+                                        <p:attrNameLst>
+                                          <p:attrName>fill.on</p:attrName>
+                                        </p:attrNameLst>
+                                      </p:cBhvr>
+                                      <p:to>
+                                        <p:strVal val="true"/>
+                                      </p:to>
+                                    </p:set>
+                                  </p:childTnLst>
+                                </p:cTn>
+                              </p:par>
+                              <p:par>
+                                <p:cTn id="10" presetID="19" presetClass="emph" presetSubtype="0" fill="hold" grpId="0" nodeType="withEffect">
+                                  <p:stCondLst>
+                                    <p:cond delay="0"/>
+                                  </p:stCondLst>
+                                  <p:childTnLst>
+                                    <p:animClr clrSpc="rgb" dir="cw">
+                                      <p:cBhvr override="childStyle">
+                                        <p:cTn id="11" dur="250" fill="hold"/>
+                                        <p:tgtEl>
+                                          <p:spTgt spid="35"/>
+                                        </p:tgtEl>
+                                        <p:attrNameLst>
+                                          <p:attrName>style.color</p:attrName>
+                                        </p:attrNameLst>
+                                      </p:cBhvr>
+                                      <p:to>
+                                        <a:srgbClr val="E2EFD9"/>
+                                      </p:to>
+                                    </p:animClr>
+                                    <p:animClr clrSpc="rgb" dir="cw">
+                                      <p:cBhvr>
+                                        <p:cTn id="12" dur="250" fill="hold"/>
+                                        <p:tgtEl>
+                                          <p:spTgt spid="35"/>
+                                        </p:tgtEl>
+                                        <p:attrNameLst>
+                                          <p:attrName>fillcolor</p:attrName>
+                                        </p:attrNameLst>
+                                      </p:cBhvr>
+                                      <p:to>
+                                        <a:srgbClr val="E2EFD9"/>
+                                      </p:to>
+                                    </p:animClr>
+                                    <p:set>
+                                      <p:cBhvr>
+                                        <p:cTn id="13" dur="250" fill="hold"/>
+                                        <p:tgtEl>
+                                          <p:spTgt spid="35"/>
+                                        </p:tgtEl>
+                                        <p:attrNameLst>
+                                          <p:attrName>fill.type</p:attrName>
+                                        </p:attrNameLst>
+                                      </p:cBhvr>
+                                      <p:to>
+                                        <p:strVal val="solid"/>
+                                      </p:to>
+                                    </p:set>
+                                    <p:set>
+                                      <p:cBhvr>
+                                        <p:cTn id="14" dur="250" fill="hold"/>
+                                        <p:tgtEl>
+                                          <p:spTgt spid="35"/>
+                                        </p:tgtEl>
+                                        <p:attrNameLst>
+                                          <p:attrName>fill.on</p:attrName>
+                                        </p:attrNameLst>
+                                      </p:cBhvr>
+                                      <p:to>
+                                        <p:strVal val="true"/>
+                                      </p:to>
+                                    </p:set>
+                                  </p:childTnLst>
+                                </p:cTn>
+                              </p:par>
+                              <p:par>
+                                <p:cTn id="15" presetID="19" presetClass="emph" presetSubtype="0" fill="hold" grpId="0" nodeType="withEffect">
+                                  <p:stCondLst>
+                                    <p:cond delay="0"/>
+                                  </p:stCondLst>
+                                  <p:childTnLst>
+                                    <p:animClr clrSpc="rgb" dir="cw">
+                                      <p:cBhvr override="childStyle">
+                                        <p:cTn id="16" dur="250" fill="hold"/>
+                                        <p:tgtEl>
+                                          <p:spTgt spid="34"/>
+                                        </p:tgtEl>
+                                        <p:attrNameLst>
+                                          <p:attrName>style.color</p:attrName>
+                                        </p:attrNameLst>
+                                      </p:cBhvr>
+                                      <p:to>
+                                        <a:srgbClr val="E2EFD9"/>
+                                      </p:to>
+                                    </p:animClr>
+                                    <p:animClr clrSpc="rgb" dir="cw">
+                                      <p:cBhvr>
+                                        <p:cTn id="17" dur="250" fill="hold"/>
+                                        <p:tgtEl>
+                                          <p:spTgt spid="34"/>
+                                        </p:tgtEl>
+                                        <p:attrNameLst>
+                                          <p:attrName>fillcolor</p:attrName>
+                                        </p:attrNameLst>
+                                      </p:cBhvr>
+                                      <p:to>
+                                        <a:srgbClr val="E2EFD9"/>
+                                      </p:to>
+                                    </p:animClr>
+                                    <p:set>
+                                      <p:cBhvr>
+                                        <p:cTn id="18" dur="250" fill="hold"/>
+                                        <p:tgtEl>
+                                          <p:spTgt spid="34"/>
+                                        </p:tgtEl>
+                                        <p:attrNameLst>
+                                          <p:attrName>fill.type</p:attrName>
+                                        </p:attrNameLst>
+                                      </p:cBhvr>
+                                      <p:to>
+                                        <p:strVal val="solid"/>
+                                      </p:to>
+                                    </p:set>
+                                    <p:set>
+                                      <p:cBhvr>
+                                        <p:cTn id="19" dur="250" fill="hold"/>
+                                        <p:tgtEl>
+                                          <p:spTgt spid="34"/>
+                                        </p:tgtEl>
+                                        <p:attrNameLst>
+                                          <p:attrName>fill.on</p:attrName>
+                                        </p:attrNameLst>
+                                      </p:cBhvr>
+                                      <p:to>
+                                        <p:strVal val="true"/>
+                                      </p:to>
+                                    </p:set>
+                                  </p:childTnLst>
+                                </p:cTn>
+                              </p:par>
+                            </p:childTnLst>
+                          </p:cTn>
+                        </p:par>
+                      </p:childTnLst>
+                    </p:cTn>
+                  </p:par>
+                </p:childTnLst>
+              </p:cTn>
+              <p:prevCondLst>
+                <p:cond evt="onPrev" delay="0">
+                  <p:tgtEl>
+                    <p:sldTgt/>
+                  </p:tgtEl>
+                </p:cond>
+              </p:prevCondLst>
+              <p:nextCondLst>
+                <p:cond evt="onNext" delay="0">
+                  <p:tgtEl>
+                    <p:sldTgt/>
+                  </p:tgtEl>
+                </p:cond>
+              </p:nextCondLst>
+            </p:seq>
+          </p:childTnLst>
+        </p:cTn>
+      </p:par>
+    </p:tnLst>
+    <p:bldLst>
+      <p:bldP spid="34" grpId="0" animBg="1"/>
+      <p:bldP spid="35" grpId="0" animBg="1"/>
+      <p:bldP spid="32" grpId="0" animBg="1"/>
+    </p:bldLst>
+  </p:timing>
 </p:sld>
 </file>
 
@@ -16056,14 +20506,20 @@
       </p:grpSp>
       <p:sp>
         <p:nvSpPr>
-          <p:cNvPr id="7" name="文本框 6"/>
+          <p:cNvPr id="2" name="文本框 1">
+            <a:extLst>
+              <a:ext uri="{FF2B5EF4-FFF2-40B4-BE49-F238E27FC236}">
+                <a16:creationId xmlns:a16="http://schemas.microsoft.com/office/drawing/2014/main" id="{FF027D7B-D8C8-44E8-8243-4947B0292142}"/>
+              </a:ext>
+            </a:extLst>
+          </p:cNvPr>
           <p:cNvSpPr txBox="1"/>
           <p:nvPr/>
         </p:nvSpPr>
         <p:spPr>
           <a:xfrm>
-            <a:off x="624254" y="2162908"/>
-            <a:ext cx="9071714" cy="2862322"/>
+            <a:off x="1204055" y="1346042"/>
+            <a:ext cx="2818400" cy="2031325"/>
           </a:xfrm>
           <a:prstGeom prst="rect">
             <a:avLst/>
@@ -16081,9 +20537,12 @@
             </a:pPr>
             <a:r>
               <a:rPr lang="zh-CN" altLang="en-US" dirty="0"/>
-              <a:t>如果要采用面向对象编程的方式，那么一定要注意做好抽象，隐藏细节。</a:t>
-            </a:r>
-            <a:endParaRPr lang="en-US" altLang="zh-CN" dirty="0"/>
+              <a:t>单一权责原则</a:t>
+            </a:r>
+            <a:r>
+              <a:rPr lang="en-US" altLang="zh-CN" dirty="0"/>
+              <a:t>(SRP)</a:t>
+            </a:r>
           </a:p>
           <a:p>
             <a:pPr marL="342900" indent="-342900">
@@ -16095,6 +20554,10 @@
             <a:pPr marL="342900" indent="-342900">
               <a:buAutoNum type="arabicPeriod"/>
             </a:pPr>
+            <a:r>
+              <a:rPr lang="zh-CN" altLang="en-US" dirty="0"/>
+              <a:t>切分系统构造和使用</a:t>
+            </a:r>
             <a:endParaRPr lang="en-US" altLang="zh-CN" dirty="0"/>
           </a:p>
           <a:p>
@@ -16109,14 +20572,7 @@
             </a:pPr>
             <a:r>
               <a:rPr lang="zh-CN" altLang="en-US" dirty="0"/>
-              <a:t>要注意数据结构与对象的区别，数据结构只是容器，面向过程，便于添加新的函数。</a:t>
-            </a:r>
-            <a:br>
-              <a:rPr lang="en-US" altLang="zh-CN" dirty="0"/>
-            </a:br>
-            <a:r>
-              <a:rPr lang="zh-CN" altLang="en-US" dirty="0"/>
-              <a:t>对象则可以通过继承、抽象、封装、多态特性，添加新类。</a:t>
+              <a:t>测试驱动开发</a:t>
             </a:r>
             <a:endParaRPr lang="en-US" altLang="zh-CN" dirty="0"/>
           </a:p>
@@ -16130,30 +20586,18 @@
             <a:pPr marL="342900" indent="-342900">
               <a:buAutoNum type="arabicPeriod"/>
             </a:pPr>
-            <a:endParaRPr lang="en-US" altLang="zh-CN" dirty="0"/>
-          </a:p>
-          <a:p>
-            <a:pPr marL="342900" indent="-342900">
-              <a:buAutoNum type="arabicPeriod"/>
-            </a:pPr>
             <a:r>
               <a:rPr lang="zh-CN" altLang="en-US" dirty="0"/>
-              <a:t>合理选用面向过程</a:t>
+              <a:t>迭进设计</a:t>
             </a:r>
             <a:r>
               <a:rPr lang="en-US" altLang="zh-CN" dirty="0"/>
-              <a:t>/</a:t>
-            </a:r>
-            <a:r>
-              <a:rPr lang="zh-CN" altLang="en-US" dirty="0"/>
-              <a:t>面向对象的设计方案</a:t>
-            </a:r>
-            <a:endParaRPr lang="en-US" altLang="zh-CN" dirty="0"/>
-          </a:p>
-          <a:p>
-            <a:pPr marL="342900" indent="-342900">
-              <a:buAutoNum type="arabicPeriod"/>
-            </a:pPr>
+              <a:t>---</a:t>
+            </a:r>
+            <a:r>
+              <a:rPr lang="zh-CN" altLang="en-US"/>
+              <a:t>简单设计</a:t>
+            </a:r>
             <a:endParaRPr lang="zh-CN" altLang="en-US" dirty="0"/>
           </a:p>
         </p:txBody>
